--- a/FearThePonies.pptx
+++ b/FearThePonies.pptx
@@ -5,13 +5,18 @@
     <p:sldMasterId id="2147483648" r:id="rId1"/>
   </p:sldMasterIdLst>
   <p:notesMasterIdLst>
-    <p:notesMasterId r:id="rId6"/>
+    <p:notesMasterId r:id="rId11"/>
   </p:notesMasterIdLst>
   <p:sldIdLst>
     <p:sldId id="260" r:id="rId2"/>
-    <p:sldId id="258" r:id="rId3"/>
-    <p:sldId id="261" r:id="rId4"/>
-    <p:sldId id="257" r:id="rId5"/>
+    <p:sldId id="262" r:id="rId3"/>
+    <p:sldId id="268" r:id="rId4"/>
+    <p:sldId id="272" r:id="rId5"/>
+    <p:sldId id="277" r:id="rId6"/>
+    <p:sldId id="279" r:id="rId7"/>
+    <p:sldId id="278" r:id="rId8"/>
+    <p:sldId id="270" r:id="rId9"/>
+    <p:sldId id="271" r:id="rId10"/>
   </p:sldIdLst>
   <p:sldSz cx="13004800" cy="9753600"/>
   <p:notesSz cx="6858000" cy="9144000"/>
@@ -675,7 +680,7 @@
           <a:lstStyle/>
           <a:p>
             <a:fld id="{86CB4B4D-7CA3-9044-876B-883B54F8677D}" type="slidenum">
-              <a:t>‹#›</a:t>
+              <a:t>‹N°›</a:t>
             </a:fld>
             <a:endParaRPr/>
           </a:p>
@@ -691,137 +696,6 @@
 </file>
 
 <file path=ppt/slideLayouts/slideLayout10.xml><?xml version="1.0" encoding="utf-8"?>
-<p:sldLayout xmlns:a="http://schemas.openxmlformats.org/drawingml/2006/main" xmlns:r="http://schemas.openxmlformats.org/officeDocument/2006/relationships" xmlns:p="http://schemas.openxmlformats.org/presentationml/2006/main" type="tx">
-  <p:cSld name="Citation">
-    <p:spTree>
-      <p:nvGrpSpPr>
-        <p:cNvPr id="1" name=""/>
-        <p:cNvGrpSpPr/>
-        <p:nvPr/>
-      </p:nvGrpSpPr>
-      <p:grpSpPr>
-        <a:xfrm>
-          <a:off x="0" y="0"/>
-          <a:ext cx="0" cy="0"/>
-          <a:chOff x="0" y="0"/>
-          <a:chExt cx="0" cy="0"/>
-        </a:xfrm>
-      </p:grpSpPr>
-      <p:sp>
-        <p:nvSpPr>
-          <p:cNvPr id="93" name="-Gilles Allain"/>
-          <p:cNvSpPr>
-            <a:spLocks noGrp="1"/>
-          </p:cNvSpPr>
-          <p:nvPr>
-            <p:ph type="body" sz="quarter" idx="13"/>
-          </p:nvPr>
-        </p:nvSpPr>
-        <p:spPr>
-          <a:xfrm>
-            <a:off x="1270000" y="6362700"/>
-            <a:ext cx="10464800" cy="469900"/>
-          </a:xfrm>
-          <a:prstGeom prst="rect">
-            <a:avLst/>
-          </a:prstGeom>
-        </p:spPr>
-        <p:txBody>
-          <a:bodyPr anchor="t">
-            <a:spAutoFit/>
-          </a:bodyPr>
-          <a:lstStyle>
-            <a:lvl1pPr marL="0" indent="0" algn="ctr">
-              <a:spcBef>
-                <a:spcPts val="0"/>
-              </a:spcBef>
-              <a:buSzTx/>
-              <a:buNone/>
-              <a:defRPr sz="2400" i="1"/>
-            </a:lvl1pPr>
-          </a:lstStyle>
-          <a:p>
-            <a:r>
-              <a:t>-Gilles Allain</a:t>
-            </a:r>
-          </a:p>
-        </p:txBody>
-      </p:sp>
-      <p:sp>
-        <p:nvSpPr>
-          <p:cNvPr id="94" name="« Saisissez une citation ici. »"/>
-          <p:cNvSpPr>
-            <a:spLocks noGrp="1"/>
-          </p:cNvSpPr>
-          <p:nvPr>
-            <p:ph type="body" sz="quarter" idx="14"/>
-          </p:nvPr>
-        </p:nvSpPr>
-        <p:spPr>
-          <a:xfrm>
-            <a:off x="1270000" y="4267200"/>
-            <a:ext cx="10464800" cy="685800"/>
-          </a:xfrm>
-          <a:prstGeom prst="rect">
-            <a:avLst/>
-          </a:prstGeom>
-        </p:spPr>
-        <p:txBody>
-          <a:bodyPr>
-            <a:spAutoFit/>
-          </a:bodyPr>
-          <a:lstStyle>
-            <a:lvl1pPr marL="0" indent="0" algn="ctr">
-              <a:spcBef>
-                <a:spcPts val="0"/>
-              </a:spcBef>
-              <a:buSzTx/>
-              <a:buNone/>
-            </a:lvl1pPr>
-          </a:lstStyle>
-          <a:p>
-            <a:r>
-              <a:t>« Saisissez une citation ici. » </a:t>
-            </a:r>
-          </a:p>
-        </p:txBody>
-      </p:sp>
-      <p:sp>
-        <p:nvSpPr>
-          <p:cNvPr id="95" name="Numéro de diapositive"/>
-          <p:cNvSpPr>
-            <a:spLocks noGrp="1"/>
-          </p:cNvSpPr>
-          <p:nvPr>
-            <p:ph type="sldNum" sz="quarter" idx="2"/>
-          </p:nvPr>
-        </p:nvSpPr>
-        <p:spPr>
-          <a:prstGeom prst="rect">
-            <a:avLst/>
-          </a:prstGeom>
-        </p:spPr>
-        <p:txBody>
-          <a:bodyPr/>
-          <a:lstStyle/>
-          <a:p>
-            <a:fld id="{86CB4B4D-7CA3-9044-876B-883B54F8677D}" type="slidenum">
-              <a:t>‹#›</a:t>
-            </a:fld>
-            <a:endParaRPr/>
-          </a:p>
-        </p:txBody>
-      </p:sp>
-    </p:spTree>
-  </p:cSld>
-  <p:clrMapOvr>
-    <a:masterClrMapping/>
-  </p:clrMapOvr>
-  <p:transition spd="med"/>
-</p:sldLayout>
-</file>
-
-<file path=ppt/slideLayouts/slideLayout11.xml><?xml version="1.0" encoding="utf-8"?>
 <p:sldLayout xmlns:a="http://schemas.openxmlformats.org/drawingml/2006/main" xmlns:r="http://schemas.openxmlformats.org/officeDocument/2006/relationships" xmlns:p="http://schemas.openxmlformats.org/presentationml/2006/main" type="tx">
   <p:cSld name="Photo">
     <p:spTree>
@@ -887,7 +761,7 @@
           <a:lstStyle/>
           <a:p>
             <a:fld id="{86CB4B4D-7CA3-9044-876B-883B54F8677D}" type="slidenum">
-              <a:t>‹#›</a:t>
+              <a:t>‹N°›</a:t>
             </a:fld>
             <a:endParaRPr/>
           </a:p>
@@ -902,7 +776,7 @@
 </p:sldLayout>
 </file>
 
-<file path=ppt/slideLayouts/slideLayout12.xml><?xml version="1.0" encoding="utf-8"?>
+<file path=ppt/slideLayouts/slideLayout11.xml><?xml version="1.0" encoding="utf-8"?>
 <p:sldLayout xmlns:a="http://schemas.openxmlformats.org/drawingml/2006/main" xmlns:r="http://schemas.openxmlformats.org/officeDocument/2006/relationships" xmlns:p="http://schemas.openxmlformats.org/presentationml/2006/main" type="tx">
   <p:cSld name="Vierge">
     <p:spTree>
@@ -939,7 +813,7 @@
           <a:lstStyle/>
           <a:p>
             <a:fld id="{86CB4B4D-7CA3-9044-876B-883B54F8677D}" type="slidenum">
-              <a:t>‹#›</a:t>
+              <a:t>‹N°›</a:t>
             </a:fld>
             <a:endParaRPr/>
           </a:p>
@@ -955,210 +829,6 @@
 </file>
 
 <file path=ppt/slideLayouts/slideLayout2.xml><?xml version="1.0" encoding="utf-8"?>
-<p:sldLayout xmlns:a="http://schemas.openxmlformats.org/drawingml/2006/main" xmlns:r="http://schemas.openxmlformats.org/officeDocument/2006/relationships" xmlns:p="http://schemas.openxmlformats.org/presentationml/2006/main" type="tx">
-  <p:cSld name="Photo - Horizontale">
-    <p:spTree>
-      <p:nvGrpSpPr>
-        <p:cNvPr id="1" name=""/>
-        <p:cNvGrpSpPr/>
-        <p:nvPr/>
-      </p:nvGrpSpPr>
-      <p:grpSpPr>
-        <a:xfrm>
-          <a:off x="0" y="0"/>
-          <a:ext cx="0" cy="0"/>
-          <a:chOff x="0" y="0"/>
-          <a:chExt cx="0" cy="0"/>
-        </a:xfrm>
-      </p:grpSpPr>
-      <p:sp>
-        <p:nvSpPr>
-          <p:cNvPr id="20" name="Image"/>
-          <p:cNvSpPr>
-            <a:spLocks noGrp="1"/>
-          </p:cNvSpPr>
-          <p:nvPr>
-            <p:ph type="pic" idx="13"/>
-          </p:nvPr>
-        </p:nvSpPr>
-        <p:spPr>
-          <a:xfrm>
-            <a:off x="1619250" y="660400"/>
-            <a:ext cx="9758016" cy="5905500"/>
-          </a:xfrm>
-          <a:prstGeom prst="rect">
-            <a:avLst/>
-          </a:prstGeom>
-        </p:spPr>
-        <p:txBody>
-          <a:bodyPr lIns="91439" tIns="45719" rIns="91439" bIns="45719" anchor="t">
-            <a:noAutofit/>
-          </a:bodyPr>
-          <a:lstStyle/>
-          <a:p>
-            <a:endParaRPr/>
-          </a:p>
-        </p:txBody>
-      </p:sp>
-      <p:sp>
-        <p:nvSpPr>
-          <p:cNvPr id="21" name="Texte du titre"/>
-          <p:cNvSpPr>
-            <a:spLocks noGrp="1"/>
-          </p:cNvSpPr>
-          <p:nvPr>
-            <p:ph type="title"/>
-          </p:nvPr>
-        </p:nvSpPr>
-        <p:spPr>
-          <a:xfrm>
-            <a:off x="1270000" y="6718300"/>
-            <a:ext cx="10464800" cy="1422400"/>
-          </a:xfrm>
-          <a:prstGeom prst="rect">
-            <a:avLst/>
-          </a:prstGeom>
-        </p:spPr>
-        <p:txBody>
-          <a:bodyPr/>
-          <a:lstStyle/>
-          <a:p>
-            <a:r>
-              <a:t>Texte du titre</a:t>
-            </a:r>
-          </a:p>
-        </p:txBody>
-      </p:sp>
-      <p:sp>
-        <p:nvSpPr>
-          <p:cNvPr id="22" name="Texte niveau 1…"/>
-          <p:cNvSpPr>
-            <a:spLocks noGrp="1"/>
-          </p:cNvSpPr>
-          <p:nvPr>
-            <p:ph type="body" sz="quarter" idx="1"/>
-          </p:nvPr>
-        </p:nvSpPr>
-        <p:spPr>
-          <a:xfrm>
-            <a:off x="1270000" y="8191500"/>
-            <a:ext cx="10464800" cy="1130300"/>
-          </a:xfrm>
-          <a:prstGeom prst="rect">
-            <a:avLst/>
-          </a:prstGeom>
-        </p:spPr>
-        <p:txBody>
-          <a:bodyPr anchor="t"/>
-          <a:lstStyle>
-            <a:lvl1pPr marL="0" indent="0" algn="ctr">
-              <a:spcBef>
-                <a:spcPts val="0"/>
-              </a:spcBef>
-              <a:buSzTx/>
-              <a:buNone/>
-              <a:defRPr sz="3200"/>
-            </a:lvl1pPr>
-            <a:lvl2pPr marL="0" indent="228600" algn="ctr">
-              <a:spcBef>
-                <a:spcPts val="0"/>
-              </a:spcBef>
-              <a:buSzTx/>
-              <a:buNone/>
-              <a:defRPr sz="3200"/>
-            </a:lvl2pPr>
-            <a:lvl3pPr marL="0" indent="457200" algn="ctr">
-              <a:spcBef>
-                <a:spcPts val="0"/>
-              </a:spcBef>
-              <a:buSzTx/>
-              <a:buNone/>
-              <a:defRPr sz="3200"/>
-            </a:lvl3pPr>
-            <a:lvl4pPr marL="0" indent="685800" algn="ctr">
-              <a:spcBef>
-                <a:spcPts val="0"/>
-              </a:spcBef>
-              <a:buSzTx/>
-              <a:buNone/>
-              <a:defRPr sz="3200"/>
-            </a:lvl4pPr>
-            <a:lvl5pPr marL="0" indent="914400" algn="ctr">
-              <a:spcBef>
-                <a:spcPts val="0"/>
-              </a:spcBef>
-              <a:buSzTx/>
-              <a:buNone/>
-              <a:defRPr sz="3200"/>
-            </a:lvl5pPr>
-          </a:lstStyle>
-          <a:p>
-            <a:r>
-              <a:t>Texte niveau 1</a:t>
-            </a:r>
-          </a:p>
-          <a:p>
-            <a:pPr lvl="1"/>
-            <a:r>
-              <a:t>Texte niveau 2</a:t>
-            </a:r>
-          </a:p>
-          <a:p>
-            <a:pPr lvl="2"/>
-            <a:r>
-              <a:t>Texte niveau 3</a:t>
-            </a:r>
-          </a:p>
-          <a:p>
-            <a:pPr lvl="3"/>
-            <a:r>
-              <a:t>Texte niveau 4</a:t>
-            </a:r>
-          </a:p>
-          <a:p>
-            <a:pPr lvl="4"/>
-            <a:r>
-              <a:t>Texte niveau 5</a:t>
-            </a:r>
-          </a:p>
-        </p:txBody>
-      </p:sp>
-      <p:sp>
-        <p:nvSpPr>
-          <p:cNvPr id="23" name="Numéro de diapositive"/>
-          <p:cNvSpPr>
-            <a:spLocks noGrp="1"/>
-          </p:cNvSpPr>
-          <p:nvPr>
-            <p:ph type="sldNum" sz="quarter" idx="2"/>
-          </p:nvPr>
-        </p:nvSpPr>
-        <p:spPr>
-          <a:prstGeom prst="rect">
-            <a:avLst/>
-          </a:prstGeom>
-        </p:spPr>
-        <p:txBody>
-          <a:bodyPr/>
-          <a:lstStyle/>
-          <a:p>
-            <a:fld id="{86CB4B4D-7CA3-9044-876B-883B54F8677D}" type="slidenum">
-              <a:t>‹#›</a:t>
-            </a:fld>
-            <a:endParaRPr/>
-          </a:p>
-        </p:txBody>
-      </p:sp>
-    </p:spTree>
-  </p:cSld>
-  <p:clrMapOvr>
-    <a:masterClrMapping/>
-  </p:clrMapOvr>
-  <p:transition spd="med"/>
-</p:sldLayout>
-</file>
-
-<file path=ppt/slideLayouts/slideLayout3.xml><?xml version="1.0" encoding="utf-8"?>
 <p:sldLayout xmlns:a="http://schemas.openxmlformats.org/drawingml/2006/main" xmlns:r="http://schemas.openxmlformats.org/officeDocument/2006/relationships" xmlns:p="http://schemas.openxmlformats.org/presentationml/2006/main" type="tx">
   <p:cSld name="Titre - Centré">
     <p:spTree>
@@ -1224,7 +894,7 @@
           <a:lstStyle/>
           <a:p>
             <a:fld id="{86CB4B4D-7CA3-9044-876B-883B54F8677D}" type="slidenum">
-              <a:t>‹#›</a:t>
+              <a:t>‹N°›</a:t>
             </a:fld>
             <a:endParaRPr/>
           </a:p>
@@ -1239,7 +909,7 @@
 </p:sldLayout>
 </file>
 
-<file path=ppt/slideLayouts/slideLayout4.xml><?xml version="1.0" encoding="utf-8"?>
+<file path=ppt/slideLayouts/slideLayout3.xml><?xml version="1.0" encoding="utf-8"?>
 <p:sldLayout xmlns:a="http://schemas.openxmlformats.org/drawingml/2006/main" xmlns:r="http://schemas.openxmlformats.org/officeDocument/2006/relationships" xmlns:p="http://schemas.openxmlformats.org/presentationml/2006/main" type="tx">
   <p:cSld name="Photo - Verticale">
     <p:spTree>
@@ -1432,7 +1102,7 @@
           <a:lstStyle/>
           <a:p>
             <a:fld id="{86CB4B4D-7CA3-9044-876B-883B54F8677D}" type="slidenum">
-              <a:t>‹#›</a:t>
+              <a:t>‹N°›</a:t>
             </a:fld>
             <a:endParaRPr/>
           </a:p>
@@ -1447,7 +1117,7 @@
 </p:sldLayout>
 </file>
 
-<file path=ppt/slideLayouts/slideLayout5.xml><?xml version="1.0" encoding="utf-8"?>
+<file path=ppt/slideLayouts/slideLayout4.xml><?xml version="1.0" encoding="utf-8"?>
 <p:sldLayout xmlns:a="http://schemas.openxmlformats.org/drawingml/2006/main" xmlns:r="http://schemas.openxmlformats.org/officeDocument/2006/relationships" xmlns:p="http://schemas.openxmlformats.org/presentationml/2006/main" type="tx">
   <p:cSld name="Titre - Haut">
     <p:spTree>
@@ -1509,7 +1179,7 @@
           <a:lstStyle/>
           <a:p>
             <a:fld id="{86CB4B4D-7CA3-9044-876B-883B54F8677D}" type="slidenum">
-              <a:t>‹#›</a:t>
+              <a:t>‹N°›</a:t>
             </a:fld>
             <a:endParaRPr/>
           </a:p>
@@ -1524,7 +1194,7 @@
 </p:sldLayout>
 </file>
 
-<file path=ppt/slideLayouts/slideLayout6.xml><?xml version="1.0" encoding="utf-8"?>
+<file path=ppt/slideLayouts/slideLayout5.xml><?xml version="1.0" encoding="utf-8"?>
 <p:sldLayout xmlns:a="http://schemas.openxmlformats.org/drawingml/2006/main" xmlns:r="http://schemas.openxmlformats.org/officeDocument/2006/relationships" xmlns:p="http://schemas.openxmlformats.org/presentationml/2006/main" type="tx">
   <p:cSld name="Titre et puces">
     <p:spTree>
@@ -1635,7 +1305,7 @@
           <a:lstStyle/>
           <a:p>
             <a:fld id="{86CB4B4D-7CA3-9044-876B-883B54F8677D}" type="slidenum">
-              <a:t>‹#›</a:t>
+              <a:t>‹N°›</a:t>
             </a:fld>
             <a:endParaRPr/>
           </a:p>
@@ -1650,7 +1320,7 @@
 </p:sldLayout>
 </file>
 
-<file path=ppt/slideLayouts/slideLayout7.xml><?xml version="1.0" encoding="utf-8"?>
+<file path=ppt/slideLayouts/slideLayout6.xml><?xml version="1.0" encoding="utf-8"?>
 <p:sldLayout xmlns:a="http://schemas.openxmlformats.org/drawingml/2006/main" xmlns:r="http://schemas.openxmlformats.org/officeDocument/2006/relationships" xmlns:p="http://schemas.openxmlformats.org/presentationml/2006/main" type="tx">
   <p:cSld name="Titre, puces et photo">
     <p:spTree>
@@ -1825,7 +1495,7 @@
           <a:lstStyle/>
           <a:p>
             <a:fld id="{86CB4B4D-7CA3-9044-876B-883B54F8677D}" type="slidenum">
-              <a:t>‹#›</a:t>
+              <a:t>‹N°›</a:t>
             </a:fld>
             <a:endParaRPr/>
           </a:p>
@@ -1840,7 +1510,7 @@
 </p:sldLayout>
 </file>
 
-<file path=ppt/slideLayouts/slideLayout8.xml><?xml version="1.0" encoding="utf-8"?>
+<file path=ppt/slideLayouts/slideLayout7.xml><?xml version="1.0" encoding="utf-8"?>
 <p:sldLayout xmlns:a="http://schemas.openxmlformats.org/drawingml/2006/main" xmlns:r="http://schemas.openxmlformats.org/officeDocument/2006/relationships" xmlns:p="http://schemas.openxmlformats.org/presentationml/2006/main" type="tx">
   <p:cSld name="Puces">
     <p:spTree>
@@ -1930,7 +1600,7 @@
           <a:lstStyle/>
           <a:p>
             <a:fld id="{86CB4B4D-7CA3-9044-876B-883B54F8677D}" type="slidenum">
-              <a:t>‹#›</a:t>
+              <a:t>‹N°›</a:t>
             </a:fld>
             <a:endParaRPr/>
           </a:p>
@@ -1945,7 +1615,7 @@
 </p:sldLayout>
 </file>
 
-<file path=ppt/slideLayouts/slideLayout9.xml><?xml version="1.0" encoding="utf-8"?>
+<file path=ppt/slideLayouts/slideLayout8.xml><?xml version="1.0" encoding="utf-8"?>
 <p:sldLayout xmlns:a="http://schemas.openxmlformats.org/drawingml/2006/main" xmlns:r="http://schemas.openxmlformats.org/officeDocument/2006/relationships" xmlns:p="http://schemas.openxmlformats.org/presentationml/2006/main" type="tx">
   <p:cSld name="3 photos">
     <p:spTree>
@@ -2069,7 +1739,138 @@
           <a:lstStyle/>
           <a:p>
             <a:fld id="{86CB4B4D-7CA3-9044-876B-883B54F8677D}" type="slidenum">
-              <a:t>‹#›</a:t>
+              <a:t>‹N°›</a:t>
+            </a:fld>
+            <a:endParaRPr/>
+          </a:p>
+        </p:txBody>
+      </p:sp>
+    </p:spTree>
+  </p:cSld>
+  <p:clrMapOvr>
+    <a:masterClrMapping/>
+  </p:clrMapOvr>
+  <p:transition spd="med"/>
+</p:sldLayout>
+</file>
+
+<file path=ppt/slideLayouts/slideLayout9.xml><?xml version="1.0" encoding="utf-8"?>
+<p:sldLayout xmlns:a="http://schemas.openxmlformats.org/drawingml/2006/main" xmlns:r="http://schemas.openxmlformats.org/officeDocument/2006/relationships" xmlns:p="http://schemas.openxmlformats.org/presentationml/2006/main" type="tx">
+  <p:cSld name="Citation">
+    <p:spTree>
+      <p:nvGrpSpPr>
+        <p:cNvPr id="1" name=""/>
+        <p:cNvGrpSpPr/>
+        <p:nvPr/>
+      </p:nvGrpSpPr>
+      <p:grpSpPr>
+        <a:xfrm>
+          <a:off x="0" y="0"/>
+          <a:ext cx="0" cy="0"/>
+          <a:chOff x="0" y="0"/>
+          <a:chExt cx="0" cy="0"/>
+        </a:xfrm>
+      </p:grpSpPr>
+      <p:sp>
+        <p:nvSpPr>
+          <p:cNvPr id="93" name="-Gilles Allain"/>
+          <p:cNvSpPr>
+            <a:spLocks noGrp="1"/>
+          </p:cNvSpPr>
+          <p:nvPr>
+            <p:ph type="body" sz="quarter" idx="13"/>
+          </p:nvPr>
+        </p:nvSpPr>
+        <p:spPr>
+          <a:xfrm>
+            <a:off x="1270000" y="6362700"/>
+            <a:ext cx="10464800" cy="469900"/>
+          </a:xfrm>
+          <a:prstGeom prst="rect">
+            <a:avLst/>
+          </a:prstGeom>
+        </p:spPr>
+        <p:txBody>
+          <a:bodyPr anchor="t">
+            <a:spAutoFit/>
+          </a:bodyPr>
+          <a:lstStyle>
+            <a:lvl1pPr marL="0" indent="0" algn="ctr">
+              <a:spcBef>
+                <a:spcPts val="0"/>
+              </a:spcBef>
+              <a:buSzTx/>
+              <a:buNone/>
+              <a:defRPr sz="2400" i="1"/>
+            </a:lvl1pPr>
+          </a:lstStyle>
+          <a:p>
+            <a:r>
+              <a:t>-Gilles Allain</a:t>
+            </a:r>
+          </a:p>
+        </p:txBody>
+      </p:sp>
+      <p:sp>
+        <p:nvSpPr>
+          <p:cNvPr id="94" name="« Saisissez une citation ici. »"/>
+          <p:cNvSpPr>
+            <a:spLocks noGrp="1"/>
+          </p:cNvSpPr>
+          <p:nvPr>
+            <p:ph type="body" sz="quarter" idx="14"/>
+          </p:nvPr>
+        </p:nvSpPr>
+        <p:spPr>
+          <a:xfrm>
+            <a:off x="1270000" y="4267200"/>
+            <a:ext cx="10464800" cy="685800"/>
+          </a:xfrm>
+          <a:prstGeom prst="rect">
+            <a:avLst/>
+          </a:prstGeom>
+        </p:spPr>
+        <p:txBody>
+          <a:bodyPr>
+            <a:spAutoFit/>
+          </a:bodyPr>
+          <a:lstStyle>
+            <a:lvl1pPr marL="0" indent="0" algn="ctr">
+              <a:spcBef>
+                <a:spcPts val="0"/>
+              </a:spcBef>
+              <a:buSzTx/>
+              <a:buNone/>
+            </a:lvl1pPr>
+          </a:lstStyle>
+          <a:p>
+            <a:r>
+              <a:t>« Saisissez une citation ici. » </a:t>
+            </a:r>
+          </a:p>
+        </p:txBody>
+      </p:sp>
+      <p:sp>
+        <p:nvSpPr>
+          <p:cNvPr id="95" name="Numéro de diapositive"/>
+          <p:cNvSpPr>
+            <a:spLocks noGrp="1"/>
+          </p:cNvSpPr>
+          <p:nvPr>
+            <p:ph type="sldNum" sz="quarter" idx="2"/>
+          </p:nvPr>
+        </p:nvSpPr>
+        <p:spPr>
+          <a:prstGeom prst="rect">
+            <a:avLst/>
+          </a:prstGeom>
+        </p:spPr>
+        <p:txBody>
+          <a:bodyPr/>
+          <a:lstStyle/>
+          <a:p>
+            <a:fld id="{86CB4B4D-7CA3-9044-876B-883B54F8677D}" type="slidenum">
+              <a:t>‹N°›</a:t>
             </a:fld>
             <a:endParaRPr/>
           </a:p>
@@ -2132,7 +1933,7 @@
           </a:ln>
           <a:extLst>
             <a:ext uri="{C572A759-6A51-4108-AA02-DFA0A04FC94B}">
-              <ma14:wrappingTextBoxFlag xmlns:ma14="http://schemas.microsoft.com/office/mac/drawingml/2011/main" val="1"/>
+              <ma14:wrappingTextBoxFlag xmlns:ma14="http://schemas.microsoft.com/office/mac/drawingml/2011/main" xmlns="" val="1"/>
             </a:ext>
           </a:extLst>
         </p:spPr>
@@ -2171,7 +1972,7 @@
           </a:ln>
           <a:extLst>
             <a:ext uri="{C572A759-6A51-4108-AA02-DFA0A04FC94B}">
-              <ma14:wrappingTextBoxFlag xmlns:ma14="http://schemas.microsoft.com/office/mac/drawingml/2011/main" val="1"/>
+              <ma14:wrappingTextBoxFlag xmlns:ma14="http://schemas.microsoft.com/office/mac/drawingml/2011/main" xmlns="" val="1"/>
             </a:ext>
           </a:extLst>
         </p:spPr>
@@ -2244,7 +2045,7 @@
           </a:lstStyle>
           <a:p>
             <a:fld id="{86CB4B4D-7CA3-9044-876B-883B54F8677D}" type="slidenum">
-              <a:t>‹#›</a:t>
+              <a:t>‹N°›</a:t>
             </a:fld>
             <a:endParaRPr/>
           </a:p>
@@ -2255,17 +2056,16 @@
   <p:clrMap bg1="dk1" tx1="lt1" bg2="dk2" tx2="lt2" accent1="accent1" accent2="accent2" accent3="accent3" accent4="accent4" accent5="accent5" accent6="accent6" hlink="hlink" folHlink="folHlink"/>
   <p:sldLayoutIdLst>
     <p:sldLayoutId id="2147483649" r:id="rId1"/>
-    <p:sldLayoutId id="2147483650" r:id="rId2"/>
-    <p:sldLayoutId id="2147483651" r:id="rId3"/>
-    <p:sldLayoutId id="2147483652" r:id="rId4"/>
-    <p:sldLayoutId id="2147483653" r:id="rId5"/>
-    <p:sldLayoutId id="2147483654" r:id="rId6"/>
-    <p:sldLayoutId id="2147483655" r:id="rId7"/>
-    <p:sldLayoutId id="2147483656" r:id="rId8"/>
-    <p:sldLayoutId id="2147483657" r:id="rId9"/>
-    <p:sldLayoutId id="2147483658" r:id="rId10"/>
-    <p:sldLayoutId id="2147483659" r:id="rId11"/>
-    <p:sldLayoutId id="2147483660" r:id="rId12"/>
+    <p:sldLayoutId id="2147483651" r:id="rId2"/>
+    <p:sldLayoutId id="2147483652" r:id="rId3"/>
+    <p:sldLayoutId id="2147483653" r:id="rId4"/>
+    <p:sldLayoutId id="2147483654" r:id="rId5"/>
+    <p:sldLayoutId id="2147483655" r:id="rId6"/>
+    <p:sldLayoutId id="2147483656" r:id="rId7"/>
+    <p:sldLayoutId id="2147483657" r:id="rId8"/>
+    <p:sldLayoutId id="2147483658" r:id="rId9"/>
+    <p:sldLayoutId id="2147483659" r:id="rId10"/>
+    <p:sldLayoutId id="2147483660" r:id="rId11"/>
   </p:sldLayoutIdLst>
   <p:transition spd="med"/>
   <p:txStyles>
@@ -3088,16 +2888,14 @@
           <p:nvPr/>
         </p:nvPicPr>
         <p:blipFill>
-          <a:blip r:embed="rId2">
-            <a:extLst/>
-          </a:blip>
+          <a:blip r:embed="rId2"/>
           <a:stretch>
             <a:fillRect/>
           </a:stretch>
         </p:blipFill>
         <p:spPr>
           <a:xfrm>
-            <a:off x="-2478438" y="0"/>
+            <a:off x="-2497488" y="0"/>
             <a:ext cx="17339734" cy="9753600"/>
           </a:xfrm>
           <a:prstGeom prst="rect">
@@ -3116,8 +2914,8 @@
         </p:nvSpPr>
         <p:spPr>
           <a:xfrm>
-            <a:off x="355568" y="8323907"/>
-            <a:ext cx="5408677" cy="1016001"/>
+            <a:off x="6306984" y="8326140"/>
+            <a:ext cx="6269345" cy="1179810"/>
           </a:xfrm>
           <a:prstGeom prst="rect">
             <a:avLst/>
@@ -3127,7 +2925,7 @@
           </a:ln>
           <a:extLst>
             <a:ext uri="{C572A759-6A51-4108-AA02-DFA0A04FC94B}">
-              <ma14:wrappingTextBoxFlag xmlns:ma14="http://schemas.microsoft.com/office/mac/drawingml/2011/main" val="1"/>
+              <ma14:wrappingTextBoxFlag xmlns:ma14="http://schemas.microsoft.com/office/mac/drawingml/2011/main" xmlns="" val="1"/>
             </a:ext>
           </a:extLst>
         </p:spPr>
@@ -3142,7 +2940,7 @@
           </a:lstStyle>
           <a:p>
             <a:r>
-              <a:rPr b="1" dirty="0">
+              <a:rPr sz="7000" b="1" dirty="0">
                 <a:latin typeface="Lato" charset="0"/>
                 <a:ea typeface="Lato" charset="0"/>
                 <a:cs typeface="Lato" charset="0"/>
@@ -3163,19 +2961,20 @@
     <a:masterClrMapping/>
   </p:clrMapOvr>
   <p:transition spd="med"/>
-  <p:timing>
-    <p:tnLst>
-      <p:par>
-        <p:cTn id="1" dur="indefinite" restart="never" nodeType="tmRoot"/>
-      </p:par>
-    </p:tnLst>
-  </p:timing>
 </p:sld>
 </file>
 
 <file path=ppt/slides/slide2.xml><?xml version="1.0" encoding="utf-8"?>
 <p:sld xmlns:a="http://schemas.openxmlformats.org/drawingml/2006/main" xmlns:r="http://schemas.openxmlformats.org/officeDocument/2006/relationships" xmlns:p="http://schemas.openxmlformats.org/presentationml/2006/main">
   <p:cSld>
+    <p:bg>
+      <p:bgPr>
+        <a:solidFill>
+          <a:srgbClr val="D098E4"/>
+        </a:solidFill>
+        <a:effectLst/>
+      </p:bgPr>
+    </p:bg>
     <p:spTree>
       <p:nvGrpSpPr>
         <p:cNvPr id="1" name=""/>
@@ -3192,14 +2991,89 @@
       </p:grpSpPr>
       <p:sp>
         <p:nvSpPr>
+          <p:cNvPr id="4" name="Rectangle 3"/>
+          <p:cNvSpPr/>
+          <p:nvPr/>
+        </p:nvSpPr>
+        <p:spPr>
+          <a:xfrm>
+            <a:off x="152400" y="210938"/>
+            <a:ext cx="12687300" cy="9371211"/>
+          </a:xfrm>
+          <a:prstGeom prst="rect">
+            <a:avLst/>
+          </a:prstGeom>
+          <a:solidFill>
+            <a:srgbClr val="9A6FAB"/>
+          </a:solidFill>
+          <a:ln w="12700" cap="flat">
+            <a:noFill/>
+            <a:miter lim="400000"/>
+          </a:ln>
+          <a:effectLst/>
+          <a:sp3d/>
+        </p:spPr>
+        <p:style>
+          <a:lnRef idx="0">
+            <a:scrgbClr r="0" g="0" b="0"/>
+          </a:lnRef>
+          <a:fillRef idx="0">
+            <a:scrgbClr r="0" g="0" b="0"/>
+          </a:fillRef>
+          <a:effectRef idx="0">
+            <a:scrgbClr r="0" g="0" b="0"/>
+          </a:effectRef>
+          <a:fontRef idx="none"/>
+        </p:style>
+        <p:txBody>
+          <a:bodyPr rot="0" spcFirstLastPara="1" vertOverflow="overflow" horzOverflow="overflow" vert="horz" wrap="square" lIns="50800" tIns="50800" rIns="50800" bIns="50800" numCol="1" spcCol="38100" rtlCol="0" anchor="ctr">
+            <a:spAutoFit/>
+          </a:bodyPr>
+          <a:lstStyle/>
+          <a:p>
+            <a:pPr marL="0" marR="0" indent="0" algn="ctr" defTabSz="584200" rtl="0" fontAlgn="auto" latinLnBrk="0" hangingPunct="0">
+              <a:lnSpc>
+                <a:spcPct val="100000"/>
+              </a:lnSpc>
+              <a:spcBef>
+                <a:spcPts val="0"/>
+              </a:spcBef>
+              <a:spcAft>
+                <a:spcPts val="0"/>
+              </a:spcAft>
+              <a:buClrTx/>
+              <a:buSzTx/>
+              <a:buFontTx/>
+              <a:buNone/>
+              <a:tabLst/>
+            </a:pPr>
+            <a:endParaRPr kumimoji="0" lang="fr-FR" sz="2600" b="0" i="0" u="none" strike="noStrike" cap="none" spc="0" normalizeH="0" baseline="0">
+              <a:ln>
+                <a:noFill/>
+              </a:ln>
+              <a:solidFill>
+                <a:srgbClr val="FFFFFF"/>
+              </a:solidFill>
+              <a:effectLst/>
+              <a:uFillTx/>
+              <a:latin typeface="+mn-lt"/>
+              <a:ea typeface="+mn-ea"/>
+              <a:cs typeface="+mn-cs"/>
+              <a:sym typeface="Helvetica Light"/>
+            </a:endParaRPr>
+          </a:p>
+        </p:txBody>
+      </p:sp>
+      <p:sp>
+        <p:nvSpPr>
           <p:cNvPr id="119" name="Fear the ponies"/>
           <p:cNvSpPr/>
           <p:nvPr/>
         </p:nvSpPr>
         <p:spPr>
           <a:xfrm>
-            <a:off x="3881555" y="210939"/>
-            <a:ext cx="5063887" cy="1025922"/>
+            <a:off x="152400" y="420489"/>
+            <a:ext cx="12687300" cy="1025922"/>
           </a:xfrm>
           <a:prstGeom prst="rect">
             <a:avLst/>
@@ -3209,12 +3083,12 @@
           </a:ln>
           <a:extLst>
             <a:ext uri="{C572A759-6A51-4108-AA02-DFA0A04FC94B}">
-              <ma14:wrappingTextBoxFlag xmlns:ma14="http://schemas.microsoft.com/office/mac/drawingml/2011/main" val="1"/>
+              <ma14:wrappingTextBoxFlag xmlns:ma14="http://schemas.microsoft.com/office/mac/drawingml/2011/main" xmlns="" val="1"/>
             </a:ext>
           </a:extLst>
         </p:spPr>
         <p:txBody>
-          <a:bodyPr wrap="none" lIns="50800" tIns="50800" rIns="50800" bIns="50800" anchor="ctr">
+          <a:bodyPr wrap="square" lIns="50800" tIns="50800" rIns="50800" bIns="50800" anchor="ctr">
             <a:spAutoFit/>
           </a:bodyPr>
           <a:lstStyle>
@@ -3224,18 +3098,13 @@
           </a:lstStyle>
           <a:p>
             <a:r>
-              <a:rPr lang="fr-FR" dirty="0" err="1"/>
+              <a:rPr lang="fr-FR" b="1" dirty="0" err="1"/>
               <a:t>Breaking</a:t>
             </a:r>
             <a:r>
-              <a:rPr lang="fr-FR" dirty="0"/>
-              <a:t> </a:t>
-            </a:r>
-            <a:r>
-              <a:rPr lang="fr-FR" dirty="0" smtClean="0"/>
-              <a:t>new!</a:t>
-            </a:r>
-            <a:endParaRPr lang="fr-FR" dirty="0"/>
+              <a:rPr lang="fr-FR" b="1" dirty="0"/>
+              <a:t> new!</a:t>
+            </a:r>
           </a:p>
         </p:txBody>
       </p:sp>
@@ -3247,18 +3116,19 @@
         </p:nvSpPr>
         <p:spPr>
           <a:xfrm>
-            <a:off x="10044921" y="8767380"/>
-            <a:ext cx="2532745" cy="533479"/>
+            <a:off x="10114652" y="8767380"/>
+            <a:ext cx="2393283" cy="533479"/>
           </a:xfrm>
           <a:prstGeom prst="rect">
             <a:avLst/>
           </a:prstGeom>
           <a:ln w="12700">
+            <a:noFill/>
             <a:miter lim="400000"/>
           </a:ln>
           <a:extLst>
             <a:ext uri="{C572A759-6A51-4108-AA02-DFA0A04FC94B}">
-              <ma14:wrappingTextBoxFlag xmlns:ma14="http://schemas.microsoft.com/office/mac/drawingml/2011/main" val="1"/>
+              <ma14:wrappingTextBoxFlag xmlns:ma14="http://schemas.microsoft.com/office/mac/drawingml/2011/main" xmlns="" val="1"/>
             </a:ext>
           </a:extLst>
         </p:spPr>
@@ -3273,22 +3143,14 @@
           </a:lstStyle>
           <a:p>
             <a:r>
-              <a:rPr lang="en-US" dirty="0">
-                <a:latin typeface="Lato" charset="0"/>
-                <a:ea typeface="Lato" charset="0"/>
-                <a:cs typeface="Lato" charset="0"/>
-              </a:rPr>
-              <a:t>y</a:t>
-            </a:r>
-            <a:r>
-              <a:rPr lang="en-US" dirty="0" smtClean="0">
-                <a:latin typeface="Lato" charset="0"/>
-                <a:ea typeface="Lato" charset="0"/>
-                <a:cs typeface="Lato" charset="0"/>
-              </a:rPr>
-              <a:t>our spymaster</a:t>
-            </a:r>
-            <a:endParaRPr dirty="0">
+              <a:rPr lang="en-US" i="1" dirty="0">
+                <a:latin typeface="Lato" charset="0"/>
+                <a:ea typeface="Lato" charset="0"/>
+                <a:cs typeface="Lato" charset="0"/>
+              </a:rPr>
+              <a:t>your spymaster</a:t>
+            </a:r>
+            <a:endParaRPr i="1" dirty="0">
               <a:latin typeface="Lato" charset="0"/>
               <a:ea typeface="Lato" charset="0"/>
               <a:cs typeface="Lato" charset="0"/>
@@ -3310,6 +3172,9 @@
           <a:prstGeom prst="rect">
             <a:avLst/>
           </a:prstGeom>
+          <a:ln>
+            <a:noFill/>
+          </a:ln>
         </p:spPr>
         <p:txBody>
           <a:bodyPr wrap="square">
@@ -3690,7 +3555,7 @@
                 <a:ea typeface="Lato" charset="0"/>
                 <a:cs typeface="Lato" charset="0"/>
               </a:rPr>
-              <a:t> informations </a:t>
+              <a:t> information </a:t>
             </a:r>
             <a:r>
               <a:rPr lang="fr-FR" dirty="0" err="1">
@@ -3756,7 +3621,7 @@
                 <a:ea typeface="Lato" charset="0"/>
                 <a:cs typeface="Lato" charset="0"/>
               </a:rPr>
-              <a:t> us to arrange a </a:t>
+              <a:t> us to devise a </a:t>
             </a:r>
             <a:r>
               <a:rPr lang="fr-FR" dirty="0" err="1">
@@ -3800,18 +3665,7 @@
                 <a:ea typeface="Lato" charset="0"/>
                 <a:cs typeface="Lato" charset="0"/>
               </a:rPr>
-              <a:t> us time</a:t>
-            </a:r>
-            <a:r>
-              <a:rPr lang="fr-FR" dirty="0" smtClean="0">
-                <a:solidFill>
-                  <a:schemeClr val="tx1"/>
-                </a:solidFill>
-                <a:latin typeface="Lato" charset="0"/>
-                <a:ea typeface="Lato" charset="0"/>
-                <a:cs typeface="Lato" charset="0"/>
-              </a:rPr>
-              <a:t>.</a:t>
+              <a:t> us time.</a:t>
             </a:r>
           </a:p>
           <a:p>
@@ -3997,32 +3851,49 @@
       </p:sp>
       <p:pic>
         <p:nvPicPr>
-          <p:cNvPr id="2" name="Image 1"/>
+          <p:cNvPr id="1028" name="Picture 4" descr="Ã©sultat de recherche d'images pour &quot;pinkie spy&quot;"/>
           <p:cNvPicPr>
-            <a:picLocks noChangeAspect="1"/>
+            <a:picLocks noChangeAspect="1" noChangeArrowheads="1"/>
           </p:cNvPicPr>
           <p:nvPr/>
         </p:nvPicPr>
         <p:blipFill>
-          <a:blip r:embed="rId2"/>
+          <a:blip r:embed="rId2" cstate="print">
+            <a:extLst>
+              <a:ext uri="{28A0092B-C50C-407E-A947-70E740481C1C}">
+                <a14:useLocalDpi xmlns:a14="http://schemas.microsoft.com/office/drawing/2010/main" val="0"/>
+              </a:ext>
+            </a:extLst>
+          </a:blip>
+          <a:srcRect/>
           <a:stretch>
             <a:fillRect/>
           </a:stretch>
         </p:blipFill>
-        <p:spPr>
-          <a:xfrm>
-            <a:off x="10549293" y="6862380"/>
-            <a:ext cx="1524000" cy="1905000"/>
+        <p:spPr bwMode="auto">
+          <a:xfrm flipH="1">
+            <a:off x="10330086" y="6846191"/>
+            <a:ext cx="1962413" cy="1920730"/>
           </a:xfrm>
           <a:prstGeom prst="rect">
             <a:avLst/>
           </a:prstGeom>
+          <a:noFill/>
+          <a:extLst>
+            <a:ext uri="{909E8E84-426E-40DD-AFC4-6F175D3DCCD1}">
+              <a14:hiddenFill xmlns:a14="http://schemas.microsoft.com/office/drawing/2010/main">
+                <a:solidFill>
+                  <a:srgbClr val="FFFFFF"/>
+                </a:solidFill>
+              </a14:hiddenFill>
+            </a:ext>
+          </a:extLst>
         </p:spPr>
       </p:pic>
     </p:spTree>
     <p:extLst>
       <p:ext uri="{BB962C8B-B14F-4D97-AF65-F5344CB8AC3E}">
-        <p14:creationId xmlns:p14="http://schemas.microsoft.com/office/powerpoint/2010/main" val="887904561"/>
+        <p14:creationId xmlns:p14="http://schemas.microsoft.com/office/powerpoint/2010/main" val="1115709803"/>
       </p:ext>
     </p:extLst>
   </p:cSld>
@@ -4030,19 +3901,20 @@
     <a:masterClrMapping/>
   </p:clrMapOvr>
   <p:transition spd="med"/>
-  <p:timing>
-    <p:tnLst>
-      <p:par>
-        <p:cTn id="1" dur="indefinite" restart="never" nodeType="tmRoot"/>
-      </p:par>
-    </p:tnLst>
-  </p:timing>
 </p:sld>
 </file>
 
 <file path=ppt/slides/slide3.xml><?xml version="1.0" encoding="utf-8"?>
 <p:sld xmlns:a="http://schemas.openxmlformats.org/drawingml/2006/main" xmlns:r="http://schemas.openxmlformats.org/officeDocument/2006/relationships" xmlns:p="http://schemas.openxmlformats.org/presentationml/2006/main">
   <p:cSld>
+    <p:bg>
+      <p:bgPr>
+        <a:solidFill>
+          <a:srgbClr val="D098E4"/>
+        </a:solidFill>
+        <a:effectLst/>
+      </p:bgPr>
+    </p:bg>
     <p:spTree>
       <p:nvGrpSpPr>
         <p:cNvPr id="1" name=""/>
@@ -4059,14 +3931,89 @@
       </p:grpSpPr>
       <p:sp>
         <p:nvSpPr>
+          <p:cNvPr id="4" name="Rectangle 3"/>
+          <p:cNvSpPr/>
+          <p:nvPr/>
+        </p:nvSpPr>
+        <p:spPr>
+          <a:xfrm>
+            <a:off x="152400" y="210938"/>
+            <a:ext cx="12687300" cy="9371211"/>
+          </a:xfrm>
+          <a:prstGeom prst="rect">
+            <a:avLst/>
+          </a:prstGeom>
+          <a:solidFill>
+            <a:srgbClr val="9A6FAB"/>
+          </a:solidFill>
+          <a:ln w="12700" cap="flat">
+            <a:noFill/>
+            <a:miter lim="400000"/>
+          </a:ln>
+          <a:effectLst/>
+          <a:sp3d/>
+        </p:spPr>
+        <p:style>
+          <a:lnRef idx="0">
+            <a:scrgbClr r="0" g="0" b="0"/>
+          </a:lnRef>
+          <a:fillRef idx="0">
+            <a:scrgbClr r="0" g="0" b="0"/>
+          </a:fillRef>
+          <a:effectRef idx="0">
+            <a:scrgbClr r="0" g="0" b="0"/>
+          </a:effectRef>
+          <a:fontRef idx="none"/>
+        </p:style>
+        <p:txBody>
+          <a:bodyPr rot="0" spcFirstLastPara="1" vertOverflow="overflow" horzOverflow="overflow" vert="horz" wrap="square" lIns="50800" tIns="50800" rIns="50800" bIns="50800" numCol="1" spcCol="38100" rtlCol="0" anchor="ctr">
+            <a:spAutoFit/>
+          </a:bodyPr>
+          <a:lstStyle/>
+          <a:p>
+            <a:pPr marL="0" marR="0" indent="0" algn="ctr" defTabSz="584200" rtl="0" fontAlgn="auto" latinLnBrk="0" hangingPunct="0">
+              <a:lnSpc>
+                <a:spcPct val="100000"/>
+              </a:lnSpc>
+              <a:spcBef>
+                <a:spcPts val="0"/>
+              </a:spcBef>
+              <a:spcAft>
+                <a:spcPts val="0"/>
+              </a:spcAft>
+              <a:buClrTx/>
+              <a:buSzTx/>
+              <a:buFontTx/>
+              <a:buNone/>
+              <a:tabLst/>
+            </a:pPr>
+            <a:endParaRPr kumimoji="0" lang="fr-FR" sz="2600" b="0" i="0" u="none" strike="noStrike" cap="none" spc="0" normalizeH="0" baseline="0">
+              <a:ln>
+                <a:noFill/>
+              </a:ln>
+              <a:solidFill>
+                <a:srgbClr val="FFFFFF"/>
+              </a:solidFill>
+              <a:effectLst/>
+              <a:uFillTx/>
+              <a:latin typeface="+mn-lt"/>
+              <a:ea typeface="+mn-ea"/>
+              <a:cs typeface="+mn-cs"/>
+              <a:sym typeface="Helvetica Light"/>
+            </a:endParaRPr>
+          </a:p>
+        </p:txBody>
+      </p:sp>
+      <p:sp>
+        <p:nvSpPr>
           <p:cNvPr id="119" name="Fear the ponies"/>
           <p:cNvSpPr/>
           <p:nvPr/>
         </p:nvSpPr>
         <p:spPr>
           <a:xfrm>
-            <a:off x="4524362" y="210939"/>
-            <a:ext cx="3778278" cy="1025922"/>
+            <a:off x="152400" y="420489"/>
+            <a:ext cx="12687300" cy="1025922"/>
           </a:xfrm>
           <a:prstGeom prst="rect">
             <a:avLst/>
@@ -4076,12 +4023,12 @@
           </a:ln>
           <a:extLst>
             <a:ext uri="{C572A759-6A51-4108-AA02-DFA0A04FC94B}">
-              <ma14:wrappingTextBoxFlag xmlns:ma14="http://schemas.microsoft.com/office/mac/drawingml/2011/main" val="1"/>
+              <ma14:wrappingTextBoxFlag xmlns:ma14="http://schemas.microsoft.com/office/mac/drawingml/2011/main" xmlns="" val="1"/>
             </a:ext>
           </a:extLst>
         </p:spPr>
         <p:txBody>
-          <a:bodyPr wrap="none" lIns="50800" tIns="50800" rIns="50800" bIns="50800" anchor="ctr">
+          <a:bodyPr wrap="square" lIns="50800" tIns="50800" rIns="50800" bIns="50800" anchor="ctr">
             <a:spAutoFit/>
           </a:bodyPr>
           <a:lstStyle>
@@ -4091,22 +4038,13 @@
           </a:lstStyle>
           <a:p>
             <a:r>
-              <a:rPr lang="fr-FR" dirty="0" err="1" smtClean="0"/>
+              <a:rPr lang="fr-FR" b="1" dirty="0" err="1"/>
               <a:t>Some</a:t>
             </a:r>
             <a:r>
-              <a:rPr lang="fr-FR" dirty="0" smtClean="0"/>
-              <a:t> </a:t>
-            </a:r>
-            <a:r>
-              <a:rPr lang="fr-FR" dirty="0" err="1" smtClean="0"/>
-              <a:t>tips</a:t>
-            </a:r>
-            <a:r>
-              <a:rPr lang="fr-FR" dirty="0" smtClean="0"/>
-              <a:t>!</a:t>
-            </a:r>
-            <a:endParaRPr lang="fr-FR" dirty="0"/>
+              <a:rPr lang="fr-FR" b="1" dirty="0"/>
+              <a:t> Tips!</a:t>
+            </a:r>
           </a:p>
         </p:txBody>
       </p:sp>
@@ -4118,8 +4056,8 @@
         </p:nvSpPr>
         <p:spPr>
           <a:xfrm>
-            <a:off x="10044921" y="8759747"/>
-            <a:ext cx="2532745" cy="533479"/>
+            <a:off x="10114652" y="8767380"/>
+            <a:ext cx="2393283" cy="533479"/>
           </a:xfrm>
           <a:prstGeom prst="rect">
             <a:avLst/>
@@ -4129,7 +4067,7 @@
           </a:ln>
           <a:extLst>
             <a:ext uri="{C572A759-6A51-4108-AA02-DFA0A04FC94B}">
-              <ma14:wrappingTextBoxFlag xmlns:ma14="http://schemas.microsoft.com/office/mac/drawingml/2011/main" val="1"/>
+              <ma14:wrappingTextBoxFlag xmlns:ma14="http://schemas.microsoft.com/office/mac/drawingml/2011/main" xmlns="" val="1"/>
             </a:ext>
           </a:extLst>
         </p:spPr>
@@ -4144,22 +4082,14 @@
           </a:lstStyle>
           <a:p>
             <a:r>
-              <a:rPr lang="en-US" dirty="0">
-                <a:latin typeface="Lato" charset="0"/>
-                <a:ea typeface="Lato" charset="0"/>
-                <a:cs typeface="Lato" charset="0"/>
-              </a:rPr>
-              <a:t>y</a:t>
-            </a:r>
-            <a:r>
-              <a:rPr lang="en-US" dirty="0" smtClean="0">
-                <a:latin typeface="Lato" charset="0"/>
-                <a:ea typeface="Lato" charset="0"/>
-                <a:cs typeface="Lato" charset="0"/>
-              </a:rPr>
-              <a:t>our spymaster</a:t>
-            </a:r>
-            <a:endParaRPr dirty="0">
+              <a:rPr lang="en-US" i="1" dirty="0">
+                <a:latin typeface="Lato" charset="0"/>
+                <a:ea typeface="Lato" charset="0"/>
+                <a:cs typeface="Lato" charset="0"/>
+              </a:rPr>
+              <a:t>your spymaster</a:t>
+            </a:r>
+            <a:endParaRPr i="1" dirty="0">
               <a:latin typeface="Lato" charset="0"/>
               <a:ea typeface="Lato" charset="0"/>
               <a:cs typeface="Lato" charset="0"/>
@@ -4176,7 +4106,7 @@
         <p:spPr>
           <a:xfrm>
             <a:off x="335902" y="2060645"/>
-            <a:ext cx="12241764" cy="4524315"/>
+            <a:ext cx="12241764" cy="5632311"/>
           </a:xfrm>
           <a:prstGeom prst="rect">
             <a:avLst/>
@@ -4190,18 +4120,40 @@
           <a:p>
             <a:pPr algn="just"/>
             <a:r>
-              <a:rPr lang="fr-FR" dirty="0" err="1" smtClean="0">
-                <a:solidFill>
-                  <a:schemeClr val="tx1"/>
-                </a:solidFill>
-                <a:latin typeface="Lato" charset="0"/>
-                <a:ea typeface="Lato" charset="0"/>
-                <a:cs typeface="Lato" charset="0"/>
-              </a:rPr>
-              <a:t>Prefer</a:t>
-            </a:r>
-            <a:r>
-              <a:rPr lang="fr-FR" dirty="0" smtClean="0">
+              <a:rPr lang="fr-FR" dirty="0" err="1">
+                <a:solidFill>
+                  <a:schemeClr val="tx1"/>
+                </a:solidFill>
+                <a:latin typeface="Lato" charset="0"/>
+                <a:ea typeface="Lato" charset="0"/>
+                <a:cs typeface="Lato" charset="0"/>
+              </a:rPr>
+              <a:t>It’s</a:t>
+            </a:r>
+            <a:r>
+              <a:rPr lang="fr-FR" dirty="0">
+                <a:solidFill>
+                  <a:schemeClr val="tx1"/>
+                </a:solidFill>
+                <a:latin typeface="Lato" charset="0"/>
+                <a:ea typeface="Lato" charset="0"/>
+                <a:cs typeface="Lato" charset="0"/>
+              </a:rPr>
+              <a:t> </a:t>
+            </a:r>
+            <a:r>
+              <a:rPr lang="fr-FR" dirty="0" err="1">
+                <a:solidFill>
+                  <a:schemeClr val="tx1"/>
+                </a:solidFill>
+                <a:latin typeface="Lato" charset="0"/>
+                <a:ea typeface="Lato" charset="0"/>
+                <a:cs typeface="Lato" charset="0"/>
+              </a:rPr>
+              <a:t>preferable</a:t>
+            </a:r>
+            <a:r>
+              <a:rPr lang="fr-FR" dirty="0">
                 <a:solidFill>
                   <a:schemeClr val="tx1"/>
                 </a:solidFill>
@@ -4212,7 +4164,7 @@
               <a:t> to use a </a:t>
             </a:r>
             <a:r>
-              <a:rPr lang="fr-FR" dirty="0" err="1" smtClean="0">
+              <a:rPr lang="fr-FR" dirty="0" err="1">
                 <a:solidFill>
                   <a:schemeClr val="tx1"/>
                 </a:solidFill>
@@ -4223,7 +4175,7 @@
               <a:t>language</a:t>
             </a:r>
             <a:r>
-              <a:rPr lang="fr-FR" dirty="0" smtClean="0">
+              <a:rPr lang="fr-FR" dirty="0">
                 <a:solidFill>
                   <a:schemeClr val="tx1"/>
                 </a:solidFill>
@@ -4234,7 +4186,7 @@
               <a:t> </a:t>
             </a:r>
             <a:r>
-              <a:rPr lang="fr-FR" dirty="0" err="1" smtClean="0">
+              <a:rPr lang="fr-FR" dirty="0" err="1">
                 <a:solidFill>
                   <a:schemeClr val="tx1"/>
                 </a:solidFill>
@@ -4245,7 +4197,7 @@
               <a:t>you</a:t>
             </a:r>
             <a:r>
-              <a:rPr lang="fr-FR" dirty="0" smtClean="0">
+              <a:rPr lang="fr-FR" dirty="0">
                 <a:solidFill>
                   <a:schemeClr val="tx1"/>
                 </a:solidFill>
@@ -4270,50 +4222,39 @@
           <a:p>
             <a:pPr algn="just"/>
             <a:r>
-              <a:rPr lang="fr-FR" dirty="0" smtClean="0">
-                <a:solidFill>
-                  <a:schemeClr val="tx1"/>
-                </a:solidFill>
-                <a:latin typeface="Lato" charset="0"/>
-                <a:ea typeface="Lato" charset="0"/>
-                <a:cs typeface="Lato" charset="0"/>
-              </a:rPr>
-              <a:t>Be </a:t>
-            </a:r>
-            <a:r>
-              <a:rPr lang="fr-FR" dirty="0" err="1" smtClean="0">
-                <a:solidFill>
-                  <a:schemeClr val="tx1"/>
-                </a:solidFill>
-                <a:latin typeface="Lato" charset="0"/>
-                <a:ea typeface="Lato" charset="0"/>
-                <a:cs typeface="Lato" charset="0"/>
-              </a:rPr>
-              <a:t>prepared</a:t>
-            </a:r>
-            <a:r>
-              <a:rPr lang="fr-FR" dirty="0" smtClean="0">
-                <a:solidFill>
-                  <a:schemeClr val="tx1"/>
-                </a:solidFill>
-                <a:latin typeface="Lato" charset="0"/>
-                <a:ea typeface="Lato" charset="0"/>
-                <a:cs typeface="Lato" charset="0"/>
-              </a:rPr>
-              <a:t> to do HTTP </a:t>
-            </a:r>
-            <a:r>
-              <a:rPr lang="fr-FR" dirty="0" err="1" smtClean="0">
-                <a:solidFill>
-                  <a:schemeClr val="tx1"/>
-                </a:solidFill>
-                <a:latin typeface="Lato" charset="0"/>
-                <a:ea typeface="Lato" charset="0"/>
-                <a:cs typeface="Lato" charset="0"/>
-              </a:rPr>
-              <a:t>requests</a:t>
-            </a:r>
-            <a:endParaRPr lang="fr-FR" dirty="0" smtClean="0">
+              <a:rPr lang="fr-FR" dirty="0" err="1">
+                <a:solidFill>
+                  <a:schemeClr val="tx1"/>
+                </a:solidFill>
+                <a:latin typeface="Lato" charset="0"/>
+                <a:ea typeface="Lato" charset="0"/>
+                <a:cs typeface="Lato" charset="0"/>
+              </a:rPr>
+              <a:t>It’s</a:t>
+            </a:r>
+            <a:r>
+              <a:rPr lang="fr-FR" dirty="0">
+                <a:solidFill>
+                  <a:schemeClr val="tx1"/>
+                </a:solidFill>
+                <a:latin typeface="Lato" charset="0"/>
+                <a:ea typeface="Lato" charset="0"/>
+                <a:cs typeface="Lato" charset="0"/>
+              </a:rPr>
+              <a:t> about « hacking », not clean code </a:t>
+            </a:r>
+            <a:r>
+              <a:rPr lang="fr-FR" dirty="0" err="1">
+                <a:solidFill>
+                  <a:schemeClr val="tx1"/>
+                </a:solidFill>
+                <a:latin typeface="Lato" charset="0"/>
+                <a:ea typeface="Lato" charset="0"/>
+                <a:cs typeface="Lato" charset="0"/>
+              </a:rPr>
+              <a:t>norTDD</a:t>
+            </a:r>
+            <a:endParaRPr lang="fr-FR" dirty="0">
               <a:solidFill>
                 <a:schemeClr val="tx1"/>
               </a:solidFill>
@@ -4336,7 +4277,7 @@
           <a:p>
             <a:pPr algn="just"/>
             <a:r>
-              <a:rPr lang="fr-FR" dirty="0" smtClean="0">
+              <a:rPr lang="fr-FR" dirty="0">
                 <a:solidFill>
                   <a:schemeClr val="tx1"/>
                 </a:solidFill>
@@ -4347,15 +4288,15 @@
               <a:t>Be </a:t>
             </a:r>
             <a:r>
-              <a:rPr lang="fr-FR" dirty="0" err="1" smtClean="0">
-                <a:solidFill>
-                  <a:schemeClr val="tx1"/>
-                </a:solidFill>
-                <a:latin typeface="Lato" charset="0"/>
-                <a:ea typeface="Lato" charset="0"/>
-                <a:cs typeface="Lato" charset="0"/>
-              </a:rPr>
-              <a:t>curious</a:t>
+              <a:rPr lang="fr-FR" dirty="0" err="1">
+                <a:solidFill>
+                  <a:schemeClr val="tx1"/>
+                </a:solidFill>
+                <a:latin typeface="Lato" charset="0"/>
+                <a:ea typeface="Lato" charset="0"/>
+                <a:cs typeface="Lato" charset="0"/>
+              </a:rPr>
+              <a:t>prepared</a:t>
             </a:r>
             <a:r>
               <a:rPr lang="fr-FR" dirty="0">
@@ -4366,12 +4307,20 @@
                 <a:ea typeface="Lato" charset="0"/>
                 <a:cs typeface="Lato" charset="0"/>
               </a:rPr>
-              <a:t> </a:t>
-            </a:r>
-          </a:p>
-          <a:p>
-            <a:pPr algn="just"/>
-            <a:endParaRPr lang="fr-FR" dirty="0" smtClean="0">
+              <a:t> to do HTTP </a:t>
+            </a:r>
+            <a:r>
+              <a:rPr lang="fr-FR" dirty="0" err="1">
+                <a:solidFill>
+                  <a:schemeClr val="tx1"/>
+                </a:solidFill>
+                <a:latin typeface="Lato" charset="0"/>
+                <a:ea typeface="Lato" charset="0"/>
+                <a:cs typeface="Lato" charset="0"/>
+              </a:rPr>
+              <a:t>requests</a:t>
+            </a:r>
+            <a:endParaRPr lang="fr-FR" dirty="0">
               <a:solidFill>
                 <a:schemeClr val="tx1"/>
               </a:solidFill>
@@ -4379,97 +4328,6 @@
               <a:ea typeface="Lato" charset="0"/>
               <a:cs typeface="Lato" charset="0"/>
             </a:endParaRPr>
-          </a:p>
-          <a:p>
-            <a:pPr algn="just"/>
-            <a:r>
-              <a:rPr lang="fr-FR" dirty="0">
-                <a:solidFill>
-                  <a:schemeClr val="tx1"/>
-                </a:solidFill>
-                <a:latin typeface="Lato" charset="0"/>
-                <a:ea typeface="Lato" charset="0"/>
-                <a:cs typeface="Lato" charset="0"/>
-              </a:rPr>
-              <a:t>A</a:t>
-            </a:r>
-            <a:r>
-              <a:rPr lang="fr-FR" dirty="0" smtClean="0">
-                <a:solidFill>
-                  <a:schemeClr val="tx1"/>
-                </a:solidFill>
-                <a:latin typeface="Lato" charset="0"/>
-                <a:ea typeface="Lato" charset="0"/>
-                <a:cs typeface="Lato" charset="0"/>
-              </a:rPr>
-              <a:t>nd </a:t>
-            </a:r>
-            <a:r>
-              <a:rPr lang="fr-FR" dirty="0" err="1" smtClean="0">
-                <a:solidFill>
-                  <a:schemeClr val="tx1"/>
-                </a:solidFill>
-                <a:latin typeface="Lato" charset="0"/>
-                <a:ea typeface="Lato" charset="0"/>
-                <a:cs typeface="Lato" charset="0"/>
-              </a:rPr>
-              <a:t>don’t</a:t>
-            </a:r>
-            <a:r>
-              <a:rPr lang="fr-FR" dirty="0" smtClean="0">
-                <a:solidFill>
-                  <a:schemeClr val="tx1"/>
-                </a:solidFill>
-                <a:latin typeface="Lato" charset="0"/>
-                <a:ea typeface="Lato" charset="0"/>
-                <a:cs typeface="Lato" charset="0"/>
-              </a:rPr>
-              <a:t> </a:t>
-            </a:r>
-            <a:r>
-              <a:rPr lang="fr-FR" dirty="0" err="1" smtClean="0">
-                <a:solidFill>
-                  <a:schemeClr val="tx1"/>
-                </a:solidFill>
-                <a:latin typeface="Lato" charset="0"/>
-                <a:ea typeface="Lato" charset="0"/>
-                <a:cs typeface="Lato" charset="0"/>
-              </a:rPr>
-              <a:t>hesitate</a:t>
-            </a:r>
-            <a:r>
-              <a:rPr lang="fr-FR" dirty="0" smtClean="0">
-                <a:solidFill>
-                  <a:schemeClr val="tx1"/>
-                </a:solidFill>
-                <a:latin typeface="Lato" charset="0"/>
-                <a:ea typeface="Lato" charset="0"/>
-                <a:cs typeface="Lato" charset="0"/>
-              </a:rPr>
-              <a:t> to </a:t>
-            </a:r>
-            <a:r>
-              <a:rPr lang="fr-FR" dirty="0" err="1" smtClean="0">
-                <a:solidFill>
-                  <a:schemeClr val="tx1"/>
-                </a:solidFill>
-                <a:latin typeface="Lato" charset="0"/>
-                <a:ea typeface="Lato" charset="0"/>
-                <a:cs typeface="Lato" charset="0"/>
-              </a:rPr>
-              <a:t>ask</a:t>
-            </a:r>
-            <a:r>
-              <a:rPr lang="fr-FR" dirty="0" smtClean="0">
-                <a:solidFill>
-                  <a:schemeClr val="tx1"/>
-                </a:solidFill>
-                <a:latin typeface="Lato" charset="0"/>
-                <a:ea typeface="Lato" charset="0"/>
-                <a:cs typeface="Lato" charset="0"/>
-              </a:rPr>
-              <a:t> questions</a:t>
-            </a:r>
           </a:p>
           <a:p>
             <a:pPr algn="just"/>
@@ -4482,94 +4340,191 @@
               <a:cs typeface="Lato" charset="0"/>
             </a:endParaRPr>
           </a:p>
+          <a:p>
+            <a:pPr algn="just"/>
+            <a:r>
+              <a:rPr lang="fr-FR" dirty="0">
+                <a:solidFill>
+                  <a:schemeClr val="tx1"/>
+                </a:solidFill>
+                <a:latin typeface="Lato" charset="0"/>
+                <a:ea typeface="Lato" charset="0"/>
+                <a:cs typeface="Lato" charset="0"/>
+              </a:rPr>
+              <a:t>Be </a:t>
+            </a:r>
+            <a:r>
+              <a:rPr lang="fr-FR" dirty="0" err="1">
+                <a:solidFill>
+                  <a:schemeClr val="tx1"/>
+                </a:solidFill>
+                <a:latin typeface="Lato" charset="0"/>
+                <a:ea typeface="Lato" charset="0"/>
+                <a:cs typeface="Lato" charset="0"/>
+              </a:rPr>
+              <a:t>curious</a:t>
+            </a:r>
+            <a:r>
+              <a:rPr lang="fr-FR" dirty="0">
+                <a:solidFill>
+                  <a:schemeClr val="tx1"/>
+                </a:solidFill>
+                <a:latin typeface="Lato" charset="0"/>
+                <a:ea typeface="Lato" charset="0"/>
+                <a:cs typeface="Lato" charset="0"/>
+              </a:rPr>
+              <a:t> </a:t>
+            </a:r>
+          </a:p>
+          <a:p>
+            <a:pPr algn="just"/>
+            <a:endParaRPr lang="fr-FR" dirty="0">
+              <a:solidFill>
+                <a:schemeClr val="tx1"/>
+              </a:solidFill>
+              <a:latin typeface="Lato" charset="0"/>
+              <a:ea typeface="Lato" charset="0"/>
+              <a:cs typeface="Lato" charset="0"/>
+            </a:endParaRPr>
+          </a:p>
+          <a:p>
+            <a:pPr algn="just"/>
+            <a:r>
+              <a:rPr lang="fr-FR" dirty="0">
+                <a:solidFill>
+                  <a:schemeClr val="tx1"/>
+                </a:solidFill>
+                <a:latin typeface="Lato" charset="0"/>
+                <a:ea typeface="Lato" charset="0"/>
+                <a:cs typeface="Lato" charset="0"/>
+              </a:rPr>
+              <a:t>And </a:t>
+            </a:r>
+            <a:r>
+              <a:rPr lang="fr-FR" dirty="0" err="1">
+                <a:solidFill>
+                  <a:schemeClr val="tx1"/>
+                </a:solidFill>
+                <a:latin typeface="Lato" charset="0"/>
+                <a:ea typeface="Lato" charset="0"/>
+                <a:cs typeface="Lato" charset="0"/>
+              </a:rPr>
+              <a:t>don’t</a:t>
+            </a:r>
+            <a:r>
+              <a:rPr lang="fr-FR" dirty="0">
+                <a:solidFill>
+                  <a:schemeClr val="tx1"/>
+                </a:solidFill>
+                <a:latin typeface="Lato" charset="0"/>
+                <a:ea typeface="Lato" charset="0"/>
+                <a:cs typeface="Lato" charset="0"/>
+              </a:rPr>
+              <a:t> </a:t>
+            </a:r>
+            <a:r>
+              <a:rPr lang="fr-FR" dirty="0" err="1">
+                <a:solidFill>
+                  <a:schemeClr val="tx1"/>
+                </a:solidFill>
+                <a:latin typeface="Lato" charset="0"/>
+                <a:ea typeface="Lato" charset="0"/>
+                <a:cs typeface="Lato" charset="0"/>
+              </a:rPr>
+              <a:t>hesitate</a:t>
+            </a:r>
+            <a:r>
+              <a:rPr lang="fr-FR" dirty="0">
+                <a:solidFill>
+                  <a:schemeClr val="tx1"/>
+                </a:solidFill>
+                <a:latin typeface="Lato" charset="0"/>
+                <a:ea typeface="Lato" charset="0"/>
+                <a:cs typeface="Lato" charset="0"/>
+              </a:rPr>
+              <a:t> to </a:t>
+            </a:r>
+            <a:r>
+              <a:rPr lang="fr-FR" dirty="0" err="1">
+                <a:solidFill>
+                  <a:schemeClr val="tx1"/>
+                </a:solidFill>
+                <a:latin typeface="Lato" charset="0"/>
+                <a:ea typeface="Lato" charset="0"/>
+                <a:cs typeface="Lato" charset="0"/>
+              </a:rPr>
+              <a:t>ask</a:t>
+            </a:r>
+            <a:r>
+              <a:rPr lang="fr-FR" dirty="0">
+                <a:solidFill>
+                  <a:schemeClr val="tx1"/>
+                </a:solidFill>
+                <a:latin typeface="Lato" charset="0"/>
+                <a:ea typeface="Lato" charset="0"/>
+                <a:cs typeface="Lato" charset="0"/>
+              </a:rPr>
+              <a:t> questions</a:t>
+            </a:r>
+          </a:p>
+          <a:p>
+            <a:pPr algn="just"/>
+            <a:endParaRPr lang="fr-FR" dirty="0">
+              <a:solidFill>
+                <a:schemeClr val="tx1"/>
+              </a:solidFill>
+              <a:latin typeface="Lato" charset="0"/>
+              <a:ea typeface="Lato" charset="0"/>
+              <a:cs typeface="Lato" charset="0"/>
+            </a:endParaRPr>
+          </a:p>
         </p:txBody>
       </p:sp>
       <p:pic>
         <p:nvPicPr>
-          <p:cNvPr id="2" name="Image 1"/>
+          <p:cNvPr id="2052" name="Picture 4" descr="Ã©sultat de recherche d'images pour &quot;pinkie spy&quot;"/>
           <p:cNvPicPr>
-            <a:picLocks noChangeAspect="1"/>
+            <a:picLocks noChangeAspect="1" noChangeArrowheads="1"/>
           </p:cNvPicPr>
           <p:nvPr/>
         </p:nvPicPr>
         <p:blipFill>
-          <a:blip r:embed="rId2"/>
+          <a:blip r:embed="rId2" cstate="print">
+            <a:extLst>
+              <a:ext uri="{28A0092B-C50C-407E-A947-70E740481C1C}">
+                <a14:useLocalDpi xmlns:a14="http://schemas.microsoft.com/office/drawing/2010/main" val="0"/>
+              </a:ext>
+            </a:extLst>
+          </a:blip>
+          <a:srcRect/>
           <a:stretch>
             <a:fillRect/>
           </a:stretch>
         </p:blipFill>
-        <p:spPr>
-          <a:xfrm>
-            <a:off x="10549293" y="6854747"/>
-            <a:ext cx="1524000" cy="1905000"/>
+        <p:spPr bwMode="auto">
+          <a:xfrm flipH="1">
+            <a:off x="10801350" y="6751926"/>
+            <a:ext cx="2405318" cy="2163351"/>
           </a:xfrm>
           <a:prstGeom prst="rect">
             <a:avLst/>
           </a:prstGeom>
+          <a:noFill/>
+          <a:extLst>
+            <a:ext uri="{909E8E84-426E-40DD-AFC4-6F175D3DCCD1}">
+              <a14:hiddenFill xmlns:a14="http://schemas.microsoft.com/office/drawing/2010/main">
+                <a:solidFill>
+                  <a:srgbClr val="FFFFFF"/>
+                </a:solidFill>
+              </a14:hiddenFill>
+            </a:ext>
+          </a:extLst>
         </p:spPr>
       </p:pic>
-      <p:sp>
-        <p:nvSpPr>
-          <p:cNvPr id="4" name="Rectangle 3"/>
-          <p:cNvSpPr/>
-          <p:nvPr/>
-        </p:nvSpPr>
-        <p:spPr>
-          <a:xfrm>
-            <a:off x="10105047" y="6073522"/>
-            <a:ext cx="2366353" cy="646331"/>
-          </a:xfrm>
-          <a:prstGeom prst="rect">
-            <a:avLst/>
-          </a:prstGeom>
-        </p:spPr>
-        <p:txBody>
-          <a:bodyPr wrap="none">
-            <a:spAutoFit/>
-          </a:bodyPr>
-          <a:lstStyle/>
-          <a:p>
-            <a:pPr algn="just"/>
-            <a:r>
-              <a:rPr lang="fr-FR" dirty="0">
-                <a:solidFill>
-                  <a:schemeClr val="tx1"/>
-                </a:solidFill>
-                <a:latin typeface="Lato" charset="0"/>
-                <a:ea typeface="Lato" charset="0"/>
-                <a:cs typeface="Lato" charset="0"/>
-              </a:rPr>
-              <a:t>Good </a:t>
-            </a:r>
-            <a:r>
-              <a:rPr lang="fr-FR" dirty="0" err="1">
-                <a:solidFill>
-                  <a:schemeClr val="tx1"/>
-                </a:solidFill>
-                <a:latin typeface="Lato" charset="0"/>
-                <a:ea typeface="Lato" charset="0"/>
-                <a:cs typeface="Lato" charset="0"/>
-              </a:rPr>
-              <a:t>luck</a:t>
-            </a:r>
-            <a:r>
-              <a:rPr lang="fr-FR" dirty="0">
-                <a:solidFill>
-                  <a:schemeClr val="tx1"/>
-                </a:solidFill>
-                <a:latin typeface="Lato" charset="0"/>
-                <a:ea typeface="Lato" charset="0"/>
-                <a:cs typeface="Lato" charset="0"/>
-              </a:rPr>
-              <a:t>!</a:t>
-            </a:r>
-          </a:p>
-        </p:txBody>
-      </p:sp>
     </p:spTree>
     <p:extLst>
       <p:ext uri="{BB962C8B-B14F-4D97-AF65-F5344CB8AC3E}">
-        <p14:creationId xmlns:p14="http://schemas.microsoft.com/office/powerpoint/2010/main" val="321134995"/>
+        <p14:creationId xmlns:p14="http://schemas.microsoft.com/office/powerpoint/2010/main" val="587517655"/>
       </p:ext>
     </p:extLst>
   </p:cSld>
@@ -4577,19 +4532,20 @@
     <a:masterClrMapping/>
   </p:clrMapOvr>
   <p:transition spd="med"/>
-  <p:timing>
-    <p:tnLst>
-      <p:par>
-        <p:cTn id="1" dur="indefinite" restart="never" nodeType="tmRoot"/>
-      </p:par>
-    </p:tnLst>
-  </p:timing>
 </p:sld>
 </file>
 
 <file path=ppt/slides/slide4.xml><?xml version="1.0" encoding="utf-8"?>
 <p:sld xmlns:a="http://schemas.openxmlformats.org/drawingml/2006/main" xmlns:r="http://schemas.openxmlformats.org/officeDocument/2006/relationships" xmlns:p="http://schemas.openxmlformats.org/presentationml/2006/main">
   <p:cSld>
+    <p:bg>
+      <p:bgPr>
+        <a:solidFill>
+          <a:srgbClr val="D098E4"/>
+        </a:solidFill>
+        <a:effectLst/>
+      </p:bgPr>
+    </p:bg>
     <p:spTree>
       <p:nvGrpSpPr>
         <p:cNvPr id="1" name=""/>
@@ -4606,14 +4562,194 @@
       </p:grpSpPr>
       <p:sp>
         <p:nvSpPr>
-          <p:cNvPr id="119" name="Fear the ponies"/>
+          <p:cNvPr id="4" name="Rectangle 3"/>
           <p:cNvSpPr/>
           <p:nvPr/>
         </p:nvSpPr>
         <p:spPr>
           <a:xfrm>
-            <a:off x="3709161" y="215899"/>
-            <a:ext cx="5408677" cy="1016001"/>
+            <a:off x="171450" y="1473601"/>
+            <a:ext cx="12643200" cy="2880000"/>
+          </a:xfrm>
+          <a:prstGeom prst="rect">
+            <a:avLst/>
+          </a:prstGeom>
+          <a:solidFill>
+            <a:schemeClr val="tx1"/>
+          </a:solidFill>
+          <a:ln w="12700" cap="flat">
+            <a:noFill/>
+            <a:miter lim="400000"/>
+          </a:ln>
+          <a:effectLst/>
+          <a:sp3d/>
+        </p:spPr>
+        <p:style>
+          <a:lnRef idx="0">
+            <a:scrgbClr r="0" g="0" b="0"/>
+          </a:lnRef>
+          <a:fillRef idx="0">
+            <a:scrgbClr r="0" g="0" b="0"/>
+          </a:fillRef>
+          <a:effectRef idx="0">
+            <a:scrgbClr r="0" g="0" b="0"/>
+          </a:effectRef>
+          <a:fontRef idx="none"/>
+        </p:style>
+        <p:txBody>
+          <a:bodyPr rot="0" spcFirstLastPara="1" vertOverflow="overflow" horzOverflow="overflow" vert="horz" wrap="square" lIns="50800" tIns="50800" rIns="50800" bIns="50800" numCol="1" spcCol="38100" rtlCol="0" anchor="ctr">
+            <a:spAutoFit/>
+          </a:bodyPr>
+          <a:lstStyle/>
+          <a:p>
+            <a:pPr marL="0" marR="0" indent="0" algn="ctr" defTabSz="584200" rtl="0" fontAlgn="auto" latinLnBrk="0" hangingPunct="0">
+              <a:lnSpc>
+                <a:spcPct val="100000"/>
+              </a:lnSpc>
+              <a:spcBef>
+                <a:spcPts val="0"/>
+              </a:spcBef>
+              <a:spcAft>
+                <a:spcPts val="0"/>
+              </a:spcAft>
+              <a:buClrTx/>
+              <a:buSzTx/>
+              <a:buFontTx/>
+              <a:buNone/>
+              <a:tabLst/>
+            </a:pPr>
+            <a:endParaRPr kumimoji="0" lang="fr-FR" sz="2600" b="0" i="0" u="none" strike="noStrike" cap="none" spc="0" normalizeH="0" baseline="0">
+              <a:ln>
+                <a:noFill/>
+              </a:ln>
+              <a:solidFill>
+                <a:srgbClr val="FFFFFF"/>
+              </a:solidFill>
+              <a:effectLst/>
+              <a:uFillTx/>
+              <a:latin typeface="+mn-lt"/>
+              <a:ea typeface="+mn-ea"/>
+              <a:cs typeface="+mn-cs"/>
+              <a:sym typeface="Helvetica Light"/>
+            </a:endParaRPr>
+          </a:p>
+        </p:txBody>
+      </p:sp>
+      <p:sp>
+        <p:nvSpPr>
+          <p:cNvPr id="6" name="Rectangle 5"/>
+          <p:cNvSpPr/>
+          <p:nvPr/>
+        </p:nvSpPr>
+        <p:spPr>
+          <a:xfrm>
+            <a:off x="351450" y="1653601"/>
+            <a:ext cx="12286800" cy="2520000"/>
+          </a:xfrm>
+          <a:prstGeom prst="rect">
+            <a:avLst/>
+          </a:prstGeom>
+          <a:solidFill>
+            <a:srgbClr val="9A6FAB"/>
+          </a:solidFill>
+          <a:ln w="12700" cap="flat">
+            <a:noFill/>
+            <a:miter lim="400000"/>
+          </a:ln>
+          <a:effectLst/>
+          <a:sp3d/>
+        </p:spPr>
+        <p:style>
+          <a:lnRef idx="0">
+            <a:scrgbClr r="0" g="0" b="0"/>
+          </a:lnRef>
+          <a:fillRef idx="0">
+            <a:scrgbClr r="0" g="0" b="0"/>
+          </a:fillRef>
+          <a:effectRef idx="0">
+            <a:scrgbClr r="0" g="0" b="0"/>
+          </a:effectRef>
+          <a:fontRef idx="none"/>
+        </p:style>
+        <p:txBody>
+          <a:bodyPr rot="0" spcFirstLastPara="1" vertOverflow="overflow" horzOverflow="overflow" vert="horz" wrap="square" lIns="50800" tIns="50800" rIns="50800" bIns="50800" numCol="1" spcCol="38100" rtlCol="0" anchor="ctr">
+            <a:spAutoFit/>
+          </a:bodyPr>
+          <a:lstStyle/>
+          <a:p>
+            <a:pPr marL="0" marR="0" indent="0" algn="ctr" defTabSz="584200" rtl="0" fontAlgn="auto" latinLnBrk="0" hangingPunct="0">
+              <a:lnSpc>
+                <a:spcPct val="100000"/>
+              </a:lnSpc>
+              <a:spcBef>
+                <a:spcPts val="0"/>
+              </a:spcBef>
+              <a:spcAft>
+                <a:spcPts val="0"/>
+              </a:spcAft>
+              <a:buClrTx/>
+              <a:buSzTx/>
+              <a:buFontTx/>
+              <a:buNone/>
+              <a:tabLst/>
+            </a:pPr>
+            <a:endParaRPr kumimoji="0" lang="fr-FR" sz="2600" b="0" i="0" u="none" strike="noStrike" cap="none" spc="0" normalizeH="0" baseline="0">
+              <a:ln>
+                <a:noFill/>
+              </a:ln>
+              <a:solidFill>
+                <a:srgbClr val="FFFFFF"/>
+              </a:solidFill>
+              <a:effectLst/>
+              <a:uFillTx/>
+              <a:latin typeface="+mn-lt"/>
+              <a:ea typeface="+mn-ea"/>
+              <a:cs typeface="+mn-cs"/>
+              <a:sym typeface="Helvetica Light"/>
+            </a:endParaRPr>
+          </a:p>
+        </p:txBody>
+      </p:sp>
+      <p:pic>
+        <p:nvPicPr>
+          <p:cNvPr id="9" name="Image 8"/>
+          <p:cNvPicPr>
+            <a:picLocks noChangeAspect="1"/>
+          </p:cNvPicPr>
+          <p:nvPr/>
+        </p:nvPicPr>
+        <p:blipFill>
+          <a:blip r:embed="rId2">
+            <a:extLst>
+              <a:ext uri="{28A0092B-C50C-407E-A947-70E740481C1C}">
+                <a14:useLocalDpi xmlns:a14="http://schemas.microsoft.com/office/drawing/2010/main" val="0"/>
+              </a:ext>
+            </a:extLst>
+          </a:blip>
+          <a:stretch>
+            <a:fillRect/>
+          </a:stretch>
+        </p:blipFill>
+        <p:spPr>
+          <a:xfrm>
+            <a:off x="6269463" y="4173601"/>
+            <a:ext cx="6970287" cy="6703949"/>
+          </a:xfrm>
+          <a:prstGeom prst="rect">
+            <a:avLst/>
+          </a:prstGeom>
+        </p:spPr>
+      </p:pic>
+      <p:sp>
+        <p:nvSpPr>
+          <p:cNvPr id="14" name="Wi-Fi: Eiffel_Guest1 pass: techtech1"/>
+          <p:cNvSpPr/>
+          <p:nvPr/>
+        </p:nvSpPr>
+        <p:spPr>
+          <a:xfrm>
+            <a:off x="-9350" y="1944280"/>
+            <a:ext cx="13004800" cy="533479"/>
           </a:xfrm>
           <a:prstGeom prst="rect">
             <a:avLst/>
@@ -4623,17 +4759,17 @@
           </a:ln>
           <a:extLst>
             <a:ext uri="{C572A759-6A51-4108-AA02-DFA0A04FC94B}">
-              <ma14:wrappingTextBoxFlag xmlns:ma14="http://schemas.microsoft.com/office/mac/drawingml/2011/main" val="1"/>
+              <ma14:wrappingTextBoxFlag xmlns:ma14="http://schemas.microsoft.com/office/mac/drawingml/2011/main" xmlns="" val="1"/>
             </a:ext>
           </a:extLst>
         </p:spPr>
         <p:txBody>
-          <a:bodyPr wrap="none" lIns="50800" tIns="50800" rIns="50800" bIns="50800" anchor="ctr">
+          <a:bodyPr wrap="square" lIns="50800" tIns="50800" rIns="50800" bIns="50800" anchor="ctr">
             <a:spAutoFit/>
           </a:bodyPr>
           <a:lstStyle>
             <a:lvl1pPr>
-              <a:defRPr sz="6000"/>
+              <a:defRPr sz="2800"/>
             </a:lvl1pPr>
           </a:lstStyle>
           <a:p>
@@ -4643,21 +4779,264 @@
                 <a:ea typeface="Lato" charset="0"/>
                 <a:cs typeface="Lato" charset="0"/>
               </a:rPr>
-              <a:t>Fear the ponies</a:t>
-            </a:r>
+              <a:t>Wi-Fi: </a:t>
+            </a:r>
+            <a:r>
+              <a:rPr lang="en-US" dirty="0">
+                <a:latin typeface="Lato" charset="0"/>
+                <a:ea typeface="Lato" charset="0"/>
+                <a:cs typeface="Lato" charset="0"/>
+              </a:rPr>
+              <a:t>- | P</a:t>
+            </a:r>
+            <a:r>
+              <a:rPr dirty="0">
+                <a:latin typeface="Lato" charset="0"/>
+                <a:ea typeface="Lato" charset="0"/>
+                <a:cs typeface="Lato" charset="0"/>
+              </a:rPr>
+              <a:t>ass</a:t>
+            </a:r>
+            <a:r>
+              <a:rPr lang="en-US" dirty="0">
+                <a:latin typeface="Lato" charset="0"/>
+                <a:ea typeface="Lato" charset="0"/>
+                <a:cs typeface="Lato" charset="0"/>
+              </a:rPr>
+              <a:t>word</a:t>
+            </a:r>
+            <a:r>
+              <a:rPr dirty="0">
+                <a:latin typeface="Lato" charset="0"/>
+                <a:ea typeface="Lato" charset="0"/>
+                <a:cs typeface="Lato" charset="0"/>
+              </a:rPr>
+              <a:t>:</a:t>
+            </a:r>
+            <a:r>
+              <a:rPr lang="en-US" dirty="0">
+                <a:latin typeface="Lato" charset="0"/>
+                <a:ea typeface="Lato" charset="0"/>
+                <a:cs typeface="Lato" charset="0"/>
+              </a:rPr>
+              <a:t> - </a:t>
+            </a:r>
+            <a:endParaRPr dirty="0">
+              <a:latin typeface="Lato" charset="0"/>
+              <a:ea typeface="Lato" charset="0"/>
+              <a:cs typeface="Lato" charset="0"/>
+            </a:endParaRPr>
           </a:p>
         </p:txBody>
       </p:sp>
       <p:sp>
         <p:nvSpPr>
-          <p:cNvPr id="122" name="@MiKaDo_O"/>
+          <p:cNvPr id="15" name="Rectangle 14"/>
           <p:cNvSpPr/>
           <p:nvPr/>
         </p:nvSpPr>
         <p:spPr>
           <a:xfrm>
-            <a:off x="749998" y="7833172"/>
-            <a:ext cx="2316340" cy="564257"/>
+            <a:off x="-9350" y="2948437"/>
+            <a:ext cx="13004800" cy="830997"/>
+          </a:xfrm>
+          <a:prstGeom prst="rect">
+            <a:avLst/>
+          </a:prstGeom>
+        </p:spPr>
+        <p:txBody>
+          <a:bodyPr wrap="square">
+            <a:spAutoFit/>
+          </a:bodyPr>
+          <a:lstStyle/>
+          <a:p>
+            <a:r>
+              <a:rPr lang="nb-NO" sz="4800" dirty="0">
+                <a:solidFill>
+                  <a:schemeClr val="tx1"/>
+                </a:solidFill>
+                <a:latin typeface="Lato" charset="0"/>
+                <a:ea typeface="Lato" charset="0"/>
+                <a:cs typeface="Lato" charset="0"/>
+              </a:rPr>
+              <a:t>http://-</a:t>
+            </a:r>
+            <a:endParaRPr lang="fr-FR" sz="4800" dirty="0">
+              <a:solidFill>
+                <a:schemeClr val="tx1"/>
+              </a:solidFill>
+              <a:latin typeface="Lato" charset="0"/>
+              <a:ea typeface="Lato" charset="0"/>
+              <a:cs typeface="Lato" charset="0"/>
+            </a:endParaRPr>
+          </a:p>
+        </p:txBody>
+      </p:sp>
+      <p:pic>
+        <p:nvPicPr>
+          <p:cNvPr id="16" name="Picture 2" descr="https://derpicdn.net/img/2012/10/16/124182/large.png"/>
+          <p:cNvPicPr>
+            <a:picLocks noChangeAspect="1" noChangeArrowheads="1"/>
+          </p:cNvPicPr>
+          <p:nvPr/>
+        </p:nvPicPr>
+        <p:blipFill>
+          <a:blip r:embed="rId3" cstate="print">
+            <a:extLst>
+              <a:ext uri="{28A0092B-C50C-407E-A947-70E740481C1C}">
+                <a14:useLocalDpi xmlns:a14="http://schemas.microsoft.com/office/drawing/2010/main" val="0"/>
+              </a:ext>
+            </a:extLst>
+          </a:blip>
+          <a:srcRect/>
+          <a:stretch>
+            <a:fillRect/>
+          </a:stretch>
+        </p:blipFill>
+        <p:spPr bwMode="auto">
+          <a:xfrm>
+            <a:off x="170650" y="0"/>
+            <a:ext cx="1667850" cy="2768036"/>
+          </a:xfrm>
+          <a:prstGeom prst="rect">
+            <a:avLst/>
+          </a:prstGeom>
+          <a:noFill/>
+          <a:extLst>
+            <a:ext uri="{909E8E84-426E-40DD-AFC4-6F175D3DCCD1}">
+              <a14:hiddenFill xmlns:a14="http://schemas.microsoft.com/office/drawing/2010/main">
+                <a:solidFill>
+                  <a:srgbClr val="FFFFFF"/>
+                </a:solidFill>
+              </a14:hiddenFill>
+            </a:ext>
+          </a:extLst>
+        </p:spPr>
+      </p:pic>
+    </p:spTree>
+    <p:extLst>
+      <p:ext uri="{BB962C8B-B14F-4D97-AF65-F5344CB8AC3E}">
+        <p14:creationId xmlns:p14="http://schemas.microsoft.com/office/powerpoint/2010/main" val="1224024665"/>
+      </p:ext>
+    </p:extLst>
+  </p:cSld>
+  <p:clrMapOvr>
+    <a:masterClrMapping/>
+  </p:clrMapOvr>
+  <p:transition spd="med"/>
+</p:sld>
+</file>
+
+<file path=ppt/slides/slide5.xml><?xml version="1.0" encoding="utf-8"?>
+<p:sld xmlns:a="http://schemas.openxmlformats.org/drawingml/2006/main" xmlns:r="http://schemas.openxmlformats.org/officeDocument/2006/relationships" xmlns:p="http://schemas.openxmlformats.org/presentationml/2006/main">
+  <p:cSld>
+    <p:bg>
+      <p:bgPr>
+        <a:solidFill>
+          <a:srgbClr val="D098E4"/>
+        </a:solidFill>
+        <a:effectLst/>
+      </p:bgPr>
+    </p:bg>
+    <p:spTree>
+      <p:nvGrpSpPr>
+        <p:cNvPr id="1" name=""/>
+        <p:cNvGrpSpPr/>
+        <p:nvPr/>
+      </p:nvGrpSpPr>
+      <p:grpSpPr>
+        <a:xfrm>
+          <a:off x="0" y="0"/>
+          <a:ext cx="0" cy="0"/>
+          <a:chOff x="0" y="0"/>
+          <a:chExt cx="0" cy="0"/>
+        </a:xfrm>
+      </p:grpSpPr>
+      <p:sp>
+        <p:nvSpPr>
+          <p:cNvPr id="4" name="Rectangle 3"/>
+          <p:cNvSpPr/>
+          <p:nvPr/>
+        </p:nvSpPr>
+        <p:spPr>
+          <a:xfrm>
+            <a:off x="152400" y="210938"/>
+            <a:ext cx="12687300" cy="9371211"/>
+          </a:xfrm>
+          <a:prstGeom prst="rect">
+            <a:avLst/>
+          </a:prstGeom>
+          <a:solidFill>
+            <a:srgbClr val="9A6FAB"/>
+          </a:solidFill>
+          <a:ln w="12700" cap="flat">
+            <a:noFill/>
+            <a:miter lim="400000"/>
+          </a:ln>
+          <a:effectLst/>
+          <a:sp3d/>
+        </p:spPr>
+        <p:style>
+          <a:lnRef idx="0">
+            <a:scrgbClr r="0" g="0" b="0"/>
+          </a:lnRef>
+          <a:fillRef idx="0">
+            <a:scrgbClr r="0" g="0" b="0"/>
+          </a:fillRef>
+          <a:effectRef idx="0">
+            <a:scrgbClr r="0" g="0" b="0"/>
+          </a:effectRef>
+          <a:fontRef idx="none"/>
+        </p:style>
+        <p:txBody>
+          <a:bodyPr rot="0" spcFirstLastPara="1" vertOverflow="overflow" horzOverflow="overflow" vert="horz" wrap="square" lIns="50800" tIns="50800" rIns="50800" bIns="50800" numCol="1" spcCol="38100" rtlCol="0" anchor="ctr">
+            <a:spAutoFit/>
+          </a:bodyPr>
+          <a:lstStyle/>
+          <a:p>
+            <a:pPr marL="0" marR="0" indent="0" algn="ctr" defTabSz="584200" rtl="0" fontAlgn="auto" latinLnBrk="0" hangingPunct="0">
+              <a:lnSpc>
+                <a:spcPct val="100000"/>
+              </a:lnSpc>
+              <a:spcBef>
+                <a:spcPts val="0"/>
+              </a:spcBef>
+              <a:spcAft>
+                <a:spcPts val="0"/>
+              </a:spcAft>
+              <a:buClrTx/>
+              <a:buSzTx/>
+              <a:buFontTx/>
+              <a:buNone/>
+              <a:tabLst/>
+            </a:pPr>
+            <a:endParaRPr kumimoji="0" lang="fr-FR" sz="2600" b="0" i="0" u="none" strike="noStrike" cap="none" spc="0" normalizeH="0" baseline="0">
+              <a:ln>
+                <a:noFill/>
+              </a:ln>
+              <a:solidFill>
+                <a:srgbClr val="FFFFFF"/>
+              </a:solidFill>
+              <a:effectLst/>
+              <a:uFillTx/>
+              <a:latin typeface="+mn-lt"/>
+              <a:ea typeface="+mn-ea"/>
+              <a:cs typeface="+mn-cs"/>
+              <a:sym typeface="Helvetica Light"/>
+            </a:endParaRPr>
+          </a:p>
+        </p:txBody>
+      </p:sp>
+      <p:sp>
+        <p:nvSpPr>
+          <p:cNvPr id="119" name="Fear the ponies"/>
+          <p:cNvSpPr/>
+          <p:nvPr/>
+        </p:nvSpPr>
+        <p:spPr>
+          <a:xfrm>
+            <a:off x="152400" y="420489"/>
+            <a:ext cx="12687300" cy="1025922"/>
           </a:xfrm>
           <a:prstGeom prst="rect">
             <a:avLst/>
@@ -4667,112 +5046,59 @@
           </a:ln>
           <a:extLst>
             <a:ext uri="{C572A759-6A51-4108-AA02-DFA0A04FC94B}">
-              <ma14:wrappingTextBoxFlag xmlns:ma14="http://schemas.microsoft.com/office/mac/drawingml/2011/main" val="1"/>
+              <ma14:wrappingTextBoxFlag xmlns:ma14="http://schemas.microsoft.com/office/mac/drawingml/2011/main" xmlns="" val="1"/>
             </a:ext>
           </a:extLst>
         </p:spPr>
         <p:txBody>
-          <a:bodyPr wrap="none" lIns="50800" tIns="50800" rIns="50800" bIns="50800" anchor="ctr">
+          <a:bodyPr wrap="square" lIns="50800" tIns="50800" rIns="50800" bIns="50800" anchor="ctr">
             <a:spAutoFit/>
           </a:bodyPr>
-          <a:lstStyle/>
-          <a:p>
-            <a:pPr algn="l" defTabSz="457200">
-              <a:defRPr sz="3000">
-                <a:latin typeface="Helvetica Neue"/>
-                <a:ea typeface="Helvetica Neue"/>
-                <a:cs typeface="Helvetica Neue"/>
-                <a:sym typeface="Helvetica Neue"/>
-              </a:defRPr>
-            </a:pPr>
-            <a:r>
-              <a:rPr dirty="0">
-                <a:latin typeface="Lato" charset="0"/>
-                <a:ea typeface="Lato" charset="0"/>
-                <a:cs typeface="Lato" charset="0"/>
-                <a:sym typeface="Helvetica Neue Light"/>
-              </a:rPr>
-              <a:t>@</a:t>
-            </a:r>
-            <a:r>
-              <a:rPr dirty="0">
-                <a:latin typeface="Lato" charset="0"/>
-                <a:ea typeface="Lato" charset="0"/>
-                <a:cs typeface="Lato" charset="0"/>
-              </a:rPr>
-              <a:t>MiKaDo_O</a:t>
-            </a:r>
-          </a:p>
-        </p:txBody>
-      </p:sp>
-      <p:sp>
-        <p:nvSpPr>
-          <p:cNvPr id="123" name="@raphaelwach"/>
-          <p:cNvSpPr/>
-          <p:nvPr/>
-        </p:nvSpPr>
-        <p:spPr>
-          <a:xfrm>
-            <a:off x="9678098" y="7833172"/>
-            <a:ext cx="2564805" cy="564257"/>
-          </a:xfrm>
-          <a:prstGeom prst="rect">
-            <a:avLst/>
-          </a:prstGeom>
-          <a:ln w="12700">
-            <a:miter lim="400000"/>
-          </a:ln>
-          <a:extLst>
-            <a:ext uri="{C572A759-6A51-4108-AA02-DFA0A04FC94B}">
-              <ma14:wrappingTextBoxFlag xmlns:ma14="http://schemas.microsoft.com/office/mac/drawingml/2011/main" val="1"/>
-            </a:ext>
-          </a:extLst>
-        </p:spPr>
-        <p:txBody>
-          <a:bodyPr wrap="none" lIns="50800" tIns="50800" rIns="50800" bIns="50800" anchor="ctr">
-            <a:spAutoFit/>
-          </a:bodyPr>
-          <a:lstStyle/>
-          <a:p>
-            <a:pPr algn="l" defTabSz="457200">
-              <a:defRPr sz="3000">
-                <a:latin typeface="Helvetica Neue"/>
-                <a:ea typeface="Helvetica Neue"/>
-                <a:cs typeface="Helvetica Neue"/>
-                <a:sym typeface="Helvetica Neue"/>
-              </a:defRPr>
-            </a:pPr>
-            <a:r>
-              <a:rPr dirty="0">
-                <a:latin typeface="Lato" charset="0"/>
-                <a:ea typeface="Lato" charset="0"/>
-                <a:cs typeface="Lato" charset="0"/>
-                <a:sym typeface="Helvetica Neue Light"/>
-              </a:rPr>
-              <a:t>@</a:t>
-            </a:r>
-            <a:r>
-              <a:rPr dirty="0">
-                <a:latin typeface="Lato" charset="0"/>
-                <a:ea typeface="Lato" charset="0"/>
-                <a:cs typeface="Lato" charset="0"/>
-              </a:rPr>
-              <a:t>raphaelwach</a:t>
-            </a:r>
+          <a:lstStyle>
+            <a:lvl1pPr>
+              <a:defRPr sz="6000"/>
+            </a:lvl1pPr>
+          </a:lstStyle>
+          <a:p>
+            <a:r>
+              <a:rPr lang="fr-FR" b="1" dirty="0">
+                <a:latin typeface="Lato" charset="0"/>
+                <a:ea typeface="Lato" charset="0"/>
+                <a:cs typeface="Lato" charset="0"/>
+              </a:rPr>
+              <a:t>Caesar </a:t>
+            </a:r>
+            <a:r>
+              <a:rPr lang="fr-FR" dirty="0" err="1">
+                <a:latin typeface="Lato" charset="0"/>
+                <a:ea typeface="Lato" charset="0"/>
+                <a:cs typeface="Lato" charset="0"/>
+              </a:rPr>
+              <a:t>Cipher</a:t>
+            </a:r>
+            <a:endParaRPr lang="fr-FR" dirty="0">
+              <a:latin typeface="Lato" charset="0"/>
+              <a:ea typeface="Lato" charset="0"/>
+              <a:cs typeface="Lato" charset="0"/>
+            </a:endParaRPr>
           </a:p>
         </p:txBody>
       </p:sp>
       <p:pic>
         <p:nvPicPr>
-          <p:cNvPr id="124" name="large.png" descr="large.png"/>
+          <p:cNvPr id="2" name="Image 1"/>
           <p:cNvPicPr>
             <a:picLocks noChangeAspect="1"/>
           </p:cNvPicPr>
           <p:nvPr/>
         </p:nvPicPr>
         <p:blipFill>
-          <a:blip r:embed="rId2">
-            <a:extLst/>
+          <a:blip r:embed="rId2" cstate="print">
+            <a:extLst>
+              <a:ext uri="{28A0092B-C50C-407E-A947-70E740481C1C}">
+                <a14:useLocalDpi xmlns:a14="http://schemas.microsoft.com/office/drawing/2010/main" val="0"/>
+              </a:ext>
+            </a:extLst>
           </a:blip>
           <a:stretch>
             <a:fillRect/>
@@ -4780,15 +5106,12 @@
         </p:blipFill>
         <p:spPr>
           <a:xfrm>
-            <a:off x="1760595" y="1292774"/>
-            <a:ext cx="9305810" cy="5234518"/>
+            <a:off x="10623550" y="6912811"/>
+            <a:ext cx="1720850" cy="2388048"/>
           </a:xfrm>
           <a:prstGeom prst="rect">
             <a:avLst/>
           </a:prstGeom>
-          <a:ln w="12700">
-            <a:miter lim="400000"/>
-          </a:ln>
         </p:spPr>
       </p:pic>
       <p:sp>
@@ -4799,8 +5122,8 @@
         </p:nvSpPr>
         <p:spPr>
           <a:xfrm>
-            <a:off x="3456770" y="6895553"/>
-            <a:ext cx="5913478" cy="533479"/>
+            <a:off x="10114652" y="8767380"/>
+            <a:ext cx="2393283" cy="533479"/>
           </a:xfrm>
           <a:prstGeom prst="rect">
             <a:avLst/>
@@ -4810,7 +5133,7 @@
           </a:ln>
           <a:extLst>
             <a:ext uri="{C572A759-6A51-4108-AA02-DFA0A04FC94B}">
-              <ma14:wrappingTextBoxFlag xmlns:ma14="http://schemas.microsoft.com/office/mac/drawingml/2011/main" val="1"/>
+              <ma14:wrappingTextBoxFlag xmlns:ma14="http://schemas.microsoft.com/office/mac/drawingml/2011/main" xmlns="" val="1"/>
             </a:ext>
           </a:extLst>
         </p:spPr>
@@ -4825,70 +5148,14 @@
           </a:lstStyle>
           <a:p>
             <a:r>
-              <a:rPr dirty="0">
-                <a:latin typeface="Lato" charset="0"/>
-                <a:ea typeface="Lato" charset="0"/>
-                <a:cs typeface="Lato" charset="0"/>
-              </a:rPr>
-              <a:t>Wi-Fi</a:t>
-            </a:r>
-            <a:r>
-              <a:rPr>
-                <a:latin typeface="Lato" charset="0"/>
-                <a:ea typeface="Lato" charset="0"/>
-                <a:cs typeface="Lato" charset="0"/>
-              </a:rPr>
-              <a:t>: </a:t>
-            </a:r>
-            <a:r>
-              <a:rPr lang="en-US" smtClean="0">
-                <a:latin typeface="Lato" charset="0"/>
-                <a:ea typeface="Lato" charset="0"/>
-                <a:cs typeface="Lato" charset="0"/>
-              </a:rPr>
-              <a:t>SSID | </a:t>
-            </a:r>
-            <a:r>
-              <a:rPr lang="en-US" dirty="0" smtClean="0">
-                <a:latin typeface="Lato" charset="0"/>
-                <a:ea typeface="Lato" charset="0"/>
-                <a:cs typeface="Lato" charset="0"/>
-              </a:rPr>
-              <a:t>P</a:t>
-            </a:r>
-            <a:r>
-              <a:rPr dirty="0" smtClean="0">
-                <a:latin typeface="Lato" charset="0"/>
-                <a:ea typeface="Lato" charset="0"/>
-                <a:cs typeface="Lato" charset="0"/>
-              </a:rPr>
-              <a:t>ass</a:t>
-            </a:r>
-            <a:r>
-              <a:rPr lang="en-US" dirty="0" smtClean="0">
-                <a:latin typeface="Lato" charset="0"/>
-                <a:ea typeface="Lato" charset="0"/>
-                <a:cs typeface="Lato" charset="0"/>
-              </a:rPr>
-              <a:t>word</a:t>
-            </a:r>
-            <a:r>
-              <a:rPr smtClean="0">
-                <a:latin typeface="Lato" charset="0"/>
-                <a:ea typeface="Lato" charset="0"/>
-                <a:cs typeface="Lato" charset="0"/>
-              </a:rPr>
-              <a:t>: </a:t>
-            </a:r>
-            <a:r>
-              <a:rPr lang="en-US" smtClean="0">
-                <a:latin typeface="Lato" charset="0"/>
-                <a:ea typeface="Lato" charset="0"/>
-                <a:cs typeface="Lato" charset="0"/>
-              </a:rPr>
-              <a:t>PASSWORD</a:t>
-            </a:r>
-            <a:endParaRPr dirty="0">
+              <a:rPr lang="en-US" i="1" dirty="0">
+                <a:latin typeface="Lato" charset="0"/>
+                <a:ea typeface="Lato" charset="0"/>
+                <a:cs typeface="Lato" charset="0"/>
+              </a:rPr>
+              <a:t>your spymaster</a:t>
+            </a:r>
+            <a:endParaRPr i="1" dirty="0">
               <a:latin typeface="Lato" charset="0"/>
               <a:ea typeface="Lato" charset="0"/>
               <a:cs typeface="Lato" charset="0"/>
@@ -4898,14 +5165,14 @@
       </p:sp>
       <p:sp>
         <p:nvSpPr>
-          <p:cNvPr id="2" name="Rectangle 1"/>
+          <p:cNvPr id="3" name="Rectangle 2"/>
           <p:cNvSpPr/>
           <p:nvPr/>
         </p:nvSpPr>
         <p:spPr>
           <a:xfrm>
-            <a:off x="0" y="8397429"/>
-            <a:ext cx="13004800" cy="830997"/>
+            <a:off x="335902" y="2060645"/>
+            <a:ext cx="12241764" cy="6494085"/>
           </a:xfrm>
           <a:prstGeom prst="rect">
             <a:avLst/>
@@ -4917,18 +5184,462 @@
           </a:bodyPr>
           <a:lstStyle/>
           <a:p>
-            <a:r>
-              <a:rPr lang="nb-NO" sz="4800" dirty="0" smtClean="0">
-                <a:solidFill>
-                  <a:schemeClr val="tx1"/>
-                </a:solidFill>
-                <a:latin typeface="Lato" charset="0"/>
-                <a:ea typeface="Lato" charset="0"/>
-                <a:cs typeface="Lato" charset="0"/>
-              </a:rPr>
-              <a:t>http://url</a:t>
-            </a:r>
-            <a:endParaRPr lang="fr-FR" sz="4800" dirty="0">
+            <a:pPr algn="just"/>
+            <a:r>
+              <a:rPr lang="fr-FR" sz="3200" dirty="0">
+                <a:solidFill>
+                  <a:schemeClr val="tx1"/>
+                </a:solidFill>
+                <a:latin typeface="Lato" charset="0"/>
+                <a:ea typeface="Lato" charset="0"/>
+                <a:cs typeface="Lato" charset="0"/>
+              </a:rPr>
+              <a:t>The Caesar </a:t>
+            </a:r>
+            <a:r>
+              <a:rPr lang="fr-FR" sz="3200" dirty="0" err="1">
+                <a:solidFill>
+                  <a:schemeClr val="tx1"/>
+                </a:solidFill>
+                <a:latin typeface="Lato" charset="0"/>
+                <a:ea typeface="Lato" charset="0"/>
+                <a:cs typeface="Lato" charset="0"/>
+              </a:rPr>
+              <a:t>cipher</a:t>
+            </a:r>
+            <a:r>
+              <a:rPr lang="fr-FR" sz="3200" dirty="0">
+                <a:solidFill>
+                  <a:schemeClr val="tx1"/>
+                </a:solidFill>
+                <a:latin typeface="Lato" charset="0"/>
+                <a:ea typeface="Lato" charset="0"/>
+                <a:cs typeface="Lato" charset="0"/>
+              </a:rPr>
+              <a:t> </a:t>
+            </a:r>
+            <a:r>
+              <a:rPr lang="fr-FR" sz="3200" dirty="0" err="1">
+                <a:solidFill>
+                  <a:schemeClr val="tx1"/>
+                </a:solidFill>
+                <a:latin typeface="Lato" charset="0"/>
+                <a:ea typeface="Lato" charset="0"/>
+                <a:cs typeface="Lato" charset="0"/>
+              </a:rPr>
+              <a:t>is</a:t>
+            </a:r>
+            <a:r>
+              <a:rPr lang="fr-FR" sz="3200" dirty="0">
+                <a:solidFill>
+                  <a:schemeClr val="tx1"/>
+                </a:solidFill>
+                <a:latin typeface="Lato" charset="0"/>
+                <a:ea typeface="Lato" charset="0"/>
+                <a:cs typeface="Lato" charset="0"/>
+              </a:rPr>
+              <a:t> one of the </a:t>
+            </a:r>
+            <a:r>
+              <a:rPr lang="fr-FR" sz="3200" dirty="0" err="1">
+                <a:solidFill>
+                  <a:schemeClr val="tx1"/>
+                </a:solidFill>
+                <a:latin typeface="Lato" charset="0"/>
+                <a:ea typeface="Lato" charset="0"/>
+                <a:cs typeface="Lato" charset="0"/>
+              </a:rPr>
+              <a:t>simplest</a:t>
+            </a:r>
+            <a:r>
+              <a:rPr lang="fr-FR" sz="3200" dirty="0">
+                <a:solidFill>
+                  <a:schemeClr val="tx1"/>
+                </a:solidFill>
+                <a:latin typeface="Lato" charset="0"/>
+                <a:ea typeface="Lato" charset="0"/>
+                <a:cs typeface="Lato" charset="0"/>
+              </a:rPr>
+              <a:t> and </a:t>
+            </a:r>
+            <a:r>
+              <a:rPr lang="fr-FR" sz="3200" dirty="0" err="1">
+                <a:solidFill>
+                  <a:schemeClr val="tx1"/>
+                </a:solidFill>
+                <a:latin typeface="Lato" charset="0"/>
+                <a:ea typeface="Lato" charset="0"/>
+                <a:cs typeface="Lato" charset="0"/>
+              </a:rPr>
+              <a:t>most</a:t>
+            </a:r>
+            <a:r>
+              <a:rPr lang="fr-FR" sz="3200" dirty="0">
+                <a:solidFill>
+                  <a:schemeClr val="tx1"/>
+                </a:solidFill>
+                <a:latin typeface="Lato" charset="0"/>
+                <a:ea typeface="Lato" charset="0"/>
+                <a:cs typeface="Lato" charset="0"/>
+              </a:rPr>
+              <a:t> </a:t>
+            </a:r>
+            <a:r>
+              <a:rPr lang="fr-FR" sz="3200" dirty="0" err="1">
+                <a:solidFill>
+                  <a:schemeClr val="tx1"/>
+                </a:solidFill>
+                <a:latin typeface="Lato" charset="0"/>
+                <a:ea typeface="Lato" charset="0"/>
+                <a:cs typeface="Lato" charset="0"/>
+              </a:rPr>
+              <a:t>widely</a:t>
+            </a:r>
+            <a:r>
+              <a:rPr lang="fr-FR" sz="3200" dirty="0">
+                <a:solidFill>
+                  <a:schemeClr val="tx1"/>
+                </a:solidFill>
+                <a:latin typeface="Lato" charset="0"/>
+                <a:ea typeface="Lato" charset="0"/>
+                <a:cs typeface="Lato" charset="0"/>
+              </a:rPr>
+              <a:t> </a:t>
+            </a:r>
+            <a:r>
+              <a:rPr lang="fr-FR" sz="3200" dirty="0" err="1">
+                <a:solidFill>
+                  <a:schemeClr val="tx1"/>
+                </a:solidFill>
+                <a:latin typeface="Lato" charset="0"/>
+                <a:ea typeface="Lato" charset="0"/>
+                <a:cs typeface="Lato" charset="0"/>
+              </a:rPr>
+              <a:t>known</a:t>
+            </a:r>
+            <a:r>
+              <a:rPr lang="fr-FR" sz="3200" dirty="0">
+                <a:solidFill>
+                  <a:schemeClr val="tx1"/>
+                </a:solidFill>
+                <a:latin typeface="Lato" charset="0"/>
+                <a:ea typeface="Lato" charset="0"/>
+                <a:cs typeface="Lato" charset="0"/>
+              </a:rPr>
+              <a:t> </a:t>
+            </a:r>
+            <a:r>
+              <a:rPr lang="fr-FR" sz="3200" dirty="0" err="1">
+                <a:solidFill>
+                  <a:schemeClr val="tx1"/>
+                </a:solidFill>
+                <a:latin typeface="Lato" charset="0"/>
+                <a:ea typeface="Lato" charset="0"/>
+                <a:cs typeface="Lato" charset="0"/>
+              </a:rPr>
+              <a:t>encryption</a:t>
+            </a:r>
+            <a:r>
+              <a:rPr lang="fr-FR" sz="3200" dirty="0">
+                <a:solidFill>
+                  <a:schemeClr val="tx1"/>
+                </a:solidFill>
+                <a:latin typeface="Lato" charset="0"/>
+                <a:ea typeface="Lato" charset="0"/>
+                <a:cs typeface="Lato" charset="0"/>
+              </a:rPr>
+              <a:t> techniques in </a:t>
+            </a:r>
+            <a:r>
+              <a:rPr lang="fr-FR" sz="3200" dirty="0" err="1">
+                <a:solidFill>
+                  <a:schemeClr val="tx1"/>
+                </a:solidFill>
+                <a:latin typeface="Lato" charset="0"/>
+                <a:ea typeface="Lato" charset="0"/>
+                <a:cs typeface="Lato" charset="0"/>
+              </a:rPr>
+              <a:t>which</a:t>
+            </a:r>
+            <a:r>
+              <a:rPr lang="fr-FR" sz="3200" dirty="0">
+                <a:solidFill>
+                  <a:schemeClr val="tx1"/>
+                </a:solidFill>
+                <a:latin typeface="Lato" charset="0"/>
+                <a:ea typeface="Lato" charset="0"/>
+                <a:cs typeface="Lato" charset="0"/>
+              </a:rPr>
+              <a:t> </a:t>
+            </a:r>
+            <a:r>
+              <a:rPr lang="fr-FR" sz="3200" dirty="0" err="1">
+                <a:solidFill>
+                  <a:schemeClr val="tx1"/>
+                </a:solidFill>
+                <a:latin typeface="Lato" charset="0"/>
+                <a:ea typeface="Lato" charset="0"/>
+                <a:cs typeface="Lato" charset="0"/>
+              </a:rPr>
+              <a:t>each</a:t>
+            </a:r>
+            <a:r>
+              <a:rPr lang="fr-FR" sz="3200" dirty="0">
+                <a:solidFill>
+                  <a:schemeClr val="tx1"/>
+                </a:solidFill>
+                <a:latin typeface="Lato" charset="0"/>
+                <a:ea typeface="Lato" charset="0"/>
+                <a:cs typeface="Lato" charset="0"/>
+              </a:rPr>
+              <a:t> </a:t>
+            </a:r>
+            <a:r>
+              <a:rPr lang="fr-FR" sz="3200" dirty="0" err="1">
+                <a:solidFill>
+                  <a:schemeClr val="tx1"/>
+                </a:solidFill>
+                <a:latin typeface="Lato" charset="0"/>
+                <a:ea typeface="Lato" charset="0"/>
+                <a:cs typeface="Lato" charset="0"/>
+              </a:rPr>
+              <a:t>letter</a:t>
+            </a:r>
+            <a:r>
+              <a:rPr lang="fr-FR" sz="3200" dirty="0">
+                <a:solidFill>
+                  <a:schemeClr val="tx1"/>
+                </a:solidFill>
+                <a:latin typeface="Lato" charset="0"/>
+                <a:ea typeface="Lato" charset="0"/>
+                <a:cs typeface="Lato" charset="0"/>
+              </a:rPr>
+              <a:t> in the </a:t>
+            </a:r>
+            <a:r>
+              <a:rPr lang="fr-FR" sz="3200" dirty="0" err="1">
+                <a:solidFill>
+                  <a:schemeClr val="tx1"/>
+                </a:solidFill>
+                <a:latin typeface="Lato" charset="0"/>
+                <a:ea typeface="Lato" charset="0"/>
+                <a:cs typeface="Lato" charset="0"/>
+              </a:rPr>
+              <a:t>plaintext</a:t>
+            </a:r>
+            <a:r>
+              <a:rPr lang="fr-FR" sz="3200" dirty="0">
+                <a:solidFill>
+                  <a:schemeClr val="tx1"/>
+                </a:solidFill>
+                <a:latin typeface="Lato" charset="0"/>
+                <a:ea typeface="Lato" charset="0"/>
+                <a:cs typeface="Lato" charset="0"/>
+              </a:rPr>
+              <a:t> </a:t>
+            </a:r>
+            <a:r>
+              <a:rPr lang="fr-FR" sz="3200" dirty="0" err="1">
+                <a:solidFill>
+                  <a:schemeClr val="tx1"/>
+                </a:solidFill>
+                <a:latin typeface="Lato" charset="0"/>
+                <a:ea typeface="Lato" charset="0"/>
+                <a:cs typeface="Lato" charset="0"/>
+              </a:rPr>
+              <a:t>is</a:t>
+            </a:r>
+            <a:r>
+              <a:rPr lang="fr-FR" sz="3200" dirty="0">
+                <a:solidFill>
+                  <a:schemeClr val="tx1"/>
+                </a:solidFill>
+                <a:latin typeface="Lato" charset="0"/>
+                <a:ea typeface="Lato" charset="0"/>
+                <a:cs typeface="Lato" charset="0"/>
+              </a:rPr>
+              <a:t> </a:t>
+            </a:r>
+            <a:r>
+              <a:rPr lang="fr-FR" sz="3200" dirty="0" err="1">
+                <a:solidFill>
+                  <a:schemeClr val="tx1"/>
+                </a:solidFill>
+                <a:latin typeface="Lato" charset="0"/>
+                <a:ea typeface="Lato" charset="0"/>
+                <a:cs typeface="Lato" charset="0"/>
+              </a:rPr>
+              <a:t>replaced</a:t>
+            </a:r>
+            <a:r>
+              <a:rPr lang="fr-FR" sz="3200" dirty="0">
+                <a:solidFill>
+                  <a:schemeClr val="tx1"/>
+                </a:solidFill>
+                <a:latin typeface="Lato" charset="0"/>
+                <a:ea typeface="Lato" charset="0"/>
+                <a:cs typeface="Lato" charset="0"/>
+              </a:rPr>
+              <a:t> by a </a:t>
+            </a:r>
+            <a:r>
+              <a:rPr lang="fr-FR" sz="3200" dirty="0" err="1">
+                <a:solidFill>
+                  <a:schemeClr val="tx1"/>
+                </a:solidFill>
+                <a:latin typeface="Lato" charset="0"/>
+                <a:ea typeface="Lato" charset="0"/>
+                <a:cs typeface="Lato" charset="0"/>
+              </a:rPr>
+              <a:t>letter</a:t>
+            </a:r>
+            <a:r>
+              <a:rPr lang="fr-FR" sz="3200" dirty="0">
+                <a:solidFill>
+                  <a:schemeClr val="tx1"/>
+                </a:solidFill>
+                <a:latin typeface="Lato" charset="0"/>
+                <a:ea typeface="Lato" charset="0"/>
+                <a:cs typeface="Lato" charset="0"/>
+              </a:rPr>
+              <a:t> </a:t>
+            </a:r>
+            <a:r>
+              <a:rPr lang="fr-FR" sz="3200" dirty="0" err="1">
+                <a:solidFill>
+                  <a:schemeClr val="tx1"/>
+                </a:solidFill>
+                <a:latin typeface="Lato" charset="0"/>
+                <a:ea typeface="Lato" charset="0"/>
+                <a:cs typeface="Lato" charset="0"/>
+              </a:rPr>
+              <a:t>some</a:t>
+            </a:r>
+            <a:r>
+              <a:rPr lang="fr-FR" sz="3200" dirty="0">
+                <a:solidFill>
+                  <a:schemeClr val="tx1"/>
+                </a:solidFill>
+                <a:latin typeface="Lato" charset="0"/>
+                <a:ea typeface="Lato" charset="0"/>
+                <a:cs typeface="Lato" charset="0"/>
+              </a:rPr>
+              <a:t> </a:t>
+            </a:r>
+            <a:r>
+              <a:rPr lang="fr-FR" sz="3200" dirty="0" err="1">
+                <a:solidFill>
+                  <a:schemeClr val="tx1"/>
+                </a:solidFill>
+                <a:latin typeface="Lato" charset="0"/>
+                <a:ea typeface="Lato" charset="0"/>
+                <a:cs typeface="Lato" charset="0"/>
+              </a:rPr>
+              <a:t>fixed</a:t>
+            </a:r>
+            <a:r>
+              <a:rPr lang="fr-FR" sz="3200" dirty="0">
+                <a:solidFill>
+                  <a:schemeClr val="tx1"/>
+                </a:solidFill>
+                <a:latin typeface="Lato" charset="0"/>
+                <a:ea typeface="Lato" charset="0"/>
+                <a:cs typeface="Lato" charset="0"/>
+              </a:rPr>
+              <a:t> </a:t>
+            </a:r>
+            <a:r>
+              <a:rPr lang="fr-FR" sz="3200" dirty="0" err="1">
+                <a:solidFill>
+                  <a:schemeClr val="tx1"/>
+                </a:solidFill>
+                <a:latin typeface="Lato" charset="0"/>
+                <a:ea typeface="Lato" charset="0"/>
+                <a:cs typeface="Lato" charset="0"/>
+              </a:rPr>
+              <a:t>number</a:t>
+            </a:r>
+            <a:r>
+              <a:rPr lang="fr-FR" sz="3200" dirty="0">
+                <a:solidFill>
+                  <a:schemeClr val="tx1"/>
+                </a:solidFill>
+                <a:latin typeface="Lato" charset="0"/>
+                <a:ea typeface="Lato" charset="0"/>
+                <a:cs typeface="Lato" charset="0"/>
+              </a:rPr>
+              <a:t> of </a:t>
+            </a:r>
+            <a:r>
+              <a:rPr lang="fr-FR" sz="3200" dirty="0" err="1">
+                <a:solidFill>
+                  <a:schemeClr val="tx1"/>
+                </a:solidFill>
+                <a:latin typeface="Lato" charset="0"/>
+                <a:ea typeface="Lato" charset="0"/>
+                <a:cs typeface="Lato" charset="0"/>
+              </a:rPr>
+              <a:t>letters</a:t>
+            </a:r>
+            <a:r>
+              <a:rPr lang="fr-FR" sz="3200" dirty="0">
+                <a:solidFill>
+                  <a:schemeClr val="tx1"/>
+                </a:solidFill>
+                <a:latin typeface="Lato" charset="0"/>
+                <a:ea typeface="Lato" charset="0"/>
+                <a:cs typeface="Lato" charset="0"/>
+              </a:rPr>
+              <a:t> </a:t>
+            </a:r>
+            <a:r>
+              <a:rPr lang="fr-FR" sz="3200" dirty="0" err="1">
+                <a:solidFill>
+                  <a:schemeClr val="tx1"/>
+                </a:solidFill>
+                <a:latin typeface="Lato" charset="0"/>
+                <a:ea typeface="Lato" charset="0"/>
+                <a:cs typeface="Lato" charset="0"/>
+              </a:rPr>
+              <a:t>shifted</a:t>
+            </a:r>
+            <a:r>
+              <a:rPr lang="fr-FR" sz="3200" dirty="0">
+                <a:solidFill>
+                  <a:schemeClr val="tx1"/>
+                </a:solidFill>
+                <a:latin typeface="Lato" charset="0"/>
+                <a:ea typeface="Lato" charset="0"/>
+                <a:cs typeface="Lato" charset="0"/>
+              </a:rPr>
+              <a:t> </a:t>
+            </a:r>
+            <a:r>
+              <a:rPr lang="fr-FR" sz="3200">
+                <a:solidFill>
+                  <a:schemeClr val="tx1"/>
+                </a:solidFill>
+                <a:latin typeface="Lato" charset="0"/>
+                <a:ea typeface="Lato" charset="0"/>
+                <a:cs typeface="Lato" charset="0"/>
+              </a:rPr>
+              <a:t>up or down in the </a:t>
+            </a:r>
+            <a:r>
+              <a:rPr lang="fr-FR" sz="3200" dirty="0">
+                <a:solidFill>
+                  <a:schemeClr val="tx1"/>
+                </a:solidFill>
+                <a:latin typeface="Lato" charset="0"/>
+                <a:ea typeface="Lato" charset="0"/>
+                <a:cs typeface="Lato" charset="0"/>
+              </a:rPr>
+              <a:t>alphabet.</a:t>
+            </a:r>
+          </a:p>
+          <a:p>
+            <a:pPr algn="just"/>
+            <a:endParaRPr lang="fr-FR" sz="3200" dirty="0">
               <a:solidFill>
                 <a:schemeClr val="tx1"/>
               </a:solidFill>
@@ -4937,12 +5648,439 @@
               <a:cs typeface="Lato" charset="0"/>
             </a:endParaRPr>
           </a:p>
+          <a:p>
+            <a:pPr algn="just"/>
+            <a:endParaRPr lang="fr-FR" sz="3200" dirty="0">
+              <a:solidFill>
+                <a:schemeClr val="tx1"/>
+              </a:solidFill>
+              <a:latin typeface="Lato" charset="0"/>
+              <a:ea typeface="Lato" charset="0"/>
+              <a:cs typeface="Lato" charset="0"/>
+            </a:endParaRPr>
+          </a:p>
+          <a:p>
+            <a:pPr algn="just"/>
+            <a:r>
+              <a:rPr lang="fr-FR" sz="3200" dirty="0">
+                <a:solidFill>
+                  <a:schemeClr val="tx1"/>
+                </a:solidFill>
+                <a:latin typeface="Lato" charset="0"/>
+                <a:ea typeface="Lato" charset="0"/>
+                <a:cs typeface="Lato" charset="0"/>
+              </a:rPr>
+              <a:t>The Caesar </a:t>
+            </a:r>
+            <a:r>
+              <a:rPr lang="fr-FR" sz="3200" dirty="0" err="1">
+                <a:solidFill>
+                  <a:schemeClr val="tx1"/>
+                </a:solidFill>
+                <a:latin typeface="Lato" charset="0"/>
+                <a:ea typeface="Lato" charset="0"/>
+                <a:cs typeface="Lato" charset="0"/>
+              </a:rPr>
+              <a:t>cipher</a:t>
+            </a:r>
+            <a:r>
+              <a:rPr lang="fr-FR" sz="3200" dirty="0">
+                <a:solidFill>
+                  <a:schemeClr val="tx1"/>
+                </a:solidFill>
+                <a:latin typeface="Lato" charset="0"/>
+                <a:ea typeface="Lato" charset="0"/>
+                <a:cs typeface="Lato" charset="0"/>
+              </a:rPr>
+              <a:t> </a:t>
+            </a:r>
+            <a:r>
+              <a:rPr lang="fr-FR" sz="3200" dirty="0" err="1">
+                <a:solidFill>
+                  <a:schemeClr val="tx1"/>
+                </a:solidFill>
+                <a:latin typeface="Lato" charset="0"/>
+                <a:ea typeface="Lato" charset="0"/>
+                <a:cs typeface="Lato" charset="0"/>
+              </a:rPr>
+              <a:t>can</a:t>
+            </a:r>
+            <a:r>
+              <a:rPr lang="fr-FR" sz="3200" dirty="0">
+                <a:solidFill>
+                  <a:schemeClr val="tx1"/>
+                </a:solidFill>
+                <a:latin typeface="Lato" charset="0"/>
+                <a:ea typeface="Lato" charset="0"/>
+                <a:cs typeface="Lato" charset="0"/>
+              </a:rPr>
+              <a:t> </a:t>
+            </a:r>
+            <a:r>
+              <a:rPr lang="fr-FR" sz="3200" dirty="0" err="1">
+                <a:solidFill>
+                  <a:schemeClr val="tx1"/>
+                </a:solidFill>
+                <a:latin typeface="Lato" charset="0"/>
+                <a:ea typeface="Lato" charset="0"/>
+                <a:cs typeface="Lato" charset="0"/>
+              </a:rPr>
+              <a:t>be</a:t>
+            </a:r>
+            <a:r>
+              <a:rPr lang="fr-FR" sz="3200" dirty="0">
+                <a:solidFill>
+                  <a:schemeClr val="tx1"/>
+                </a:solidFill>
+                <a:latin typeface="Lato" charset="0"/>
+                <a:ea typeface="Lato" charset="0"/>
+                <a:cs typeface="Lato" charset="0"/>
+              </a:rPr>
+              <a:t> </a:t>
+            </a:r>
+            <a:r>
+              <a:rPr lang="fr-FR" sz="3200" dirty="0" err="1">
+                <a:solidFill>
+                  <a:schemeClr val="tx1"/>
+                </a:solidFill>
+                <a:latin typeface="Lato" charset="0"/>
+                <a:ea typeface="Lato" charset="0"/>
+                <a:cs typeface="Lato" charset="0"/>
+              </a:rPr>
+              <a:t>easily</a:t>
+            </a:r>
+            <a:r>
+              <a:rPr lang="fr-FR" sz="3200" dirty="0">
+                <a:solidFill>
+                  <a:schemeClr val="tx1"/>
+                </a:solidFill>
+                <a:latin typeface="Lato" charset="0"/>
+                <a:ea typeface="Lato" charset="0"/>
+                <a:cs typeface="Lato" charset="0"/>
+              </a:rPr>
+              <a:t> </a:t>
+            </a:r>
+            <a:r>
+              <a:rPr lang="fr-FR" sz="3200" dirty="0" err="1">
+                <a:solidFill>
+                  <a:schemeClr val="tx1"/>
+                </a:solidFill>
+                <a:latin typeface="Lato" charset="0"/>
+                <a:ea typeface="Lato" charset="0"/>
+                <a:cs typeface="Lato" charset="0"/>
+              </a:rPr>
+              <a:t>broken</a:t>
+            </a:r>
+            <a:r>
+              <a:rPr lang="fr-FR" sz="3200" dirty="0">
+                <a:solidFill>
+                  <a:schemeClr val="tx1"/>
+                </a:solidFill>
+                <a:latin typeface="Lato" charset="0"/>
+                <a:ea typeface="Lato" charset="0"/>
+                <a:cs typeface="Lato" charset="0"/>
+              </a:rPr>
+              <a:t> </a:t>
+            </a:r>
+            <a:r>
+              <a:rPr lang="fr-FR" sz="3200" dirty="0" err="1">
+                <a:solidFill>
+                  <a:schemeClr val="tx1"/>
+                </a:solidFill>
+                <a:latin typeface="Lato" charset="0"/>
+                <a:ea typeface="Lato" charset="0"/>
+                <a:cs typeface="Lato" charset="0"/>
+              </a:rPr>
+              <a:t>even</a:t>
+            </a:r>
+            <a:r>
+              <a:rPr lang="fr-FR" sz="3200" dirty="0">
+                <a:solidFill>
+                  <a:schemeClr val="tx1"/>
+                </a:solidFill>
+                <a:latin typeface="Lato" charset="0"/>
+                <a:ea typeface="Lato" charset="0"/>
+                <a:cs typeface="Lato" charset="0"/>
+              </a:rPr>
+              <a:t> in a </a:t>
+            </a:r>
+            <a:r>
+              <a:rPr lang="fr-FR" sz="3200" dirty="0" err="1">
+                <a:solidFill>
+                  <a:schemeClr val="tx1"/>
+                </a:solidFill>
+                <a:latin typeface="Lato" charset="0"/>
+                <a:ea typeface="Lato" charset="0"/>
+                <a:cs typeface="Lato" charset="0"/>
+              </a:rPr>
+              <a:t>ciphertext-only</a:t>
+            </a:r>
+            <a:r>
+              <a:rPr lang="fr-FR" sz="3200" dirty="0">
+                <a:solidFill>
+                  <a:schemeClr val="tx1"/>
+                </a:solidFill>
+                <a:latin typeface="Lato" charset="0"/>
+                <a:ea typeface="Lato" charset="0"/>
+                <a:cs typeface="Lato" charset="0"/>
+              </a:rPr>
+              <a:t> scenario </a:t>
+            </a:r>
+            <a:r>
+              <a:rPr lang="fr-FR" sz="3200" dirty="0" err="1">
+                <a:solidFill>
+                  <a:schemeClr val="tx1"/>
+                </a:solidFill>
+                <a:latin typeface="Lato" charset="0"/>
+                <a:ea typeface="Lato" charset="0"/>
+                <a:cs typeface="Lato" charset="0"/>
+              </a:rPr>
+              <a:t>using</a:t>
+            </a:r>
+            <a:r>
+              <a:rPr lang="fr-FR" sz="3200" dirty="0">
+                <a:solidFill>
+                  <a:schemeClr val="tx1"/>
+                </a:solidFill>
+                <a:latin typeface="Lato" charset="0"/>
+                <a:ea typeface="Lato" charset="0"/>
+                <a:cs typeface="Lato" charset="0"/>
+              </a:rPr>
+              <a:t> techniques </a:t>
+            </a:r>
+            <a:r>
+              <a:rPr lang="fr-FR" sz="3200" dirty="0" err="1">
+                <a:solidFill>
+                  <a:schemeClr val="tx1"/>
+                </a:solidFill>
+                <a:latin typeface="Lato" charset="0"/>
+                <a:ea typeface="Lato" charset="0"/>
+                <a:cs typeface="Lato" charset="0"/>
+              </a:rPr>
+              <a:t>such</a:t>
+            </a:r>
+            <a:r>
+              <a:rPr lang="fr-FR" sz="3200" dirty="0">
+                <a:solidFill>
+                  <a:schemeClr val="tx1"/>
+                </a:solidFill>
+                <a:latin typeface="Lato" charset="0"/>
+                <a:ea typeface="Lato" charset="0"/>
+                <a:cs typeface="Lato" charset="0"/>
+              </a:rPr>
+              <a:t> as </a:t>
+            </a:r>
+            <a:r>
+              <a:rPr lang="fr-FR" sz="3200" dirty="0" err="1">
+                <a:solidFill>
+                  <a:schemeClr val="tx1"/>
+                </a:solidFill>
+                <a:latin typeface="Lato" charset="0"/>
+                <a:ea typeface="Lato" charset="0"/>
+                <a:cs typeface="Lato" charset="0"/>
+              </a:rPr>
+              <a:t>frequency</a:t>
+            </a:r>
+            <a:r>
+              <a:rPr lang="fr-FR" sz="3200" dirty="0">
+                <a:solidFill>
+                  <a:schemeClr val="tx1"/>
+                </a:solidFill>
+                <a:latin typeface="Lato" charset="0"/>
+                <a:ea typeface="Lato" charset="0"/>
+                <a:cs typeface="Lato" charset="0"/>
+              </a:rPr>
+              <a:t> </a:t>
+            </a:r>
+            <a:r>
+              <a:rPr lang="fr-FR" sz="3200" dirty="0" err="1">
+                <a:solidFill>
+                  <a:schemeClr val="tx1"/>
+                </a:solidFill>
+                <a:latin typeface="Lato" charset="0"/>
+                <a:ea typeface="Lato" charset="0"/>
+                <a:cs typeface="Lato" charset="0"/>
+              </a:rPr>
+              <a:t>analysis</a:t>
+            </a:r>
+            <a:r>
+              <a:rPr lang="fr-FR" sz="3200" dirty="0">
+                <a:solidFill>
+                  <a:schemeClr val="tx1"/>
+                </a:solidFill>
+                <a:latin typeface="Lato" charset="0"/>
+                <a:ea typeface="Lato" charset="0"/>
+                <a:cs typeface="Lato" charset="0"/>
+              </a:rPr>
+              <a:t> or brute force </a:t>
+            </a:r>
+            <a:r>
+              <a:rPr lang="fr-FR" sz="3200" dirty="0" err="1">
+                <a:solidFill>
+                  <a:schemeClr val="tx1"/>
+                </a:solidFill>
+                <a:latin typeface="Lato" charset="0"/>
+                <a:ea typeface="Lato" charset="0"/>
+                <a:cs typeface="Lato" charset="0"/>
+              </a:rPr>
+              <a:t>because</a:t>
+            </a:r>
+            <a:r>
+              <a:rPr lang="fr-FR" sz="3200" dirty="0">
+                <a:solidFill>
+                  <a:schemeClr val="tx1"/>
+                </a:solidFill>
+                <a:latin typeface="Lato" charset="0"/>
+                <a:ea typeface="Lato" charset="0"/>
+                <a:cs typeface="Lato" charset="0"/>
+              </a:rPr>
+              <a:t> of the </a:t>
+            </a:r>
+            <a:r>
+              <a:rPr lang="fr-FR" sz="3200" dirty="0" err="1">
+                <a:solidFill>
+                  <a:schemeClr val="tx1"/>
+                </a:solidFill>
+                <a:latin typeface="Lato" charset="0"/>
+                <a:ea typeface="Lato" charset="0"/>
+                <a:cs typeface="Lato" charset="0"/>
+              </a:rPr>
+              <a:t>limited</a:t>
+            </a:r>
+            <a:r>
+              <a:rPr lang="fr-FR" sz="3200" dirty="0">
+                <a:solidFill>
+                  <a:schemeClr val="tx1"/>
+                </a:solidFill>
+                <a:latin typeface="Lato" charset="0"/>
+                <a:ea typeface="Lato" charset="0"/>
+                <a:cs typeface="Lato" charset="0"/>
+              </a:rPr>
+              <a:t> </a:t>
+            </a:r>
+            <a:r>
+              <a:rPr lang="fr-FR" sz="3200" dirty="0" err="1">
+                <a:solidFill>
+                  <a:schemeClr val="tx1"/>
+                </a:solidFill>
+                <a:latin typeface="Lato" charset="0"/>
+                <a:ea typeface="Lato" charset="0"/>
+                <a:cs typeface="Lato" charset="0"/>
+              </a:rPr>
+              <a:t>number</a:t>
+            </a:r>
+            <a:r>
+              <a:rPr lang="fr-FR" sz="3200" dirty="0">
+                <a:solidFill>
+                  <a:schemeClr val="tx1"/>
+                </a:solidFill>
+                <a:latin typeface="Lato" charset="0"/>
+                <a:ea typeface="Lato" charset="0"/>
+                <a:cs typeface="Lato" charset="0"/>
+              </a:rPr>
+              <a:t> of possible shifts.</a:t>
+            </a:r>
+          </a:p>
+          <a:p>
+            <a:pPr algn="just"/>
+            <a:endParaRPr lang="fr-FR" sz="3200" dirty="0">
+              <a:solidFill>
+                <a:schemeClr val="tx1"/>
+              </a:solidFill>
+              <a:latin typeface="Lato" charset="0"/>
+              <a:ea typeface="Lato" charset="0"/>
+              <a:cs typeface="Lato" charset="0"/>
+            </a:endParaRPr>
+          </a:p>
+          <a:p>
+            <a:pPr algn="just"/>
+            <a:endParaRPr lang="fr-FR" sz="3200" dirty="0">
+              <a:solidFill>
+                <a:schemeClr val="tx1"/>
+              </a:solidFill>
+              <a:latin typeface="Lato" charset="0"/>
+              <a:ea typeface="Lato" charset="0"/>
+              <a:cs typeface="Lato" charset="0"/>
+            </a:endParaRPr>
+          </a:p>
+          <a:p>
+            <a:pPr algn="just"/>
+            <a:endParaRPr lang="fr-FR" sz="3200" dirty="0">
+              <a:solidFill>
+                <a:schemeClr val="tx1"/>
+              </a:solidFill>
+              <a:latin typeface="Lato" charset="0"/>
+              <a:ea typeface="Lato" charset="0"/>
+              <a:cs typeface="Lato" charset="0"/>
+            </a:endParaRPr>
+          </a:p>
+          <a:p>
+            <a:pPr algn="just"/>
+            <a:endParaRPr lang="fr-FR" sz="3200" dirty="0">
+              <a:solidFill>
+                <a:schemeClr val="tx1"/>
+              </a:solidFill>
+              <a:latin typeface="Lato" charset="0"/>
+              <a:ea typeface="Lato" charset="0"/>
+              <a:cs typeface="Lato" charset="0"/>
+            </a:endParaRPr>
+          </a:p>
+        </p:txBody>
+      </p:sp>
+      <p:sp>
+        <p:nvSpPr>
+          <p:cNvPr id="7" name="Rectangle 6"/>
+          <p:cNvSpPr/>
+          <p:nvPr/>
+        </p:nvSpPr>
+        <p:spPr>
+          <a:xfrm>
+            <a:off x="335902" y="4632644"/>
+            <a:ext cx="12241764" cy="54000"/>
+          </a:xfrm>
+          <a:prstGeom prst="rect">
+            <a:avLst/>
+          </a:prstGeom>
+          <a:solidFill>
+            <a:schemeClr val="tx1"/>
+          </a:solidFill>
+          <a:ln>
+            <a:noFill/>
+          </a:ln>
+        </p:spPr>
+        <p:style>
+          <a:lnRef idx="2">
+            <a:schemeClr val="accent1">
+              <a:shade val="50000"/>
+            </a:schemeClr>
+          </a:lnRef>
+          <a:fillRef idx="1">
+            <a:schemeClr val="accent1"/>
+          </a:fillRef>
+          <a:effectRef idx="0">
+            <a:schemeClr val="accent1"/>
+          </a:effectRef>
+          <a:fontRef idx="minor">
+            <a:schemeClr val="lt1"/>
+          </a:fontRef>
+        </p:style>
+        <p:txBody>
+          <a:bodyPr rtlCol="0" anchor="ctr"/>
+          <a:lstStyle/>
+          <a:p>
+            <a:pPr algn="ctr"/>
+            <a:endParaRPr lang="fr-FR">
+              <a:solidFill>
+                <a:schemeClr val="tx1"/>
+              </a:solidFill>
+            </a:endParaRPr>
+          </a:p>
         </p:txBody>
       </p:sp>
     </p:spTree>
     <p:extLst>
       <p:ext uri="{BB962C8B-B14F-4D97-AF65-F5344CB8AC3E}">
-        <p14:creationId xmlns:p14="http://schemas.microsoft.com/office/powerpoint/2010/main" val="1213120791"/>
+        <p14:creationId xmlns:p14="http://schemas.microsoft.com/office/powerpoint/2010/main" val="669691312"/>
       </p:ext>
     </p:extLst>
   </p:cSld>
@@ -4950,13 +6088,4404 @@
     <a:masterClrMapping/>
   </p:clrMapOvr>
   <p:transition spd="med"/>
-  <p:timing>
-    <p:tnLst>
-      <p:par>
-        <p:cTn id="1" dur="indefinite" restart="never" nodeType="tmRoot"/>
-      </p:par>
-    </p:tnLst>
-  </p:timing>
+</p:sld>
+</file>
+
+<file path=ppt/slides/slide6.xml><?xml version="1.0" encoding="utf-8"?>
+<p:sld xmlns:a="http://schemas.openxmlformats.org/drawingml/2006/main" xmlns:r="http://schemas.openxmlformats.org/officeDocument/2006/relationships" xmlns:p="http://schemas.openxmlformats.org/presentationml/2006/main">
+  <p:cSld>
+    <p:bg>
+      <p:bgPr>
+        <a:solidFill>
+          <a:srgbClr val="D098E4"/>
+        </a:solidFill>
+        <a:effectLst/>
+      </p:bgPr>
+    </p:bg>
+    <p:spTree>
+      <p:nvGrpSpPr>
+        <p:cNvPr id="1" name=""/>
+        <p:cNvGrpSpPr/>
+        <p:nvPr/>
+      </p:nvGrpSpPr>
+      <p:grpSpPr>
+        <a:xfrm>
+          <a:off x="0" y="0"/>
+          <a:ext cx="0" cy="0"/>
+          <a:chOff x="0" y="0"/>
+          <a:chExt cx="0" cy="0"/>
+        </a:xfrm>
+      </p:grpSpPr>
+      <p:sp>
+        <p:nvSpPr>
+          <p:cNvPr id="4" name="Rectangle 3"/>
+          <p:cNvSpPr/>
+          <p:nvPr/>
+        </p:nvSpPr>
+        <p:spPr>
+          <a:xfrm>
+            <a:off x="152400" y="210938"/>
+            <a:ext cx="12687300" cy="9371211"/>
+          </a:xfrm>
+          <a:prstGeom prst="rect">
+            <a:avLst/>
+          </a:prstGeom>
+          <a:solidFill>
+            <a:srgbClr val="9A6FAB"/>
+          </a:solidFill>
+          <a:ln w="12700" cap="flat">
+            <a:noFill/>
+            <a:miter lim="400000"/>
+          </a:ln>
+          <a:effectLst/>
+          <a:sp3d/>
+        </p:spPr>
+        <p:style>
+          <a:lnRef idx="0">
+            <a:scrgbClr r="0" g="0" b="0"/>
+          </a:lnRef>
+          <a:fillRef idx="0">
+            <a:scrgbClr r="0" g="0" b="0"/>
+          </a:fillRef>
+          <a:effectRef idx="0">
+            <a:scrgbClr r="0" g="0" b="0"/>
+          </a:effectRef>
+          <a:fontRef idx="none"/>
+        </p:style>
+        <p:txBody>
+          <a:bodyPr rot="0" spcFirstLastPara="1" vertOverflow="overflow" horzOverflow="overflow" vert="horz" wrap="square" lIns="50800" tIns="50800" rIns="50800" bIns="50800" numCol="1" spcCol="38100" rtlCol="0" anchor="ctr">
+            <a:spAutoFit/>
+          </a:bodyPr>
+          <a:lstStyle/>
+          <a:p>
+            <a:pPr marL="0" marR="0" indent="0" algn="ctr" defTabSz="584200" rtl="0" fontAlgn="auto" latinLnBrk="0" hangingPunct="0">
+              <a:lnSpc>
+                <a:spcPct val="100000"/>
+              </a:lnSpc>
+              <a:spcBef>
+                <a:spcPts val="0"/>
+              </a:spcBef>
+              <a:spcAft>
+                <a:spcPts val="0"/>
+              </a:spcAft>
+              <a:buClrTx/>
+              <a:buSzTx/>
+              <a:buFontTx/>
+              <a:buNone/>
+              <a:tabLst/>
+            </a:pPr>
+            <a:endParaRPr kumimoji="0" lang="fr-FR" sz="2600" b="0" i="0" u="none" strike="noStrike" cap="none" spc="0" normalizeH="0" baseline="0">
+              <a:ln>
+                <a:noFill/>
+              </a:ln>
+              <a:solidFill>
+                <a:srgbClr val="FFFFFF"/>
+              </a:solidFill>
+              <a:effectLst/>
+              <a:uFillTx/>
+              <a:latin typeface="+mn-lt"/>
+              <a:ea typeface="+mn-ea"/>
+              <a:cs typeface="+mn-cs"/>
+              <a:sym typeface="Helvetica Light"/>
+            </a:endParaRPr>
+          </a:p>
+        </p:txBody>
+      </p:sp>
+      <p:sp>
+        <p:nvSpPr>
+          <p:cNvPr id="119" name="Fear the ponies"/>
+          <p:cNvSpPr/>
+          <p:nvPr/>
+        </p:nvSpPr>
+        <p:spPr>
+          <a:xfrm>
+            <a:off x="152400" y="420489"/>
+            <a:ext cx="12687300" cy="1025922"/>
+          </a:xfrm>
+          <a:prstGeom prst="rect">
+            <a:avLst/>
+          </a:prstGeom>
+          <a:ln w="12700">
+            <a:miter lim="400000"/>
+          </a:ln>
+          <a:extLst>
+            <a:ext uri="{C572A759-6A51-4108-AA02-DFA0A04FC94B}">
+              <ma14:wrappingTextBoxFlag xmlns:ma14="http://schemas.microsoft.com/office/mac/drawingml/2011/main" xmlns="" val="1"/>
+            </a:ext>
+          </a:extLst>
+        </p:spPr>
+        <p:txBody>
+          <a:bodyPr wrap="square" lIns="50800" tIns="50800" rIns="50800" bIns="50800" anchor="ctr">
+            <a:spAutoFit/>
+          </a:bodyPr>
+          <a:lstStyle>
+            <a:lvl1pPr>
+              <a:defRPr sz="6000"/>
+            </a:lvl1pPr>
+          </a:lstStyle>
+          <a:p>
+            <a:r>
+              <a:rPr lang="fr-FR" b="1" dirty="0">
+                <a:latin typeface="Lato" charset="0"/>
+                <a:ea typeface="Lato" charset="0"/>
+                <a:cs typeface="Lato" charset="0"/>
+              </a:rPr>
+              <a:t>Simple Substitution </a:t>
+            </a:r>
+            <a:r>
+              <a:rPr lang="fr-FR" dirty="0" err="1">
+                <a:latin typeface="Lato" charset="0"/>
+                <a:ea typeface="Lato" charset="0"/>
+                <a:cs typeface="Lato" charset="0"/>
+              </a:rPr>
+              <a:t>Cipher</a:t>
+            </a:r>
+            <a:endParaRPr lang="fr-FR" dirty="0">
+              <a:latin typeface="Lato" charset="0"/>
+              <a:ea typeface="Lato" charset="0"/>
+              <a:cs typeface="Lato" charset="0"/>
+            </a:endParaRPr>
+          </a:p>
+        </p:txBody>
+      </p:sp>
+      <p:pic>
+        <p:nvPicPr>
+          <p:cNvPr id="2" name="Image 1"/>
+          <p:cNvPicPr>
+            <a:picLocks noChangeAspect="1"/>
+          </p:cNvPicPr>
+          <p:nvPr/>
+        </p:nvPicPr>
+        <p:blipFill>
+          <a:blip r:embed="rId2" cstate="print">
+            <a:extLst>
+              <a:ext uri="{28A0092B-C50C-407E-A947-70E740481C1C}">
+                <a14:useLocalDpi xmlns:a14="http://schemas.microsoft.com/office/drawing/2010/main" val="0"/>
+              </a:ext>
+            </a:extLst>
+          </a:blip>
+          <a:stretch>
+            <a:fillRect/>
+          </a:stretch>
+        </p:blipFill>
+        <p:spPr>
+          <a:xfrm>
+            <a:off x="10623550" y="6912811"/>
+            <a:ext cx="1720850" cy="2388048"/>
+          </a:xfrm>
+          <a:prstGeom prst="rect">
+            <a:avLst/>
+          </a:prstGeom>
+        </p:spPr>
+      </p:pic>
+      <p:sp>
+        <p:nvSpPr>
+          <p:cNvPr id="125" name="Wi-Fi: Eiffel_Guest1 pass: techtech1"/>
+          <p:cNvSpPr/>
+          <p:nvPr/>
+        </p:nvSpPr>
+        <p:spPr>
+          <a:xfrm>
+            <a:off x="10114652" y="8767380"/>
+            <a:ext cx="2393283" cy="533479"/>
+          </a:xfrm>
+          <a:prstGeom prst="rect">
+            <a:avLst/>
+          </a:prstGeom>
+          <a:ln w="12700">
+            <a:miter lim="400000"/>
+          </a:ln>
+          <a:extLst>
+            <a:ext uri="{C572A759-6A51-4108-AA02-DFA0A04FC94B}">
+              <ma14:wrappingTextBoxFlag xmlns:ma14="http://schemas.microsoft.com/office/mac/drawingml/2011/main" xmlns="" val="1"/>
+            </a:ext>
+          </a:extLst>
+        </p:spPr>
+        <p:txBody>
+          <a:bodyPr wrap="none" lIns="50800" tIns="50800" rIns="50800" bIns="50800" anchor="ctr">
+            <a:spAutoFit/>
+          </a:bodyPr>
+          <a:lstStyle>
+            <a:lvl1pPr>
+              <a:defRPr sz="2800"/>
+            </a:lvl1pPr>
+          </a:lstStyle>
+          <a:p>
+            <a:r>
+              <a:rPr lang="en-US" i="1" dirty="0">
+                <a:latin typeface="Lato" charset="0"/>
+                <a:ea typeface="Lato" charset="0"/>
+                <a:cs typeface="Lato" charset="0"/>
+              </a:rPr>
+              <a:t>your spymaster</a:t>
+            </a:r>
+            <a:endParaRPr i="1" dirty="0">
+              <a:latin typeface="Lato" charset="0"/>
+              <a:ea typeface="Lato" charset="0"/>
+              <a:cs typeface="Lato" charset="0"/>
+            </a:endParaRPr>
+          </a:p>
+        </p:txBody>
+      </p:sp>
+      <p:sp>
+        <p:nvSpPr>
+          <p:cNvPr id="3" name="Rectangle 2"/>
+          <p:cNvSpPr/>
+          <p:nvPr/>
+        </p:nvSpPr>
+        <p:spPr>
+          <a:xfrm>
+            <a:off x="335902" y="2060645"/>
+            <a:ext cx="12241764" cy="6494085"/>
+          </a:xfrm>
+          <a:prstGeom prst="rect">
+            <a:avLst/>
+          </a:prstGeom>
+        </p:spPr>
+        <p:txBody>
+          <a:bodyPr wrap="square">
+            <a:spAutoFit/>
+          </a:bodyPr>
+          <a:lstStyle/>
+          <a:p>
+            <a:pPr algn="just"/>
+            <a:r>
+              <a:rPr lang="fr-FR" sz="3200" dirty="0">
+                <a:solidFill>
+                  <a:schemeClr val="tx1"/>
+                </a:solidFill>
+                <a:latin typeface="Lato" charset="0"/>
+                <a:ea typeface="Lato" charset="0"/>
+                <a:cs typeface="Lato" charset="0"/>
+              </a:rPr>
+              <a:t>Simple substitution </a:t>
+            </a:r>
+            <a:r>
+              <a:rPr lang="fr-FR" sz="3200" dirty="0" err="1">
+                <a:solidFill>
+                  <a:schemeClr val="tx1"/>
+                </a:solidFill>
+                <a:latin typeface="Lato" charset="0"/>
+                <a:ea typeface="Lato" charset="0"/>
+                <a:cs typeface="Lato" charset="0"/>
+              </a:rPr>
+              <a:t>ciphers</a:t>
+            </a:r>
+            <a:r>
+              <a:rPr lang="fr-FR" sz="3200" dirty="0">
+                <a:solidFill>
+                  <a:schemeClr val="tx1"/>
+                </a:solidFill>
+                <a:latin typeface="Lato" charset="0"/>
+                <a:ea typeface="Lato" charset="0"/>
+                <a:cs typeface="Lato" charset="0"/>
+              </a:rPr>
+              <a:t> </a:t>
+            </a:r>
+            <a:r>
+              <a:rPr lang="fr-FR" sz="3200" dirty="0" err="1">
+                <a:solidFill>
+                  <a:schemeClr val="tx1"/>
+                </a:solidFill>
+                <a:latin typeface="Lato" charset="0"/>
+                <a:ea typeface="Lato" charset="0"/>
+                <a:cs typeface="Lato" charset="0"/>
+              </a:rPr>
+              <a:t>is</a:t>
+            </a:r>
+            <a:r>
+              <a:rPr lang="fr-FR" sz="3200" dirty="0">
+                <a:solidFill>
+                  <a:schemeClr val="tx1"/>
+                </a:solidFill>
+                <a:latin typeface="Lato" charset="0"/>
+                <a:ea typeface="Lato" charset="0"/>
+                <a:cs typeface="Lato" charset="0"/>
+              </a:rPr>
+              <a:t> a </a:t>
+            </a:r>
+            <a:r>
+              <a:rPr lang="fr-FR" sz="3200" dirty="0" err="1">
+                <a:solidFill>
+                  <a:schemeClr val="tx1"/>
+                </a:solidFill>
+                <a:latin typeface="Lato" charset="0"/>
+                <a:ea typeface="Lato" charset="0"/>
+                <a:cs typeface="Lato" charset="0"/>
+              </a:rPr>
+              <a:t>method</a:t>
+            </a:r>
+            <a:r>
+              <a:rPr lang="fr-FR" sz="3200" dirty="0">
+                <a:solidFill>
+                  <a:schemeClr val="tx1"/>
+                </a:solidFill>
+                <a:latin typeface="Lato" charset="0"/>
+                <a:ea typeface="Lato" charset="0"/>
+                <a:cs typeface="Lato" charset="0"/>
+              </a:rPr>
+              <a:t> of </a:t>
+            </a:r>
+            <a:r>
+              <a:rPr lang="fr-FR" sz="3200" dirty="0" err="1">
+                <a:solidFill>
+                  <a:schemeClr val="tx1"/>
+                </a:solidFill>
+                <a:latin typeface="Lato" charset="0"/>
+                <a:ea typeface="Lato" charset="0"/>
+                <a:cs typeface="Lato" charset="0"/>
+              </a:rPr>
+              <a:t>encrypting</a:t>
+            </a:r>
+            <a:r>
+              <a:rPr lang="fr-FR" sz="3200" dirty="0">
+                <a:solidFill>
+                  <a:schemeClr val="tx1"/>
+                </a:solidFill>
+                <a:latin typeface="Lato" charset="0"/>
+                <a:ea typeface="Lato" charset="0"/>
+                <a:cs typeface="Lato" charset="0"/>
+              </a:rPr>
+              <a:t> by </a:t>
+            </a:r>
+            <a:r>
+              <a:rPr lang="fr-FR" sz="3200" dirty="0" err="1">
+                <a:solidFill>
+                  <a:schemeClr val="tx1"/>
+                </a:solidFill>
+                <a:latin typeface="Lato" charset="0"/>
+                <a:ea typeface="Lato" charset="0"/>
+                <a:cs typeface="Lato" charset="0"/>
+              </a:rPr>
+              <a:t>which</a:t>
+            </a:r>
+            <a:r>
+              <a:rPr lang="fr-FR" sz="3200" dirty="0">
+                <a:solidFill>
+                  <a:schemeClr val="tx1"/>
+                </a:solidFill>
+                <a:latin typeface="Lato" charset="0"/>
+                <a:ea typeface="Lato" charset="0"/>
+                <a:cs typeface="Lato" charset="0"/>
+              </a:rPr>
+              <a:t> </a:t>
+            </a:r>
+            <a:r>
+              <a:rPr lang="fr-FR" sz="3200" dirty="0" err="1">
+                <a:solidFill>
+                  <a:schemeClr val="tx1"/>
+                </a:solidFill>
+                <a:latin typeface="Lato" charset="0"/>
+                <a:ea typeface="Lato" charset="0"/>
+                <a:cs typeface="Lato" charset="0"/>
+              </a:rPr>
+              <a:t>units</a:t>
+            </a:r>
+            <a:r>
+              <a:rPr lang="fr-FR" sz="3200" dirty="0">
+                <a:solidFill>
+                  <a:schemeClr val="tx1"/>
+                </a:solidFill>
+                <a:latin typeface="Lato" charset="0"/>
+                <a:ea typeface="Lato" charset="0"/>
+                <a:cs typeface="Lato" charset="0"/>
+              </a:rPr>
+              <a:t> of </a:t>
+            </a:r>
+            <a:r>
+              <a:rPr lang="fr-FR" sz="3200" dirty="0" err="1">
+                <a:solidFill>
+                  <a:schemeClr val="tx1"/>
+                </a:solidFill>
+                <a:latin typeface="Lato" charset="0"/>
+                <a:ea typeface="Lato" charset="0"/>
+                <a:cs typeface="Lato" charset="0"/>
+              </a:rPr>
+              <a:t>plaintext</a:t>
+            </a:r>
+            <a:r>
+              <a:rPr lang="fr-FR" sz="3200" dirty="0">
+                <a:solidFill>
+                  <a:schemeClr val="tx1"/>
+                </a:solidFill>
+                <a:latin typeface="Lato" charset="0"/>
+                <a:ea typeface="Lato" charset="0"/>
+                <a:cs typeface="Lato" charset="0"/>
+              </a:rPr>
+              <a:t> are </a:t>
+            </a:r>
+            <a:r>
+              <a:rPr lang="fr-FR" sz="3200" dirty="0" err="1">
+                <a:solidFill>
+                  <a:schemeClr val="tx1"/>
+                </a:solidFill>
+                <a:latin typeface="Lato" charset="0"/>
+                <a:ea typeface="Lato" charset="0"/>
+                <a:cs typeface="Lato" charset="0"/>
+              </a:rPr>
+              <a:t>replaced</a:t>
+            </a:r>
+            <a:r>
+              <a:rPr lang="fr-FR" sz="3200" dirty="0">
+                <a:solidFill>
+                  <a:schemeClr val="tx1"/>
+                </a:solidFill>
+                <a:latin typeface="Lato" charset="0"/>
+                <a:ea typeface="Lato" charset="0"/>
+                <a:cs typeface="Lato" charset="0"/>
+              </a:rPr>
+              <a:t> </a:t>
+            </a:r>
+            <a:r>
+              <a:rPr lang="fr-FR" sz="3200" dirty="0" err="1">
+                <a:solidFill>
+                  <a:schemeClr val="tx1"/>
+                </a:solidFill>
+                <a:latin typeface="Lato" charset="0"/>
+                <a:ea typeface="Lato" charset="0"/>
+                <a:cs typeface="Lato" charset="0"/>
+              </a:rPr>
+              <a:t>with</a:t>
+            </a:r>
+            <a:r>
+              <a:rPr lang="fr-FR" sz="3200" dirty="0">
+                <a:solidFill>
+                  <a:schemeClr val="tx1"/>
+                </a:solidFill>
+                <a:latin typeface="Lato" charset="0"/>
+                <a:ea typeface="Lato" charset="0"/>
+                <a:cs typeface="Lato" charset="0"/>
+              </a:rPr>
+              <a:t> </a:t>
+            </a:r>
+            <a:r>
+              <a:rPr lang="fr-FR" sz="3200" dirty="0" err="1">
+                <a:solidFill>
+                  <a:schemeClr val="tx1"/>
+                </a:solidFill>
+                <a:latin typeface="Lato" charset="0"/>
+                <a:ea typeface="Lato" charset="0"/>
+                <a:cs typeface="Lato" charset="0"/>
+              </a:rPr>
+              <a:t>cyphertext</a:t>
+            </a:r>
+            <a:r>
+              <a:rPr lang="fr-FR" sz="3200" dirty="0">
+                <a:solidFill>
+                  <a:schemeClr val="tx1"/>
+                </a:solidFill>
+                <a:latin typeface="Lato" charset="0"/>
+                <a:ea typeface="Lato" charset="0"/>
+                <a:cs typeface="Lato" charset="0"/>
+              </a:rPr>
+              <a:t>. </a:t>
+            </a:r>
+            <a:r>
+              <a:rPr lang="fr-FR" sz="3200" dirty="0" err="1">
+                <a:solidFill>
+                  <a:schemeClr val="tx1"/>
+                </a:solidFill>
+                <a:latin typeface="Lato" charset="0"/>
+                <a:ea typeface="Lato" charset="0"/>
+                <a:cs typeface="Lato" charset="0"/>
+              </a:rPr>
+              <a:t>It’s</a:t>
+            </a:r>
+            <a:r>
+              <a:rPr lang="fr-FR" sz="3200" dirty="0">
+                <a:solidFill>
+                  <a:schemeClr val="tx1"/>
+                </a:solidFill>
+                <a:latin typeface="Lato" charset="0"/>
+                <a:ea typeface="Lato" charset="0"/>
+                <a:cs typeface="Lato" charset="0"/>
+              </a:rPr>
+              <a:t> </a:t>
+            </a:r>
+            <a:r>
+              <a:rPr lang="fr-FR" sz="3200" dirty="0" err="1">
+                <a:solidFill>
+                  <a:schemeClr val="tx1"/>
+                </a:solidFill>
+                <a:latin typeface="Lato" charset="0"/>
+                <a:ea typeface="Lato" charset="0"/>
+                <a:cs typeface="Lato" charset="0"/>
+              </a:rPr>
+              <a:t>done</a:t>
+            </a:r>
+            <a:r>
+              <a:rPr lang="fr-FR" sz="3200" dirty="0">
+                <a:solidFill>
+                  <a:schemeClr val="tx1"/>
+                </a:solidFill>
+                <a:latin typeface="Lato" charset="0"/>
+                <a:ea typeface="Lato" charset="0"/>
+                <a:cs typeface="Lato" charset="0"/>
+              </a:rPr>
+              <a:t> by </a:t>
+            </a:r>
+            <a:r>
+              <a:rPr lang="fr-FR" sz="3200" dirty="0" err="1">
+                <a:solidFill>
+                  <a:schemeClr val="tx1"/>
+                </a:solidFill>
+                <a:latin typeface="Lato" charset="0"/>
+                <a:ea typeface="Lato" charset="0"/>
+                <a:cs typeface="Lato" charset="0"/>
+              </a:rPr>
+              <a:t>writing</a:t>
+            </a:r>
+            <a:r>
+              <a:rPr lang="fr-FR" sz="3200" dirty="0">
+                <a:solidFill>
+                  <a:schemeClr val="tx1"/>
+                </a:solidFill>
+                <a:latin typeface="Lato" charset="0"/>
+                <a:ea typeface="Lato" charset="0"/>
+                <a:cs typeface="Lato" charset="0"/>
+              </a:rPr>
+              <a:t> out an </a:t>
+            </a:r>
+            <a:r>
+              <a:rPr lang="fr-FR" sz="3200" dirty="0" err="1">
+                <a:solidFill>
+                  <a:schemeClr val="tx1"/>
+                </a:solidFill>
+                <a:latin typeface="Lato" charset="0"/>
+                <a:ea typeface="Lato" charset="0"/>
+                <a:cs typeface="Lato" charset="0"/>
+              </a:rPr>
+              <a:t>cipher</a:t>
+            </a:r>
+            <a:r>
+              <a:rPr lang="fr-FR" sz="3200" dirty="0">
+                <a:solidFill>
+                  <a:schemeClr val="tx1"/>
+                </a:solidFill>
+                <a:latin typeface="Lato" charset="0"/>
+                <a:ea typeface="Lato" charset="0"/>
+                <a:cs typeface="Lato" charset="0"/>
+              </a:rPr>
+              <a:t> alphabet </a:t>
+            </a:r>
+            <a:r>
+              <a:rPr lang="fr-FR" sz="3200" dirty="0" err="1">
+                <a:solidFill>
+                  <a:schemeClr val="tx1"/>
+                </a:solidFill>
+                <a:latin typeface="Lato" charset="0"/>
+                <a:ea typeface="Lato" charset="0"/>
+                <a:cs typeface="Lato" charset="0"/>
+              </a:rPr>
+              <a:t>using</a:t>
+            </a:r>
+            <a:r>
+              <a:rPr lang="fr-FR" sz="3200" dirty="0">
+                <a:solidFill>
+                  <a:schemeClr val="tx1"/>
+                </a:solidFill>
+                <a:latin typeface="Lato" charset="0"/>
+                <a:ea typeface="Lato" charset="0"/>
+                <a:cs typeface="Lato" charset="0"/>
+              </a:rPr>
+              <a:t> a shift </a:t>
+            </a:r>
+            <a:r>
+              <a:rPr lang="fr-FR" sz="3200" dirty="0" err="1">
+                <a:solidFill>
+                  <a:schemeClr val="tx1"/>
+                </a:solidFill>
+                <a:latin typeface="Lato" charset="0"/>
+                <a:ea typeface="Lato" charset="0"/>
+                <a:cs typeface="Lato" charset="0"/>
+              </a:rPr>
+              <a:t>like</a:t>
+            </a:r>
+            <a:r>
+              <a:rPr lang="fr-FR" sz="3200" dirty="0">
+                <a:solidFill>
+                  <a:schemeClr val="tx1"/>
+                </a:solidFill>
+                <a:latin typeface="Lato" charset="0"/>
+                <a:ea typeface="Lato" charset="0"/>
+                <a:cs typeface="Lato" charset="0"/>
+              </a:rPr>
+              <a:t> in the Caesar </a:t>
+            </a:r>
+            <a:r>
+              <a:rPr lang="fr-FR" sz="3200" dirty="0" err="1">
+                <a:solidFill>
+                  <a:schemeClr val="tx1"/>
+                </a:solidFill>
+                <a:latin typeface="Lato" charset="0"/>
+                <a:ea typeface="Lato" charset="0"/>
+                <a:cs typeface="Lato" charset="0"/>
+              </a:rPr>
+              <a:t>cipher</a:t>
+            </a:r>
+            <a:r>
+              <a:rPr lang="fr-FR" sz="3200" dirty="0">
+                <a:solidFill>
+                  <a:schemeClr val="tx1"/>
+                </a:solidFill>
+                <a:latin typeface="Lato" charset="0"/>
+                <a:ea typeface="Lato" charset="0"/>
+                <a:cs typeface="Lato" charset="0"/>
+              </a:rPr>
+              <a:t> or </a:t>
+            </a:r>
+            <a:r>
+              <a:rPr lang="fr-FR" sz="3200" dirty="0" err="1">
+                <a:solidFill>
+                  <a:schemeClr val="tx1"/>
+                </a:solidFill>
+                <a:latin typeface="Lato" charset="0"/>
+                <a:ea typeface="Lato" charset="0"/>
+                <a:cs typeface="Lato" charset="0"/>
+              </a:rPr>
+              <a:t>using</a:t>
+            </a:r>
+            <a:r>
+              <a:rPr lang="fr-FR" sz="3200" dirty="0">
+                <a:solidFill>
+                  <a:schemeClr val="tx1"/>
+                </a:solidFill>
+                <a:latin typeface="Lato" charset="0"/>
+                <a:ea typeface="Lato" charset="0"/>
+                <a:cs typeface="Lato" charset="0"/>
+              </a:rPr>
+              <a:t> </a:t>
+            </a:r>
+            <a:r>
+              <a:rPr lang="fr-FR" sz="3200" dirty="0" err="1">
+                <a:solidFill>
+                  <a:schemeClr val="tx1"/>
+                </a:solidFill>
+                <a:latin typeface="Lato" charset="0"/>
+                <a:ea typeface="Lato" charset="0"/>
+                <a:cs typeface="Lato" charset="0"/>
+              </a:rPr>
+              <a:t>any</a:t>
+            </a:r>
+            <a:r>
+              <a:rPr lang="fr-FR" sz="3200" dirty="0">
+                <a:solidFill>
+                  <a:schemeClr val="tx1"/>
+                </a:solidFill>
+                <a:latin typeface="Lato" charset="0"/>
+                <a:ea typeface="Lato" charset="0"/>
+                <a:cs typeface="Lato" charset="0"/>
+              </a:rPr>
+              <a:t> </a:t>
+            </a:r>
+            <a:r>
+              <a:rPr lang="fr-FR" sz="3200" dirty="0" err="1">
+                <a:solidFill>
+                  <a:schemeClr val="tx1"/>
+                </a:solidFill>
+                <a:latin typeface="Lato" charset="0"/>
+                <a:ea typeface="Lato" charset="0"/>
+                <a:cs typeface="Lato" charset="0"/>
+              </a:rPr>
+              <a:t>method</a:t>
+            </a:r>
+            <a:r>
+              <a:rPr lang="fr-FR" sz="3200" dirty="0">
+                <a:solidFill>
+                  <a:schemeClr val="tx1"/>
+                </a:solidFill>
+                <a:latin typeface="Lato" charset="0"/>
+                <a:ea typeface="Lato" charset="0"/>
+                <a:cs typeface="Lato" charset="0"/>
+              </a:rPr>
+              <a:t> able to </a:t>
+            </a:r>
+            <a:r>
+              <a:rPr lang="fr-FR" sz="3200" dirty="0" err="1">
+                <a:solidFill>
+                  <a:schemeClr val="tx1"/>
+                </a:solidFill>
+                <a:latin typeface="Lato" charset="0"/>
+                <a:ea typeface="Lato" charset="0"/>
+                <a:cs typeface="Lato" charset="0"/>
+              </a:rPr>
+              <a:t>scramble</a:t>
+            </a:r>
+            <a:r>
+              <a:rPr lang="fr-FR" sz="3200" dirty="0">
+                <a:solidFill>
+                  <a:schemeClr val="tx1"/>
+                </a:solidFill>
+                <a:latin typeface="Lato" charset="0"/>
+                <a:ea typeface="Lato" charset="0"/>
+                <a:cs typeface="Lato" charset="0"/>
+              </a:rPr>
+              <a:t> the alphabet.</a:t>
+            </a:r>
+          </a:p>
+          <a:p>
+            <a:pPr algn="just"/>
+            <a:endParaRPr lang="fr-FR" sz="3200" dirty="0">
+              <a:solidFill>
+                <a:schemeClr val="tx1"/>
+              </a:solidFill>
+              <a:latin typeface="Lato" charset="0"/>
+              <a:ea typeface="Lato" charset="0"/>
+              <a:cs typeface="Lato" charset="0"/>
+            </a:endParaRPr>
+          </a:p>
+          <a:p>
+            <a:pPr algn="just"/>
+            <a:endParaRPr lang="fr-FR" sz="3200" dirty="0">
+              <a:solidFill>
+                <a:schemeClr val="tx1"/>
+              </a:solidFill>
+              <a:latin typeface="Lato" charset="0"/>
+              <a:ea typeface="Lato" charset="0"/>
+              <a:cs typeface="Lato" charset="0"/>
+            </a:endParaRPr>
+          </a:p>
+          <a:p>
+            <a:pPr algn="just"/>
+            <a:r>
+              <a:rPr lang="fr-FR" sz="3200" dirty="0" err="1">
+                <a:solidFill>
+                  <a:schemeClr val="tx1"/>
+                </a:solidFill>
+                <a:latin typeface="Lato" charset="0"/>
+                <a:ea typeface="Lato" charset="0"/>
+                <a:cs typeface="Lato" charset="0"/>
+              </a:rPr>
+              <a:t>Even</a:t>
+            </a:r>
+            <a:r>
+              <a:rPr lang="fr-FR" sz="3200" dirty="0">
+                <a:solidFill>
+                  <a:schemeClr val="tx1"/>
+                </a:solidFill>
+                <a:latin typeface="Lato" charset="0"/>
+                <a:ea typeface="Lato" charset="0"/>
+                <a:cs typeface="Lato" charset="0"/>
+              </a:rPr>
+              <a:t> if the </a:t>
+            </a:r>
+            <a:r>
+              <a:rPr lang="fr-FR" sz="3200" dirty="0" err="1">
+                <a:solidFill>
+                  <a:schemeClr val="tx1"/>
+                </a:solidFill>
+                <a:latin typeface="Lato" charset="0"/>
+                <a:ea typeface="Lato" charset="0"/>
+                <a:cs typeface="Lato" charset="0"/>
+              </a:rPr>
+              <a:t>number</a:t>
+            </a:r>
+            <a:r>
+              <a:rPr lang="fr-FR" sz="3200" dirty="0">
+                <a:solidFill>
+                  <a:schemeClr val="tx1"/>
+                </a:solidFill>
+                <a:latin typeface="Lato" charset="0"/>
+                <a:ea typeface="Lato" charset="0"/>
+                <a:cs typeface="Lato" charset="0"/>
+              </a:rPr>
+              <a:t> of possible keys </a:t>
+            </a:r>
+            <a:r>
+              <a:rPr lang="fr-FR" sz="3200" dirty="0" err="1">
+                <a:solidFill>
+                  <a:schemeClr val="tx1"/>
+                </a:solidFill>
+                <a:latin typeface="Lato" charset="0"/>
+                <a:ea typeface="Lato" charset="0"/>
+                <a:cs typeface="Lato" charset="0"/>
+              </a:rPr>
+              <a:t>is</a:t>
+            </a:r>
+            <a:r>
+              <a:rPr lang="fr-FR" sz="3200" dirty="0">
+                <a:solidFill>
+                  <a:schemeClr val="tx1"/>
+                </a:solidFill>
+                <a:latin typeface="Lato" charset="0"/>
+                <a:ea typeface="Lato" charset="0"/>
+                <a:cs typeface="Lato" charset="0"/>
+              </a:rPr>
+              <a:t> </a:t>
+            </a:r>
+            <a:r>
+              <a:rPr lang="fr-FR" sz="3200" dirty="0" err="1">
+                <a:solidFill>
+                  <a:schemeClr val="tx1"/>
+                </a:solidFill>
+                <a:latin typeface="Lato" charset="0"/>
+                <a:ea typeface="Lato" charset="0"/>
+                <a:cs typeface="Lato" charset="0"/>
+              </a:rPr>
+              <a:t>very</a:t>
+            </a:r>
+            <a:r>
+              <a:rPr lang="fr-FR" sz="3200" dirty="0">
+                <a:solidFill>
+                  <a:schemeClr val="tx1"/>
+                </a:solidFill>
+                <a:latin typeface="Lato" charset="0"/>
+                <a:ea typeface="Lato" charset="0"/>
+                <a:cs typeface="Lato" charset="0"/>
+              </a:rPr>
+              <a:t> large </a:t>
+            </a:r>
+            <a:r>
+              <a:rPr lang="fr-FR" sz="3200" dirty="0" err="1">
+                <a:solidFill>
+                  <a:schemeClr val="tx1"/>
+                </a:solidFill>
+                <a:latin typeface="Lato" charset="0"/>
+                <a:ea typeface="Lato" charset="0"/>
+                <a:cs typeface="Lato" charset="0"/>
+              </a:rPr>
+              <a:t>contrary</a:t>
+            </a:r>
+            <a:r>
+              <a:rPr lang="fr-FR" sz="3200" dirty="0">
+                <a:solidFill>
+                  <a:schemeClr val="tx1"/>
+                </a:solidFill>
+                <a:latin typeface="Lato" charset="0"/>
+                <a:ea typeface="Lato" charset="0"/>
+                <a:cs typeface="Lato" charset="0"/>
+              </a:rPr>
+              <a:t> to the Caesar </a:t>
+            </a:r>
+            <a:r>
+              <a:rPr lang="fr-FR" sz="3200" dirty="0" err="1">
+                <a:solidFill>
+                  <a:schemeClr val="tx1"/>
+                </a:solidFill>
+                <a:latin typeface="Lato" charset="0"/>
+                <a:ea typeface="Lato" charset="0"/>
+                <a:cs typeface="Lato" charset="0"/>
+              </a:rPr>
+              <a:t>cipher</a:t>
+            </a:r>
+            <a:r>
+              <a:rPr lang="fr-FR" sz="3200" dirty="0">
+                <a:solidFill>
+                  <a:schemeClr val="tx1"/>
+                </a:solidFill>
+                <a:latin typeface="Lato" charset="0"/>
+                <a:ea typeface="Lato" charset="0"/>
+                <a:cs typeface="Lato" charset="0"/>
+              </a:rPr>
+              <a:t>, simple </a:t>
+            </a:r>
+            <a:r>
+              <a:rPr lang="fr-FR" sz="3200" dirty="0" err="1">
+                <a:solidFill>
+                  <a:schemeClr val="tx1"/>
+                </a:solidFill>
+                <a:latin typeface="Lato" charset="0"/>
+                <a:ea typeface="Lato" charset="0"/>
+                <a:cs typeface="Lato" charset="0"/>
+              </a:rPr>
+              <a:t>substition</a:t>
+            </a:r>
+            <a:r>
+              <a:rPr lang="fr-FR" sz="3200" dirty="0">
+                <a:solidFill>
+                  <a:schemeClr val="tx1"/>
+                </a:solidFill>
+                <a:latin typeface="Lato" charset="0"/>
+                <a:ea typeface="Lato" charset="0"/>
+                <a:cs typeface="Lato" charset="0"/>
+              </a:rPr>
+              <a:t> </a:t>
+            </a:r>
+            <a:r>
+              <a:rPr lang="fr-FR" sz="3200" dirty="0" err="1">
+                <a:solidFill>
+                  <a:schemeClr val="tx1"/>
+                </a:solidFill>
+                <a:latin typeface="Lato" charset="0"/>
+                <a:ea typeface="Lato" charset="0"/>
+                <a:cs typeface="Lato" charset="0"/>
+              </a:rPr>
+              <a:t>can</a:t>
+            </a:r>
+            <a:r>
+              <a:rPr lang="fr-FR" sz="3200" dirty="0">
+                <a:solidFill>
+                  <a:schemeClr val="tx1"/>
+                </a:solidFill>
+                <a:latin typeface="Lato" charset="0"/>
+                <a:ea typeface="Lato" charset="0"/>
+                <a:cs typeface="Lato" charset="0"/>
+              </a:rPr>
+              <a:t> </a:t>
+            </a:r>
+            <a:r>
+              <a:rPr lang="fr-FR" sz="3200" dirty="0" err="1">
+                <a:solidFill>
+                  <a:schemeClr val="tx1"/>
+                </a:solidFill>
+                <a:latin typeface="Lato" charset="0"/>
+                <a:ea typeface="Lato" charset="0"/>
+                <a:cs typeface="Lato" charset="0"/>
+              </a:rPr>
+              <a:t>be</a:t>
+            </a:r>
+            <a:r>
+              <a:rPr lang="fr-FR" sz="3200" dirty="0">
+                <a:solidFill>
+                  <a:schemeClr val="tx1"/>
+                </a:solidFill>
+                <a:latin typeface="Lato" charset="0"/>
+                <a:ea typeface="Lato" charset="0"/>
+                <a:cs typeface="Lato" charset="0"/>
+              </a:rPr>
+              <a:t> </a:t>
+            </a:r>
+            <a:r>
+              <a:rPr lang="fr-FR" sz="3200" dirty="0" err="1">
+                <a:solidFill>
+                  <a:schemeClr val="tx1"/>
+                </a:solidFill>
+                <a:latin typeface="Lato" charset="0"/>
+                <a:ea typeface="Lato" charset="0"/>
+                <a:cs typeface="Lato" charset="0"/>
+              </a:rPr>
+              <a:t>easily</a:t>
+            </a:r>
+            <a:r>
+              <a:rPr lang="fr-FR" sz="3200" dirty="0">
+                <a:solidFill>
+                  <a:schemeClr val="tx1"/>
+                </a:solidFill>
+                <a:latin typeface="Lato" charset="0"/>
+                <a:ea typeface="Lato" charset="0"/>
+                <a:cs typeface="Lato" charset="0"/>
+              </a:rPr>
+              <a:t> </a:t>
+            </a:r>
+            <a:r>
+              <a:rPr lang="fr-FR" sz="3200" dirty="0" err="1">
+                <a:solidFill>
+                  <a:schemeClr val="tx1"/>
+                </a:solidFill>
+                <a:latin typeface="Lato" charset="0"/>
+                <a:ea typeface="Lato" charset="0"/>
+                <a:cs typeface="Lato" charset="0"/>
+              </a:rPr>
+              <a:t>broken</a:t>
+            </a:r>
+            <a:r>
+              <a:rPr lang="fr-FR" sz="3200" dirty="0">
+                <a:solidFill>
+                  <a:schemeClr val="tx1"/>
+                </a:solidFill>
+                <a:latin typeface="Lato" charset="0"/>
+                <a:ea typeface="Lato" charset="0"/>
+                <a:cs typeface="Lato" charset="0"/>
+              </a:rPr>
+              <a:t> by </a:t>
+            </a:r>
+            <a:r>
+              <a:rPr lang="fr-FR" sz="3200" dirty="0" err="1">
+                <a:solidFill>
+                  <a:schemeClr val="tx1"/>
+                </a:solidFill>
+                <a:latin typeface="Lato" charset="0"/>
+                <a:ea typeface="Lato" charset="0"/>
+                <a:cs typeface="Lato" charset="0"/>
+              </a:rPr>
+              <a:t>analyzing</a:t>
+            </a:r>
+            <a:r>
+              <a:rPr lang="fr-FR" sz="3200" dirty="0">
+                <a:solidFill>
+                  <a:schemeClr val="tx1"/>
+                </a:solidFill>
+                <a:latin typeface="Lato" charset="0"/>
+                <a:ea typeface="Lato" charset="0"/>
+                <a:cs typeface="Lato" charset="0"/>
+              </a:rPr>
+              <a:t> the </a:t>
+            </a:r>
+            <a:r>
+              <a:rPr lang="fr-FR" sz="3200" dirty="0" err="1">
+                <a:solidFill>
+                  <a:schemeClr val="tx1"/>
+                </a:solidFill>
+                <a:latin typeface="Lato" charset="0"/>
+                <a:ea typeface="Lato" charset="0"/>
+                <a:cs typeface="Lato" charset="0"/>
+              </a:rPr>
+              <a:t>frequency</a:t>
+            </a:r>
+            <a:r>
+              <a:rPr lang="fr-FR" sz="3200" dirty="0">
+                <a:solidFill>
+                  <a:schemeClr val="tx1"/>
+                </a:solidFill>
+                <a:latin typeface="Lato" charset="0"/>
+                <a:ea typeface="Lato" charset="0"/>
+                <a:cs typeface="Lato" charset="0"/>
+              </a:rPr>
+              <a:t> distribution of the </a:t>
+            </a:r>
+            <a:r>
+              <a:rPr lang="fr-FR" sz="3200" dirty="0" err="1">
+                <a:solidFill>
+                  <a:schemeClr val="tx1"/>
+                </a:solidFill>
+                <a:latin typeface="Lato" charset="0"/>
+                <a:ea typeface="Lato" charset="0"/>
+                <a:cs typeface="Lato" charset="0"/>
+              </a:rPr>
+              <a:t>ciphertext</a:t>
+            </a:r>
+            <a:r>
+              <a:rPr lang="fr-FR" sz="3200" dirty="0">
+                <a:solidFill>
+                  <a:schemeClr val="tx1"/>
+                </a:solidFill>
+                <a:latin typeface="Lato" charset="0"/>
+                <a:ea typeface="Lato" charset="0"/>
+                <a:cs typeface="Lato" charset="0"/>
+              </a:rPr>
+              <a:t> for a message of </a:t>
+            </a:r>
+            <a:r>
+              <a:rPr lang="fr-FR" sz="3200" dirty="0" err="1">
+                <a:solidFill>
+                  <a:schemeClr val="tx1"/>
+                </a:solidFill>
+                <a:latin typeface="Lato" charset="0"/>
+                <a:ea typeface="Lato" charset="0"/>
+                <a:cs typeface="Lato" charset="0"/>
+              </a:rPr>
+              <a:t>reasonable</a:t>
+            </a:r>
+            <a:r>
+              <a:rPr lang="fr-FR" sz="3200" dirty="0">
+                <a:solidFill>
+                  <a:schemeClr val="tx1"/>
+                </a:solidFill>
+                <a:latin typeface="Lato" charset="0"/>
+                <a:ea typeface="Lato" charset="0"/>
+                <a:cs typeface="Lato" charset="0"/>
+              </a:rPr>
+              <a:t> </a:t>
+            </a:r>
+            <a:r>
+              <a:rPr lang="fr-FR" sz="3200" dirty="0" err="1">
+                <a:solidFill>
+                  <a:schemeClr val="tx1"/>
+                </a:solidFill>
+                <a:latin typeface="Lato" charset="0"/>
+                <a:ea typeface="Lato" charset="0"/>
+                <a:cs typeface="Lato" charset="0"/>
+              </a:rPr>
+              <a:t>length</a:t>
+            </a:r>
+            <a:r>
+              <a:rPr lang="fr-FR" sz="3200" dirty="0">
+                <a:solidFill>
+                  <a:schemeClr val="tx1"/>
+                </a:solidFill>
+                <a:latin typeface="Lato" charset="0"/>
+                <a:ea typeface="Lato" charset="0"/>
+                <a:cs typeface="Lato" charset="0"/>
+              </a:rPr>
+              <a:t> and by </a:t>
+            </a:r>
+            <a:r>
+              <a:rPr lang="fr-FR" sz="3200" dirty="0" err="1">
+                <a:solidFill>
+                  <a:schemeClr val="tx1"/>
+                </a:solidFill>
+                <a:latin typeface="Lato" charset="0"/>
+                <a:ea typeface="Lato" charset="0"/>
+                <a:cs typeface="Lato" charset="0"/>
+              </a:rPr>
+              <a:t>knowing</a:t>
+            </a:r>
+            <a:r>
+              <a:rPr lang="fr-FR" sz="3200" dirty="0">
+                <a:solidFill>
+                  <a:schemeClr val="tx1"/>
+                </a:solidFill>
+                <a:latin typeface="Lato" charset="0"/>
+                <a:ea typeface="Lato" charset="0"/>
+                <a:cs typeface="Lato" charset="0"/>
+              </a:rPr>
+              <a:t> the original </a:t>
+            </a:r>
+            <a:r>
+              <a:rPr lang="fr-FR" sz="3200" dirty="0" err="1">
+                <a:solidFill>
+                  <a:schemeClr val="tx1"/>
+                </a:solidFill>
+                <a:latin typeface="Lato" charset="0"/>
+                <a:ea typeface="Lato" charset="0"/>
+                <a:cs typeface="Lato" charset="0"/>
+              </a:rPr>
+              <a:t>language</a:t>
+            </a:r>
+            <a:r>
+              <a:rPr lang="fr-FR" sz="3200" dirty="0">
+                <a:solidFill>
+                  <a:schemeClr val="tx1"/>
+                </a:solidFill>
+                <a:latin typeface="Lato" charset="0"/>
+                <a:ea typeface="Lato" charset="0"/>
+                <a:cs typeface="Lato" charset="0"/>
+              </a:rPr>
+              <a:t>.</a:t>
+            </a:r>
+          </a:p>
+          <a:p>
+            <a:pPr algn="just"/>
+            <a:endParaRPr lang="fr-FR" sz="3200" dirty="0">
+              <a:solidFill>
+                <a:schemeClr val="tx1"/>
+              </a:solidFill>
+              <a:latin typeface="Lato" charset="0"/>
+              <a:ea typeface="Lato" charset="0"/>
+              <a:cs typeface="Lato" charset="0"/>
+            </a:endParaRPr>
+          </a:p>
+          <a:p>
+            <a:pPr algn="just"/>
+            <a:endParaRPr lang="fr-FR" sz="3200" dirty="0">
+              <a:solidFill>
+                <a:schemeClr val="tx1"/>
+              </a:solidFill>
+              <a:latin typeface="Lato" charset="0"/>
+              <a:ea typeface="Lato" charset="0"/>
+              <a:cs typeface="Lato" charset="0"/>
+            </a:endParaRPr>
+          </a:p>
+          <a:p>
+            <a:pPr algn="just"/>
+            <a:endParaRPr lang="fr-FR" sz="3200" dirty="0">
+              <a:solidFill>
+                <a:schemeClr val="tx1"/>
+              </a:solidFill>
+              <a:latin typeface="Lato" charset="0"/>
+              <a:ea typeface="Lato" charset="0"/>
+              <a:cs typeface="Lato" charset="0"/>
+            </a:endParaRPr>
+          </a:p>
+        </p:txBody>
+      </p:sp>
+      <p:sp>
+        <p:nvSpPr>
+          <p:cNvPr id="7" name="Rectangle 6"/>
+          <p:cNvSpPr/>
+          <p:nvPr/>
+        </p:nvSpPr>
+        <p:spPr>
+          <a:xfrm>
+            <a:off x="335902" y="4632644"/>
+            <a:ext cx="12241764" cy="54000"/>
+          </a:xfrm>
+          <a:prstGeom prst="rect">
+            <a:avLst/>
+          </a:prstGeom>
+          <a:solidFill>
+            <a:schemeClr val="tx1"/>
+          </a:solidFill>
+          <a:ln>
+            <a:noFill/>
+          </a:ln>
+        </p:spPr>
+        <p:style>
+          <a:lnRef idx="2">
+            <a:schemeClr val="accent1">
+              <a:shade val="50000"/>
+            </a:schemeClr>
+          </a:lnRef>
+          <a:fillRef idx="1">
+            <a:schemeClr val="accent1"/>
+          </a:fillRef>
+          <a:effectRef idx="0">
+            <a:schemeClr val="accent1"/>
+          </a:effectRef>
+          <a:fontRef idx="minor">
+            <a:schemeClr val="lt1"/>
+          </a:fontRef>
+        </p:style>
+        <p:txBody>
+          <a:bodyPr rtlCol="0" anchor="ctr"/>
+          <a:lstStyle/>
+          <a:p>
+            <a:pPr algn="ctr"/>
+            <a:endParaRPr lang="fr-FR">
+              <a:solidFill>
+                <a:schemeClr val="tx1"/>
+              </a:solidFill>
+            </a:endParaRPr>
+          </a:p>
+        </p:txBody>
+      </p:sp>
+    </p:spTree>
+    <p:extLst>
+      <p:ext uri="{BB962C8B-B14F-4D97-AF65-F5344CB8AC3E}">
+        <p14:creationId xmlns:p14="http://schemas.microsoft.com/office/powerpoint/2010/main" val="28643481"/>
+      </p:ext>
+    </p:extLst>
+  </p:cSld>
+  <p:clrMapOvr>
+    <a:masterClrMapping/>
+  </p:clrMapOvr>
+  <p:transition spd="med"/>
+</p:sld>
+</file>
+
+<file path=ppt/slides/slide7.xml><?xml version="1.0" encoding="utf-8"?>
+<p:sld xmlns:a="http://schemas.openxmlformats.org/drawingml/2006/main" xmlns:r="http://schemas.openxmlformats.org/officeDocument/2006/relationships" xmlns:p="http://schemas.openxmlformats.org/presentationml/2006/main">
+  <p:cSld>
+    <p:bg>
+      <p:bgPr>
+        <a:solidFill>
+          <a:srgbClr val="D098E4"/>
+        </a:solidFill>
+        <a:effectLst/>
+      </p:bgPr>
+    </p:bg>
+    <p:spTree>
+      <p:nvGrpSpPr>
+        <p:cNvPr id="1" name=""/>
+        <p:cNvGrpSpPr/>
+        <p:nvPr/>
+      </p:nvGrpSpPr>
+      <p:grpSpPr>
+        <a:xfrm>
+          <a:off x="0" y="0"/>
+          <a:ext cx="0" cy="0"/>
+          <a:chOff x="0" y="0"/>
+          <a:chExt cx="0" cy="0"/>
+        </a:xfrm>
+      </p:grpSpPr>
+      <p:sp>
+        <p:nvSpPr>
+          <p:cNvPr id="4" name="Rectangle 3"/>
+          <p:cNvSpPr/>
+          <p:nvPr/>
+        </p:nvSpPr>
+        <p:spPr>
+          <a:xfrm>
+            <a:off x="152400" y="210938"/>
+            <a:ext cx="12687300" cy="9371211"/>
+          </a:xfrm>
+          <a:prstGeom prst="rect">
+            <a:avLst/>
+          </a:prstGeom>
+          <a:solidFill>
+            <a:srgbClr val="9A6FAB"/>
+          </a:solidFill>
+          <a:ln w="12700" cap="flat">
+            <a:noFill/>
+            <a:miter lim="400000"/>
+          </a:ln>
+          <a:effectLst/>
+          <a:sp3d/>
+        </p:spPr>
+        <p:style>
+          <a:lnRef idx="0">
+            <a:scrgbClr r="0" g="0" b="0"/>
+          </a:lnRef>
+          <a:fillRef idx="0">
+            <a:scrgbClr r="0" g="0" b="0"/>
+          </a:fillRef>
+          <a:effectRef idx="0">
+            <a:scrgbClr r="0" g="0" b="0"/>
+          </a:effectRef>
+          <a:fontRef idx="none"/>
+        </p:style>
+        <p:txBody>
+          <a:bodyPr rot="0" spcFirstLastPara="1" vertOverflow="overflow" horzOverflow="overflow" vert="horz" wrap="square" lIns="50800" tIns="50800" rIns="50800" bIns="50800" numCol="1" spcCol="38100" rtlCol="0" anchor="ctr">
+            <a:spAutoFit/>
+          </a:bodyPr>
+          <a:lstStyle/>
+          <a:p>
+            <a:pPr marL="0" marR="0" indent="0" algn="ctr" defTabSz="584200" rtl="0" fontAlgn="auto" latinLnBrk="0" hangingPunct="0">
+              <a:lnSpc>
+                <a:spcPct val="100000"/>
+              </a:lnSpc>
+              <a:spcBef>
+                <a:spcPts val="0"/>
+              </a:spcBef>
+              <a:spcAft>
+                <a:spcPts val="0"/>
+              </a:spcAft>
+              <a:buClrTx/>
+              <a:buSzTx/>
+              <a:buFontTx/>
+              <a:buNone/>
+              <a:tabLst/>
+            </a:pPr>
+            <a:endParaRPr kumimoji="0" lang="fr-FR" sz="2600" b="0" i="0" u="none" strike="noStrike" cap="none" spc="0" normalizeH="0" baseline="0">
+              <a:ln>
+                <a:noFill/>
+              </a:ln>
+              <a:solidFill>
+                <a:srgbClr val="FFFFFF"/>
+              </a:solidFill>
+              <a:effectLst/>
+              <a:uFillTx/>
+              <a:latin typeface="+mn-lt"/>
+              <a:ea typeface="+mn-ea"/>
+              <a:cs typeface="+mn-cs"/>
+              <a:sym typeface="Helvetica Light"/>
+            </a:endParaRPr>
+          </a:p>
+        </p:txBody>
+      </p:sp>
+      <p:sp>
+        <p:nvSpPr>
+          <p:cNvPr id="119" name="Fear the ponies"/>
+          <p:cNvSpPr/>
+          <p:nvPr/>
+        </p:nvSpPr>
+        <p:spPr>
+          <a:xfrm>
+            <a:off x="152400" y="420489"/>
+            <a:ext cx="12687300" cy="1025922"/>
+          </a:xfrm>
+          <a:prstGeom prst="rect">
+            <a:avLst/>
+          </a:prstGeom>
+          <a:ln w="12700">
+            <a:miter lim="400000"/>
+          </a:ln>
+          <a:extLst>
+            <a:ext uri="{C572A759-6A51-4108-AA02-DFA0A04FC94B}">
+              <ma14:wrappingTextBoxFlag xmlns:ma14="http://schemas.microsoft.com/office/mac/drawingml/2011/main" xmlns="" val="1"/>
+            </a:ext>
+          </a:extLst>
+        </p:spPr>
+        <p:txBody>
+          <a:bodyPr wrap="square" lIns="50800" tIns="50800" rIns="50800" bIns="50800" anchor="ctr">
+            <a:spAutoFit/>
+          </a:bodyPr>
+          <a:lstStyle>
+            <a:lvl1pPr>
+              <a:defRPr sz="6000"/>
+            </a:lvl1pPr>
+          </a:lstStyle>
+          <a:p>
+            <a:r>
+              <a:rPr lang="fr-FR" b="1" dirty="0" err="1">
+                <a:latin typeface="Lato" charset="0"/>
+                <a:ea typeface="Lato" charset="0"/>
+                <a:cs typeface="Lato" charset="0"/>
+              </a:rPr>
+              <a:t>Vigenere</a:t>
+            </a:r>
+            <a:r>
+              <a:rPr lang="fr-FR" b="1" dirty="0">
+                <a:latin typeface="Lato" charset="0"/>
+                <a:ea typeface="Lato" charset="0"/>
+                <a:cs typeface="Lato" charset="0"/>
+              </a:rPr>
+              <a:t> </a:t>
+            </a:r>
+            <a:r>
+              <a:rPr lang="fr-FR" dirty="0" err="1">
+                <a:latin typeface="Lato" charset="0"/>
+                <a:ea typeface="Lato" charset="0"/>
+                <a:cs typeface="Lato" charset="0"/>
+              </a:rPr>
+              <a:t>Cipher</a:t>
+            </a:r>
+            <a:endParaRPr lang="fr-FR" dirty="0">
+              <a:latin typeface="Lato" charset="0"/>
+              <a:ea typeface="Lato" charset="0"/>
+              <a:cs typeface="Lato" charset="0"/>
+            </a:endParaRPr>
+          </a:p>
+        </p:txBody>
+      </p:sp>
+      <p:pic>
+        <p:nvPicPr>
+          <p:cNvPr id="2" name="Image 1"/>
+          <p:cNvPicPr>
+            <a:picLocks noChangeAspect="1"/>
+          </p:cNvPicPr>
+          <p:nvPr/>
+        </p:nvPicPr>
+        <p:blipFill>
+          <a:blip r:embed="rId2" cstate="print">
+            <a:extLst>
+              <a:ext uri="{28A0092B-C50C-407E-A947-70E740481C1C}">
+                <a14:useLocalDpi xmlns:a14="http://schemas.microsoft.com/office/drawing/2010/main" val="0"/>
+              </a:ext>
+            </a:extLst>
+          </a:blip>
+          <a:stretch>
+            <a:fillRect/>
+          </a:stretch>
+        </p:blipFill>
+        <p:spPr>
+          <a:xfrm>
+            <a:off x="10623550" y="6912811"/>
+            <a:ext cx="1720850" cy="2388048"/>
+          </a:xfrm>
+          <a:prstGeom prst="rect">
+            <a:avLst/>
+          </a:prstGeom>
+        </p:spPr>
+      </p:pic>
+      <p:sp>
+        <p:nvSpPr>
+          <p:cNvPr id="125" name="Wi-Fi: Eiffel_Guest1 pass: techtech1"/>
+          <p:cNvSpPr/>
+          <p:nvPr/>
+        </p:nvSpPr>
+        <p:spPr>
+          <a:xfrm>
+            <a:off x="10114652" y="8767380"/>
+            <a:ext cx="2393283" cy="533479"/>
+          </a:xfrm>
+          <a:prstGeom prst="rect">
+            <a:avLst/>
+          </a:prstGeom>
+          <a:ln w="12700">
+            <a:miter lim="400000"/>
+          </a:ln>
+          <a:extLst>
+            <a:ext uri="{C572A759-6A51-4108-AA02-DFA0A04FC94B}">
+              <ma14:wrappingTextBoxFlag xmlns:ma14="http://schemas.microsoft.com/office/mac/drawingml/2011/main" xmlns="" val="1"/>
+            </a:ext>
+          </a:extLst>
+        </p:spPr>
+        <p:txBody>
+          <a:bodyPr wrap="none" lIns="50800" tIns="50800" rIns="50800" bIns="50800" anchor="ctr">
+            <a:spAutoFit/>
+          </a:bodyPr>
+          <a:lstStyle>
+            <a:lvl1pPr>
+              <a:defRPr sz="2800"/>
+            </a:lvl1pPr>
+          </a:lstStyle>
+          <a:p>
+            <a:r>
+              <a:rPr lang="en-US" i="1" dirty="0">
+                <a:latin typeface="Lato" charset="0"/>
+                <a:ea typeface="Lato" charset="0"/>
+                <a:cs typeface="Lato" charset="0"/>
+              </a:rPr>
+              <a:t>your spymaster</a:t>
+            </a:r>
+            <a:endParaRPr i="1" dirty="0">
+              <a:latin typeface="Lato" charset="0"/>
+              <a:ea typeface="Lato" charset="0"/>
+              <a:cs typeface="Lato" charset="0"/>
+            </a:endParaRPr>
+          </a:p>
+        </p:txBody>
+      </p:sp>
+      <p:sp>
+        <p:nvSpPr>
+          <p:cNvPr id="3" name="Rectangle 2"/>
+          <p:cNvSpPr/>
+          <p:nvPr/>
+        </p:nvSpPr>
+        <p:spPr>
+          <a:xfrm>
+            <a:off x="335902" y="2060645"/>
+            <a:ext cx="12241764" cy="7478970"/>
+          </a:xfrm>
+          <a:prstGeom prst="rect">
+            <a:avLst/>
+          </a:prstGeom>
+        </p:spPr>
+        <p:txBody>
+          <a:bodyPr wrap="square">
+            <a:spAutoFit/>
+          </a:bodyPr>
+          <a:lstStyle/>
+          <a:p>
+            <a:pPr algn="just"/>
+            <a:r>
+              <a:rPr lang="fr-FR" sz="3200" dirty="0">
+                <a:solidFill>
+                  <a:schemeClr val="tx1"/>
+                </a:solidFill>
+                <a:latin typeface="Lato" charset="0"/>
+                <a:ea typeface="Lato" charset="0"/>
+                <a:cs typeface="Lato" charset="0"/>
+              </a:rPr>
+              <a:t>The </a:t>
+            </a:r>
+            <a:r>
+              <a:rPr lang="fr-FR" sz="3200" dirty="0" err="1">
+                <a:solidFill>
+                  <a:schemeClr val="tx1"/>
+                </a:solidFill>
+                <a:latin typeface="Lato" charset="0"/>
+                <a:ea typeface="Lato" charset="0"/>
+                <a:cs typeface="Lato" charset="0"/>
+              </a:rPr>
+              <a:t>Vigenere</a:t>
+            </a:r>
+            <a:r>
+              <a:rPr lang="fr-FR" sz="3200" dirty="0">
+                <a:solidFill>
+                  <a:schemeClr val="tx1"/>
+                </a:solidFill>
+                <a:latin typeface="Lato" charset="0"/>
+                <a:ea typeface="Lato" charset="0"/>
+                <a:cs typeface="Lato" charset="0"/>
+              </a:rPr>
+              <a:t> </a:t>
+            </a:r>
+            <a:r>
+              <a:rPr lang="fr-FR" sz="3200" dirty="0" err="1">
+                <a:solidFill>
+                  <a:schemeClr val="tx1"/>
+                </a:solidFill>
+                <a:latin typeface="Lato" charset="0"/>
+                <a:ea typeface="Lato" charset="0"/>
+                <a:cs typeface="Lato" charset="0"/>
+              </a:rPr>
+              <a:t>cipher</a:t>
+            </a:r>
+            <a:r>
+              <a:rPr lang="fr-FR" sz="3200" dirty="0">
+                <a:solidFill>
+                  <a:schemeClr val="tx1"/>
+                </a:solidFill>
+                <a:latin typeface="Lato" charset="0"/>
+                <a:ea typeface="Lato" charset="0"/>
+                <a:cs typeface="Lato" charset="0"/>
+              </a:rPr>
+              <a:t> </a:t>
+            </a:r>
+            <a:r>
+              <a:rPr lang="fr-FR" sz="3200" dirty="0" err="1">
+                <a:solidFill>
+                  <a:schemeClr val="tx1"/>
+                </a:solidFill>
+                <a:latin typeface="Lato" charset="0"/>
+                <a:ea typeface="Lato" charset="0"/>
+                <a:cs typeface="Lato" charset="0"/>
+              </a:rPr>
+              <a:t>is</a:t>
+            </a:r>
+            <a:r>
+              <a:rPr lang="fr-FR" sz="3200" dirty="0">
+                <a:solidFill>
+                  <a:schemeClr val="tx1"/>
+                </a:solidFill>
+                <a:latin typeface="Lato" charset="0"/>
+                <a:ea typeface="Lato" charset="0"/>
+                <a:cs typeface="Lato" charset="0"/>
+              </a:rPr>
+              <a:t> a </a:t>
+            </a:r>
+            <a:r>
+              <a:rPr lang="fr-FR" sz="3200" dirty="0" err="1">
+                <a:solidFill>
+                  <a:schemeClr val="tx1"/>
+                </a:solidFill>
+                <a:latin typeface="Lato" charset="0"/>
+                <a:ea typeface="Lato" charset="0"/>
+                <a:cs typeface="Lato" charset="0"/>
+              </a:rPr>
+              <a:t>method</a:t>
+            </a:r>
+            <a:r>
+              <a:rPr lang="fr-FR" sz="3200" dirty="0">
+                <a:solidFill>
+                  <a:schemeClr val="tx1"/>
+                </a:solidFill>
+                <a:latin typeface="Lato" charset="0"/>
+                <a:ea typeface="Lato" charset="0"/>
+                <a:cs typeface="Lato" charset="0"/>
+              </a:rPr>
+              <a:t> of </a:t>
+            </a:r>
+            <a:r>
+              <a:rPr lang="fr-FR" sz="3200" dirty="0" err="1">
+                <a:solidFill>
+                  <a:schemeClr val="tx1"/>
+                </a:solidFill>
+                <a:latin typeface="Lato" charset="0"/>
+                <a:ea typeface="Lato" charset="0"/>
+                <a:cs typeface="Lato" charset="0"/>
+              </a:rPr>
+              <a:t>encrypting</a:t>
+            </a:r>
+            <a:r>
+              <a:rPr lang="fr-FR" sz="3200" dirty="0">
+                <a:solidFill>
+                  <a:schemeClr val="tx1"/>
+                </a:solidFill>
+                <a:latin typeface="Lato" charset="0"/>
+                <a:ea typeface="Lato" charset="0"/>
+                <a:cs typeface="Lato" charset="0"/>
+              </a:rPr>
+              <a:t> </a:t>
+            </a:r>
+            <a:r>
+              <a:rPr lang="fr-FR" sz="3200" dirty="0" err="1">
+                <a:solidFill>
+                  <a:schemeClr val="tx1"/>
+                </a:solidFill>
+                <a:latin typeface="Lato" charset="0"/>
+                <a:ea typeface="Lato" charset="0"/>
+                <a:cs typeface="Lato" charset="0"/>
+              </a:rPr>
+              <a:t>alphabetic</a:t>
+            </a:r>
+            <a:r>
+              <a:rPr lang="fr-FR" sz="3200" dirty="0">
+                <a:solidFill>
+                  <a:schemeClr val="tx1"/>
+                </a:solidFill>
+                <a:latin typeface="Lato" charset="0"/>
+                <a:ea typeface="Lato" charset="0"/>
+                <a:cs typeface="Lato" charset="0"/>
+              </a:rPr>
+              <a:t> </a:t>
+            </a:r>
+            <a:r>
+              <a:rPr lang="fr-FR" sz="3200" dirty="0" err="1">
+                <a:solidFill>
+                  <a:schemeClr val="tx1"/>
+                </a:solidFill>
+                <a:latin typeface="Lato" charset="0"/>
+                <a:ea typeface="Lato" charset="0"/>
+                <a:cs typeface="Lato" charset="0"/>
+              </a:rPr>
+              <a:t>text</a:t>
+            </a:r>
+            <a:r>
+              <a:rPr lang="fr-FR" sz="3200" dirty="0">
+                <a:solidFill>
+                  <a:schemeClr val="tx1"/>
+                </a:solidFill>
+                <a:latin typeface="Lato" charset="0"/>
+                <a:ea typeface="Lato" charset="0"/>
+                <a:cs typeface="Lato" charset="0"/>
+              </a:rPr>
+              <a:t> by </a:t>
+            </a:r>
+            <a:r>
+              <a:rPr lang="fr-FR" sz="3200" dirty="0" err="1">
+                <a:solidFill>
+                  <a:schemeClr val="tx1"/>
+                </a:solidFill>
+                <a:latin typeface="Lato" charset="0"/>
+                <a:ea typeface="Lato" charset="0"/>
+                <a:cs typeface="Lato" charset="0"/>
+              </a:rPr>
+              <a:t>using</a:t>
+            </a:r>
+            <a:r>
+              <a:rPr lang="fr-FR" sz="3200" dirty="0">
+                <a:solidFill>
+                  <a:schemeClr val="tx1"/>
+                </a:solidFill>
+                <a:latin typeface="Lato" charset="0"/>
+                <a:ea typeface="Lato" charset="0"/>
+                <a:cs typeface="Lato" charset="0"/>
+              </a:rPr>
+              <a:t> a </a:t>
+            </a:r>
+            <a:r>
+              <a:rPr lang="fr-FR" sz="3200" dirty="0" err="1">
+                <a:solidFill>
+                  <a:schemeClr val="tx1"/>
+                </a:solidFill>
+                <a:latin typeface="Lato" charset="0"/>
+                <a:ea typeface="Lato" charset="0"/>
+                <a:cs typeface="Lato" charset="0"/>
+              </a:rPr>
+              <a:t>series</a:t>
+            </a:r>
+            <a:r>
+              <a:rPr lang="fr-FR" sz="3200" dirty="0">
+                <a:solidFill>
+                  <a:schemeClr val="tx1"/>
+                </a:solidFill>
+                <a:latin typeface="Lato" charset="0"/>
+                <a:ea typeface="Lato" charset="0"/>
+                <a:cs typeface="Lato" charset="0"/>
+              </a:rPr>
+              <a:t> of </a:t>
+            </a:r>
+            <a:r>
+              <a:rPr lang="fr-FR" sz="3200" dirty="0" err="1">
+                <a:solidFill>
+                  <a:schemeClr val="tx1"/>
+                </a:solidFill>
+                <a:latin typeface="Lato" charset="0"/>
+                <a:ea typeface="Lato" charset="0"/>
+                <a:cs typeface="Lato" charset="0"/>
+              </a:rPr>
+              <a:t>interwoven</a:t>
+            </a:r>
+            <a:r>
+              <a:rPr lang="fr-FR" sz="3200" dirty="0">
+                <a:solidFill>
+                  <a:schemeClr val="tx1"/>
+                </a:solidFill>
+                <a:latin typeface="Lato" charset="0"/>
+                <a:ea typeface="Lato" charset="0"/>
+                <a:cs typeface="Lato" charset="0"/>
+              </a:rPr>
+              <a:t> Caesar </a:t>
+            </a:r>
+            <a:r>
+              <a:rPr lang="fr-FR" sz="3200" dirty="0" err="1">
+                <a:solidFill>
+                  <a:schemeClr val="tx1"/>
+                </a:solidFill>
+                <a:latin typeface="Lato" charset="0"/>
+                <a:ea typeface="Lato" charset="0"/>
+                <a:cs typeface="Lato" charset="0"/>
+              </a:rPr>
+              <a:t>ciphers</a:t>
+            </a:r>
+            <a:r>
+              <a:rPr lang="fr-FR" sz="3200" dirty="0">
+                <a:solidFill>
+                  <a:schemeClr val="tx1"/>
+                </a:solidFill>
+                <a:latin typeface="Lato" charset="0"/>
+                <a:ea typeface="Lato" charset="0"/>
+                <a:cs typeface="Lato" charset="0"/>
+              </a:rPr>
+              <a:t>, </a:t>
+            </a:r>
+            <a:r>
+              <a:rPr lang="fr-FR" sz="3200" dirty="0" err="1">
+                <a:solidFill>
+                  <a:schemeClr val="tx1"/>
+                </a:solidFill>
+                <a:latin typeface="Lato" charset="0"/>
+                <a:ea typeface="Lato" charset="0"/>
+                <a:cs typeface="Lato" charset="0"/>
+              </a:rPr>
+              <a:t>based</a:t>
+            </a:r>
+            <a:r>
+              <a:rPr lang="fr-FR" sz="3200" dirty="0">
+                <a:solidFill>
+                  <a:schemeClr val="tx1"/>
+                </a:solidFill>
+                <a:latin typeface="Lato" charset="0"/>
+                <a:ea typeface="Lato" charset="0"/>
+                <a:cs typeface="Lato" charset="0"/>
+              </a:rPr>
+              <a:t> on the </a:t>
+            </a:r>
+            <a:r>
+              <a:rPr lang="fr-FR" sz="3200" dirty="0" err="1">
+                <a:solidFill>
+                  <a:schemeClr val="tx1"/>
+                </a:solidFill>
+                <a:latin typeface="Lato" charset="0"/>
+                <a:ea typeface="Lato" charset="0"/>
+                <a:cs typeface="Lato" charset="0"/>
+              </a:rPr>
+              <a:t>letters</a:t>
+            </a:r>
+            <a:r>
+              <a:rPr lang="fr-FR" sz="3200" dirty="0">
+                <a:solidFill>
+                  <a:schemeClr val="tx1"/>
+                </a:solidFill>
+                <a:latin typeface="Lato" charset="0"/>
+                <a:ea typeface="Lato" charset="0"/>
+                <a:cs typeface="Lato" charset="0"/>
+              </a:rPr>
+              <a:t> </a:t>
+            </a:r>
+            <a:r>
+              <a:rPr lang="fr-FR" sz="3200" dirty="0" err="1">
+                <a:solidFill>
+                  <a:schemeClr val="tx1"/>
+                </a:solidFill>
+                <a:latin typeface="Lato" charset="0"/>
+                <a:ea typeface="Lato" charset="0"/>
+                <a:cs typeface="Lato" charset="0"/>
+              </a:rPr>
+              <a:t>from</a:t>
+            </a:r>
+            <a:r>
+              <a:rPr lang="fr-FR" sz="3200" dirty="0">
+                <a:solidFill>
+                  <a:schemeClr val="tx1"/>
+                </a:solidFill>
+                <a:latin typeface="Lato" charset="0"/>
+                <a:ea typeface="Lato" charset="0"/>
+                <a:cs typeface="Lato" charset="0"/>
+              </a:rPr>
+              <a:t> a keyword. It </a:t>
+            </a:r>
+            <a:r>
+              <a:rPr lang="fr-FR" sz="3200" dirty="0" err="1">
+                <a:solidFill>
+                  <a:schemeClr val="tx1"/>
+                </a:solidFill>
+                <a:latin typeface="Lato" charset="0"/>
+                <a:ea typeface="Lato" charset="0"/>
+                <a:cs typeface="Lato" charset="0"/>
+              </a:rPr>
+              <a:t>was</a:t>
+            </a:r>
+            <a:r>
+              <a:rPr lang="fr-FR" sz="3200" dirty="0">
+                <a:solidFill>
+                  <a:schemeClr val="tx1"/>
+                </a:solidFill>
+                <a:latin typeface="Lato" charset="0"/>
+                <a:ea typeface="Lato" charset="0"/>
+                <a:cs typeface="Lato" charset="0"/>
+              </a:rPr>
+              <a:t> </a:t>
+            </a:r>
+            <a:r>
+              <a:rPr lang="fr-FR" sz="3200" dirty="0" err="1">
+                <a:solidFill>
+                  <a:schemeClr val="tx1"/>
+                </a:solidFill>
+                <a:latin typeface="Lato" charset="0"/>
+                <a:ea typeface="Lato" charset="0"/>
+                <a:cs typeface="Lato" charset="0"/>
+              </a:rPr>
+              <a:t>originally</a:t>
+            </a:r>
+            <a:r>
+              <a:rPr lang="fr-FR" sz="3200" dirty="0">
+                <a:solidFill>
+                  <a:schemeClr val="tx1"/>
+                </a:solidFill>
+                <a:latin typeface="Lato" charset="0"/>
+                <a:ea typeface="Lato" charset="0"/>
+                <a:cs typeface="Lato" charset="0"/>
+              </a:rPr>
+              <a:t> </a:t>
+            </a:r>
+            <a:r>
+              <a:rPr lang="fr-FR" sz="3200" dirty="0" err="1">
+                <a:solidFill>
+                  <a:schemeClr val="tx1"/>
+                </a:solidFill>
+                <a:latin typeface="Lato" charset="0"/>
+                <a:ea typeface="Lato" charset="0"/>
+                <a:cs typeface="Lato" charset="0"/>
+              </a:rPr>
+              <a:t>described</a:t>
+            </a:r>
+            <a:r>
+              <a:rPr lang="fr-FR" sz="3200" dirty="0">
+                <a:solidFill>
+                  <a:schemeClr val="tx1"/>
+                </a:solidFill>
+                <a:latin typeface="Lato" charset="0"/>
+                <a:ea typeface="Lato" charset="0"/>
+                <a:cs typeface="Lato" charset="0"/>
+              </a:rPr>
+              <a:t> in 1553 and </a:t>
+            </a:r>
+            <a:r>
+              <a:rPr lang="fr-FR" sz="3200" dirty="0" err="1">
+                <a:solidFill>
+                  <a:schemeClr val="tx1"/>
+                </a:solidFill>
+                <a:latin typeface="Lato" charset="0"/>
+                <a:ea typeface="Lato" charset="0"/>
+                <a:cs typeface="Lato" charset="0"/>
+              </a:rPr>
+              <a:t>it</a:t>
+            </a:r>
+            <a:r>
+              <a:rPr lang="fr-FR" sz="3200" dirty="0">
+                <a:solidFill>
+                  <a:schemeClr val="tx1"/>
+                </a:solidFill>
+                <a:latin typeface="Lato" charset="0"/>
+                <a:ea typeface="Lato" charset="0"/>
+                <a:cs typeface="Lato" charset="0"/>
+              </a:rPr>
+              <a:t> </a:t>
+            </a:r>
+            <a:r>
+              <a:rPr lang="fr-FR" sz="3200" dirty="0" err="1">
+                <a:solidFill>
+                  <a:schemeClr val="tx1"/>
+                </a:solidFill>
+                <a:latin typeface="Lato" charset="0"/>
+                <a:ea typeface="Lato" charset="0"/>
+                <a:cs typeface="Lato" charset="0"/>
+              </a:rPr>
+              <a:t>resisted</a:t>
+            </a:r>
+            <a:r>
+              <a:rPr lang="fr-FR" sz="3200" dirty="0">
+                <a:solidFill>
+                  <a:schemeClr val="tx1"/>
+                </a:solidFill>
+                <a:latin typeface="Lato" charset="0"/>
+                <a:ea typeface="Lato" charset="0"/>
+                <a:cs typeface="Lato" charset="0"/>
+              </a:rPr>
+              <a:t> all </a:t>
+            </a:r>
+            <a:r>
+              <a:rPr lang="fr-FR" sz="3200" dirty="0" err="1">
+                <a:solidFill>
+                  <a:schemeClr val="tx1"/>
+                </a:solidFill>
+                <a:latin typeface="Lato" charset="0"/>
+                <a:ea typeface="Lato" charset="0"/>
+                <a:cs typeface="Lato" charset="0"/>
+              </a:rPr>
+              <a:t>attempts</a:t>
+            </a:r>
+            <a:r>
+              <a:rPr lang="fr-FR" sz="3200" dirty="0">
+                <a:solidFill>
+                  <a:schemeClr val="tx1"/>
+                </a:solidFill>
+                <a:latin typeface="Lato" charset="0"/>
+                <a:ea typeface="Lato" charset="0"/>
+                <a:cs typeface="Lato" charset="0"/>
+              </a:rPr>
+              <a:t> to break </a:t>
+            </a:r>
+            <a:r>
+              <a:rPr lang="fr-FR" sz="3200" dirty="0" err="1">
+                <a:solidFill>
+                  <a:schemeClr val="tx1"/>
+                </a:solidFill>
+                <a:latin typeface="Lato" charset="0"/>
+                <a:ea typeface="Lato" charset="0"/>
+                <a:cs typeface="Lato" charset="0"/>
+              </a:rPr>
+              <a:t>it</a:t>
+            </a:r>
+            <a:r>
+              <a:rPr lang="fr-FR" sz="3200" dirty="0">
+                <a:solidFill>
+                  <a:schemeClr val="tx1"/>
+                </a:solidFill>
+                <a:latin typeface="Lato" charset="0"/>
+                <a:ea typeface="Lato" charset="0"/>
+                <a:cs typeface="Lato" charset="0"/>
+              </a:rPr>
+              <a:t> for </a:t>
+            </a:r>
+            <a:r>
+              <a:rPr lang="fr-FR" sz="3200" dirty="0" err="1">
+                <a:solidFill>
+                  <a:schemeClr val="tx1"/>
+                </a:solidFill>
+                <a:latin typeface="Lato" charset="0"/>
+                <a:ea typeface="Lato" charset="0"/>
+                <a:cs typeface="Lato" charset="0"/>
+              </a:rPr>
+              <a:t>three</a:t>
+            </a:r>
+            <a:r>
+              <a:rPr lang="fr-FR" sz="3200" dirty="0">
+                <a:solidFill>
+                  <a:schemeClr val="tx1"/>
+                </a:solidFill>
+                <a:latin typeface="Lato" charset="0"/>
+                <a:ea typeface="Lato" charset="0"/>
+                <a:cs typeface="Lato" charset="0"/>
+              </a:rPr>
+              <a:t> centuries.</a:t>
+            </a:r>
+          </a:p>
+          <a:p>
+            <a:pPr algn="just"/>
+            <a:endParaRPr lang="fr-FR" sz="3200" dirty="0">
+              <a:solidFill>
+                <a:schemeClr val="tx1"/>
+              </a:solidFill>
+              <a:latin typeface="Lato" charset="0"/>
+              <a:ea typeface="Lato" charset="0"/>
+              <a:cs typeface="Lato" charset="0"/>
+            </a:endParaRPr>
+          </a:p>
+          <a:p>
+            <a:pPr algn="just"/>
+            <a:endParaRPr lang="fr-FR" sz="3200" dirty="0">
+              <a:solidFill>
+                <a:schemeClr val="tx1"/>
+              </a:solidFill>
+              <a:latin typeface="Lato" charset="0"/>
+              <a:ea typeface="Lato" charset="0"/>
+              <a:cs typeface="Lato" charset="0"/>
+            </a:endParaRPr>
+          </a:p>
+          <a:p>
+            <a:pPr algn="just"/>
+            <a:r>
+              <a:rPr lang="fr-FR" sz="3200" dirty="0" err="1">
+                <a:solidFill>
+                  <a:schemeClr val="tx1"/>
+                </a:solidFill>
+                <a:latin typeface="Lato" charset="0"/>
+                <a:ea typeface="Lato" charset="0"/>
+                <a:cs typeface="Lato" charset="0"/>
+              </a:rPr>
+              <a:t>Even</a:t>
+            </a:r>
+            <a:r>
+              <a:rPr lang="fr-FR" sz="3200" dirty="0">
+                <a:solidFill>
+                  <a:schemeClr val="tx1"/>
+                </a:solidFill>
+                <a:latin typeface="Lato" charset="0"/>
+                <a:ea typeface="Lato" charset="0"/>
+                <a:cs typeface="Lato" charset="0"/>
+              </a:rPr>
+              <a:t> if the </a:t>
+            </a:r>
+            <a:r>
+              <a:rPr lang="fr-FR" sz="3200" dirty="0" err="1">
+                <a:solidFill>
+                  <a:schemeClr val="tx1"/>
+                </a:solidFill>
+                <a:latin typeface="Lato" charset="0"/>
+                <a:ea typeface="Lato" charset="0"/>
+                <a:cs typeface="Lato" charset="0"/>
+              </a:rPr>
+              <a:t>Vigenere</a:t>
+            </a:r>
+            <a:r>
+              <a:rPr lang="fr-FR" sz="3200" dirty="0">
+                <a:solidFill>
+                  <a:schemeClr val="tx1"/>
+                </a:solidFill>
+                <a:latin typeface="Lato" charset="0"/>
+                <a:ea typeface="Lato" charset="0"/>
+                <a:cs typeface="Lato" charset="0"/>
+              </a:rPr>
+              <a:t> </a:t>
+            </a:r>
+            <a:r>
+              <a:rPr lang="fr-FR" sz="3200" dirty="0" err="1">
+                <a:solidFill>
+                  <a:schemeClr val="tx1"/>
+                </a:solidFill>
+                <a:latin typeface="Lato" charset="0"/>
+                <a:ea typeface="Lato" charset="0"/>
+                <a:cs typeface="Lato" charset="0"/>
+              </a:rPr>
+              <a:t>cipher</a:t>
+            </a:r>
+            <a:r>
+              <a:rPr lang="fr-FR" sz="3200" dirty="0">
+                <a:solidFill>
+                  <a:schemeClr val="tx1"/>
+                </a:solidFill>
+                <a:latin typeface="Lato" charset="0"/>
+                <a:ea typeface="Lato" charset="0"/>
+                <a:cs typeface="Lato" charset="0"/>
+              </a:rPr>
+              <a:t> </a:t>
+            </a:r>
+            <a:r>
+              <a:rPr lang="fr-FR" sz="3200" dirty="0" err="1">
+                <a:solidFill>
+                  <a:schemeClr val="tx1"/>
+                </a:solidFill>
+                <a:latin typeface="Lato" charset="0"/>
+                <a:ea typeface="Lato" charset="0"/>
+                <a:cs typeface="Lato" charset="0"/>
+              </a:rPr>
+              <a:t>disguises</a:t>
+            </a:r>
+            <a:r>
+              <a:rPr lang="fr-FR" sz="3200" dirty="0">
+                <a:solidFill>
+                  <a:schemeClr val="tx1"/>
+                </a:solidFill>
+                <a:latin typeface="Lato" charset="0"/>
+                <a:ea typeface="Lato" charset="0"/>
+                <a:cs typeface="Lato" charset="0"/>
+              </a:rPr>
+              <a:t> the </a:t>
+            </a:r>
+            <a:r>
+              <a:rPr lang="fr-FR" sz="3200" dirty="0" err="1">
+                <a:solidFill>
+                  <a:schemeClr val="tx1"/>
+                </a:solidFill>
+                <a:latin typeface="Lato" charset="0"/>
+                <a:ea typeface="Lato" charset="0"/>
+                <a:cs typeface="Lato" charset="0"/>
+              </a:rPr>
+              <a:t>plaintext</a:t>
+            </a:r>
+            <a:r>
+              <a:rPr lang="fr-FR" sz="3200" dirty="0">
+                <a:solidFill>
+                  <a:schemeClr val="tx1"/>
+                </a:solidFill>
+                <a:latin typeface="Lato" charset="0"/>
+                <a:ea typeface="Lato" charset="0"/>
+                <a:cs typeface="Lato" charset="0"/>
+              </a:rPr>
+              <a:t> </a:t>
+            </a:r>
+            <a:r>
+              <a:rPr lang="fr-FR" sz="3200" dirty="0" err="1">
+                <a:solidFill>
+                  <a:schemeClr val="tx1"/>
+                </a:solidFill>
+                <a:latin typeface="Lato" charset="0"/>
+                <a:ea typeface="Lato" charset="0"/>
+                <a:cs typeface="Lato" charset="0"/>
+              </a:rPr>
+              <a:t>letter</a:t>
+            </a:r>
+            <a:r>
+              <a:rPr lang="fr-FR" sz="3200" dirty="0">
+                <a:solidFill>
+                  <a:schemeClr val="tx1"/>
+                </a:solidFill>
+                <a:latin typeface="Lato" charset="0"/>
+                <a:ea typeface="Lato" charset="0"/>
+                <a:cs typeface="Lato" charset="0"/>
+              </a:rPr>
+              <a:t> </a:t>
+            </a:r>
+            <a:r>
+              <a:rPr lang="fr-FR" sz="3200" dirty="0" err="1">
+                <a:solidFill>
+                  <a:schemeClr val="tx1"/>
+                </a:solidFill>
+                <a:latin typeface="Lato" charset="0"/>
+                <a:ea typeface="Lato" charset="0"/>
+                <a:cs typeface="Lato" charset="0"/>
+              </a:rPr>
+              <a:t>frequency</a:t>
+            </a:r>
+            <a:r>
+              <a:rPr lang="fr-FR" sz="3200" dirty="0">
+                <a:solidFill>
+                  <a:schemeClr val="tx1"/>
+                </a:solidFill>
+                <a:latin typeface="Lato" charset="0"/>
+                <a:ea typeface="Lato" charset="0"/>
+                <a:cs typeface="Lato" charset="0"/>
+              </a:rPr>
+              <a:t>, </a:t>
+            </a:r>
+            <a:r>
+              <a:rPr lang="fr-FR" sz="3200" dirty="0" err="1">
+                <a:solidFill>
+                  <a:schemeClr val="tx1"/>
+                </a:solidFill>
+                <a:latin typeface="Lato" charset="0"/>
+                <a:ea typeface="Lato" charset="0"/>
+                <a:cs typeface="Lato" charset="0"/>
+              </a:rPr>
+              <a:t>its</a:t>
+            </a:r>
+            <a:r>
+              <a:rPr lang="fr-FR" sz="3200" dirty="0">
+                <a:solidFill>
+                  <a:schemeClr val="tx1"/>
+                </a:solidFill>
+                <a:latin typeface="Lato" charset="0"/>
+                <a:ea typeface="Lato" charset="0"/>
+                <a:cs typeface="Lato" charset="0"/>
+              </a:rPr>
+              <a:t> </a:t>
+            </a:r>
+            <a:r>
+              <a:rPr lang="fr-FR" sz="3200" dirty="0" err="1">
+                <a:solidFill>
+                  <a:schemeClr val="tx1"/>
+                </a:solidFill>
+                <a:latin typeface="Lato" charset="0"/>
+                <a:ea typeface="Lato" charset="0"/>
+                <a:cs typeface="Lato" charset="0"/>
+              </a:rPr>
+              <a:t>primary</a:t>
+            </a:r>
+            <a:r>
+              <a:rPr lang="fr-FR" sz="3200" dirty="0">
+                <a:solidFill>
+                  <a:schemeClr val="tx1"/>
+                </a:solidFill>
+                <a:latin typeface="Lato" charset="0"/>
+                <a:ea typeface="Lato" charset="0"/>
+                <a:cs typeface="Lato" charset="0"/>
+              </a:rPr>
+              <a:t> </a:t>
+            </a:r>
+            <a:r>
+              <a:rPr lang="fr-FR" sz="3200" dirty="0" err="1">
+                <a:solidFill>
+                  <a:schemeClr val="tx1"/>
+                </a:solidFill>
+                <a:latin typeface="Lato" charset="0"/>
+                <a:ea typeface="Lato" charset="0"/>
+                <a:cs typeface="Lato" charset="0"/>
+              </a:rPr>
+              <a:t>weakness</a:t>
+            </a:r>
+            <a:r>
+              <a:rPr lang="fr-FR" sz="3200" dirty="0">
+                <a:solidFill>
+                  <a:schemeClr val="tx1"/>
+                </a:solidFill>
+                <a:latin typeface="Lato" charset="0"/>
+                <a:ea typeface="Lato" charset="0"/>
+                <a:cs typeface="Lato" charset="0"/>
+              </a:rPr>
+              <a:t> </a:t>
+            </a:r>
+            <a:r>
+              <a:rPr lang="fr-FR" sz="3200" dirty="0" err="1">
+                <a:solidFill>
+                  <a:schemeClr val="tx1"/>
+                </a:solidFill>
+                <a:latin typeface="Lato" charset="0"/>
+                <a:ea typeface="Lato" charset="0"/>
+                <a:cs typeface="Lato" charset="0"/>
+              </a:rPr>
+              <a:t>is</a:t>
+            </a:r>
+            <a:r>
+              <a:rPr lang="fr-FR" sz="3200" dirty="0">
+                <a:solidFill>
+                  <a:schemeClr val="tx1"/>
+                </a:solidFill>
+                <a:latin typeface="Lato" charset="0"/>
+                <a:ea typeface="Lato" charset="0"/>
+                <a:cs typeface="Lato" charset="0"/>
+              </a:rPr>
+              <a:t> the </a:t>
+            </a:r>
+            <a:r>
+              <a:rPr lang="fr-FR" sz="3200" dirty="0" err="1">
+                <a:solidFill>
+                  <a:schemeClr val="tx1"/>
+                </a:solidFill>
+                <a:latin typeface="Lato" charset="0"/>
+                <a:ea typeface="Lato" charset="0"/>
+                <a:cs typeface="Lato" charset="0"/>
+              </a:rPr>
+              <a:t>repeating</a:t>
+            </a:r>
+            <a:r>
+              <a:rPr lang="fr-FR" sz="3200" dirty="0">
+                <a:solidFill>
+                  <a:schemeClr val="tx1"/>
+                </a:solidFill>
+                <a:latin typeface="Lato" charset="0"/>
+                <a:ea typeface="Lato" charset="0"/>
+                <a:cs typeface="Lato" charset="0"/>
+              </a:rPr>
+              <a:t> nature of </a:t>
+            </a:r>
+            <a:r>
+              <a:rPr lang="fr-FR" sz="3200" dirty="0" err="1">
+                <a:solidFill>
+                  <a:schemeClr val="tx1"/>
+                </a:solidFill>
+                <a:latin typeface="Lato" charset="0"/>
+                <a:ea typeface="Lato" charset="0"/>
+                <a:cs typeface="Lato" charset="0"/>
+              </a:rPr>
+              <a:t>its</a:t>
+            </a:r>
+            <a:r>
+              <a:rPr lang="fr-FR" sz="3200" dirty="0">
+                <a:solidFill>
+                  <a:schemeClr val="tx1"/>
+                </a:solidFill>
+                <a:latin typeface="Lato" charset="0"/>
+                <a:ea typeface="Lato" charset="0"/>
+                <a:cs typeface="Lato" charset="0"/>
+              </a:rPr>
+              <a:t> key. Once the </a:t>
+            </a:r>
+            <a:r>
+              <a:rPr lang="fr-FR" sz="3200" dirty="0" err="1">
+                <a:solidFill>
+                  <a:schemeClr val="tx1"/>
+                </a:solidFill>
+                <a:latin typeface="Lato" charset="0"/>
+                <a:ea typeface="Lato" charset="0"/>
+                <a:cs typeface="Lato" charset="0"/>
+              </a:rPr>
+              <a:t>key’s</a:t>
+            </a:r>
+            <a:r>
+              <a:rPr lang="fr-FR" sz="3200" dirty="0">
+                <a:solidFill>
+                  <a:schemeClr val="tx1"/>
+                </a:solidFill>
+                <a:latin typeface="Lato" charset="0"/>
+                <a:ea typeface="Lato" charset="0"/>
+                <a:cs typeface="Lato" charset="0"/>
+              </a:rPr>
+              <a:t> </a:t>
+            </a:r>
+            <a:r>
+              <a:rPr lang="fr-FR" sz="3200" dirty="0" err="1">
+                <a:solidFill>
+                  <a:schemeClr val="tx1"/>
+                </a:solidFill>
+                <a:latin typeface="Lato" charset="0"/>
+                <a:ea typeface="Lato" charset="0"/>
+                <a:cs typeface="Lato" charset="0"/>
+              </a:rPr>
+              <a:t>length</a:t>
+            </a:r>
+            <a:r>
+              <a:rPr lang="fr-FR" sz="3200" dirty="0">
+                <a:solidFill>
+                  <a:schemeClr val="tx1"/>
+                </a:solidFill>
+                <a:latin typeface="Lato" charset="0"/>
+                <a:ea typeface="Lato" charset="0"/>
+                <a:cs typeface="Lato" charset="0"/>
+              </a:rPr>
+              <a:t> </a:t>
+            </a:r>
+            <a:r>
+              <a:rPr lang="fr-FR" sz="3200" dirty="0" err="1">
+                <a:solidFill>
+                  <a:schemeClr val="tx1"/>
+                </a:solidFill>
+                <a:latin typeface="Lato" charset="0"/>
+                <a:ea typeface="Lato" charset="0"/>
+                <a:cs typeface="Lato" charset="0"/>
+              </a:rPr>
+              <a:t>is</a:t>
+            </a:r>
+            <a:r>
+              <a:rPr lang="fr-FR" sz="3200" dirty="0">
+                <a:solidFill>
+                  <a:schemeClr val="tx1"/>
+                </a:solidFill>
+                <a:latin typeface="Lato" charset="0"/>
+                <a:ea typeface="Lato" charset="0"/>
+                <a:cs typeface="Lato" charset="0"/>
+              </a:rPr>
+              <a:t> </a:t>
+            </a:r>
+            <a:r>
+              <a:rPr lang="fr-FR" sz="3200" dirty="0" err="1">
+                <a:solidFill>
+                  <a:schemeClr val="tx1"/>
+                </a:solidFill>
+                <a:latin typeface="Lato" charset="0"/>
+                <a:ea typeface="Lato" charset="0"/>
+                <a:cs typeface="Lato" charset="0"/>
+              </a:rPr>
+              <a:t>discovered</a:t>
+            </a:r>
+            <a:r>
+              <a:rPr lang="fr-FR" sz="3200" dirty="0">
+                <a:solidFill>
+                  <a:schemeClr val="tx1"/>
+                </a:solidFill>
+                <a:latin typeface="Lato" charset="0"/>
+                <a:ea typeface="Lato" charset="0"/>
+                <a:cs typeface="Lato" charset="0"/>
+              </a:rPr>
+              <a:t>, the </a:t>
+            </a:r>
+            <a:r>
+              <a:rPr lang="fr-FR" sz="3200" dirty="0" err="1">
+                <a:solidFill>
+                  <a:schemeClr val="tx1"/>
+                </a:solidFill>
+                <a:latin typeface="Lato" charset="0"/>
+                <a:ea typeface="Lato" charset="0"/>
+                <a:cs typeface="Lato" charset="0"/>
+              </a:rPr>
+              <a:t>cipher</a:t>
+            </a:r>
+            <a:r>
+              <a:rPr lang="fr-FR" sz="3200" dirty="0">
+                <a:solidFill>
+                  <a:schemeClr val="tx1"/>
+                </a:solidFill>
+                <a:latin typeface="Lato" charset="0"/>
+                <a:ea typeface="Lato" charset="0"/>
+                <a:cs typeface="Lato" charset="0"/>
+              </a:rPr>
+              <a:t> </a:t>
+            </a:r>
+            <a:r>
+              <a:rPr lang="fr-FR" sz="3200" dirty="0" err="1">
+                <a:solidFill>
+                  <a:schemeClr val="tx1"/>
+                </a:solidFill>
+                <a:latin typeface="Lato" charset="0"/>
+                <a:ea typeface="Lato" charset="0"/>
+                <a:cs typeface="Lato" charset="0"/>
+              </a:rPr>
+              <a:t>text</a:t>
+            </a:r>
+            <a:r>
+              <a:rPr lang="fr-FR" sz="3200" dirty="0">
+                <a:solidFill>
+                  <a:schemeClr val="tx1"/>
+                </a:solidFill>
+                <a:latin typeface="Lato" charset="0"/>
+                <a:ea typeface="Lato" charset="0"/>
+                <a:cs typeface="Lato" charset="0"/>
+              </a:rPr>
+              <a:t> </a:t>
+            </a:r>
+            <a:r>
+              <a:rPr lang="fr-FR" sz="3200" dirty="0" err="1">
+                <a:solidFill>
+                  <a:schemeClr val="tx1"/>
+                </a:solidFill>
+                <a:latin typeface="Lato" charset="0"/>
+                <a:ea typeface="Lato" charset="0"/>
+                <a:cs typeface="Lato" charset="0"/>
+              </a:rPr>
+              <a:t>can</a:t>
+            </a:r>
+            <a:r>
+              <a:rPr lang="fr-FR" sz="3200" dirty="0">
+                <a:solidFill>
+                  <a:schemeClr val="tx1"/>
+                </a:solidFill>
+                <a:latin typeface="Lato" charset="0"/>
+                <a:ea typeface="Lato" charset="0"/>
+                <a:cs typeface="Lato" charset="0"/>
+              </a:rPr>
+              <a:t> </a:t>
+            </a:r>
+            <a:r>
+              <a:rPr lang="fr-FR" sz="3200" dirty="0" err="1">
+                <a:solidFill>
+                  <a:schemeClr val="tx1"/>
+                </a:solidFill>
+                <a:latin typeface="Lato" charset="0"/>
+                <a:ea typeface="Lato" charset="0"/>
+                <a:cs typeface="Lato" charset="0"/>
+              </a:rPr>
+              <a:t>be</a:t>
+            </a:r>
+            <a:r>
+              <a:rPr lang="fr-FR" sz="3200" dirty="0">
+                <a:solidFill>
+                  <a:schemeClr val="tx1"/>
+                </a:solidFill>
+                <a:latin typeface="Lato" charset="0"/>
+                <a:ea typeface="Lato" charset="0"/>
+                <a:cs typeface="Lato" charset="0"/>
+              </a:rPr>
+              <a:t> </a:t>
+            </a:r>
+            <a:r>
+              <a:rPr lang="fr-FR" sz="3200" dirty="0" err="1">
+                <a:solidFill>
+                  <a:schemeClr val="tx1"/>
+                </a:solidFill>
+                <a:latin typeface="Lato" charset="0"/>
+                <a:ea typeface="Lato" charset="0"/>
+                <a:cs typeface="Lato" charset="0"/>
+              </a:rPr>
+              <a:t>treated</a:t>
+            </a:r>
+            <a:r>
+              <a:rPr lang="fr-FR" sz="3200" dirty="0">
+                <a:solidFill>
+                  <a:schemeClr val="tx1"/>
+                </a:solidFill>
+                <a:latin typeface="Lato" charset="0"/>
+                <a:ea typeface="Lato" charset="0"/>
+                <a:cs typeface="Lato" charset="0"/>
+              </a:rPr>
+              <a:t> as </a:t>
+            </a:r>
+            <a:r>
+              <a:rPr lang="fr-FR" sz="3200" dirty="0" err="1">
+                <a:solidFill>
+                  <a:schemeClr val="tx1"/>
+                </a:solidFill>
+                <a:latin typeface="Lato" charset="0"/>
+                <a:ea typeface="Lato" charset="0"/>
+                <a:cs typeface="Lato" charset="0"/>
+              </a:rPr>
+              <a:t>interwoven</a:t>
+            </a:r>
+            <a:r>
+              <a:rPr lang="fr-FR" sz="3200" dirty="0">
+                <a:solidFill>
+                  <a:schemeClr val="tx1"/>
+                </a:solidFill>
+                <a:latin typeface="Lato" charset="0"/>
+                <a:ea typeface="Lato" charset="0"/>
+                <a:cs typeface="Lato" charset="0"/>
+              </a:rPr>
+              <a:t> Caesar </a:t>
+            </a:r>
+            <a:r>
+              <a:rPr lang="fr-FR" sz="3200" dirty="0" err="1">
+                <a:solidFill>
+                  <a:schemeClr val="tx1"/>
+                </a:solidFill>
+                <a:latin typeface="Lato" charset="0"/>
+                <a:ea typeface="Lato" charset="0"/>
+                <a:cs typeface="Lato" charset="0"/>
+              </a:rPr>
+              <a:t>ciphers</a:t>
+            </a:r>
+            <a:r>
+              <a:rPr lang="fr-FR" sz="3200" dirty="0">
+                <a:solidFill>
+                  <a:schemeClr val="tx1"/>
+                </a:solidFill>
+                <a:latin typeface="Lato" charset="0"/>
+                <a:ea typeface="Lato" charset="0"/>
+                <a:cs typeface="Lato" charset="0"/>
+              </a:rPr>
+              <a:t>.</a:t>
+            </a:r>
+          </a:p>
+          <a:p>
+            <a:pPr algn="just"/>
+            <a:endParaRPr lang="fr-FR" sz="3200" dirty="0">
+              <a:solidFill>
+                <a:schemeClr val="tx1"/>
+              </a:solidFill>
+              <a:latin typeface="Lato" charset="0"/>
+              <a:ea typeface="Lato" charset="0"/>
+              <a:cs typeface="Lato" charset="0"/>
+            </a:endParaRPr>
+          </a:p>
+          <a:p>
+            <a:pPr algn="just"/>
+            <a:endParaRPr lang="fr-FR" sz="3200" dirty="0">
+              <a:solidFill>
+                <a:schemeClr val="tx1"/>
+              </a:solidFill>
+              <a:latin typeface="Lato" charset="0"/>
+              <a:ea typeface="Lato" charset="0"/>
+              <a:cs typeface="Lato" charset="0"/>
+            </a:endParaRPr>
+          </a:p>
+          <a:p>
+            <a:pPr algn="just"/>
+            <a:endParaRPr lang="fr-FR" sz="3200" dirty="0">
+              <a:solidFill>
+                <a:schemeClr val="tx1"/>
+              </a:solidFill>
+              <a:latin typeface="Lato" charset="0"/>
+              <a:ea typeface="Lato" charset="0"/>
+              <a:cs typeface="Lato" charset="0"/>
+            </a:endParaRPr>
+          </a:p>
+          <a:p>
+            <a:pPr algn="just"/>
+            <a:endParaRPr lang="fr-FR" sz="3200" dirty="0">
+              <a:solidFill>
+                <a:schemeClr val="tx1"/>
+              </a:solidFill>
+              <a:latin typeface="Lato" charset="0"/>
+              <a:ea typeface="Lato" charset="0"/>
+              <a:cs typeface="Lato" charset="0"/>
+            </a:endParaRPr>
+          </a:p>
+          <a:p>
+            <a:pPr algn="just"/>
+            <a:endParaRPr lang="fr-FR" sz="3200" dirty="0">
+              <a:solidFill>
+                <a:schemeClr val="tx1"/>
+              </a:solidFill>
+              <a:latin typeface="Lato" charset="0"/>
+              <a:ea typeface="Lato" charset="0"/>
+              <a:cs typeface="Lato" charset="0"/>
+            </a:endParaRPr>
+          </a:p>
+        </p:txBody>
+      </p:sp>
+      <p:sp>
+        <p:nvSpPr>
+          <p:cNvPr id="7" name="Rectangle 6"/>
+          <p:cNvSpPr/>
+          <p:nvPr/>
+        </p:nvSpPr>
+        <p:spPr>
+          <a:xfrm>
+            <a:off x="335902" y="4632644"/>
+            <a:ext cx="12241764" cy="54000"/>
+          </a:xfrm>
+          <a:prstGeom prst="rect">
+            <a:avLst/>
+          </a:prstGeom>
+          <a:solidFill>
+            <a:schemeClr val="tx1"/>
+          </a:solidFill>
+          <a:ln>
+            <a:noFill/>
+          </a:ln>
+        </p:spPr>
+        <p:style>
+          <a:lnRef idx="2">
+            <a:schemeClr val="accent1">
+              <a:shade val="50000"/>
+            </a:schemeClr>
+          </a:lnRef>
+          <a:fillRef idx="1">
+            <a:schemeClr val="accent1"/>
+          </a:fillRef>
+          <a:effectRef idx="0">
+            <a:schemeClr val="accent1"/>
+          </a:effectRef>
+          <a:fontRef idx="minor">
+            <a:schemeClr val="lt1"/>
+          </a:fontRef>
+        </p:style>
+        <p:txBody>
+          <a:bodyPr rtlCol="0" anchor="ctr"/>
+          <a:lstStyle/>
+          <a:p>
+            <a:pPr algn="ctr"/>
+            <a:endParaRPr lang="fr-FR">
+              <a:solidFill>
+                <a:schemeClr val="tx1"/>
+              </a:solidFill>
+            </a:endParaRPr>
+          </a:p>
+        </p:txBody>
+      </p:sp>
+    </p:spTree>
+    <p:extLst>
+      <p:ext uri="{BB962C8B-B14F-4D97-AF65-F5344CB8AC3E}">
+        <p14:creationId xmlns:p14="http://schemas.microsoft.com/office/powerpoint/2010/main" val="1359729472"/>
+      </p:ext>
+    </p:extLst>
+  </p:cSld>
+  <p:clrMapOvr>
+    <a:masterClrMapping/>
+  </p:clrMapOvr>
+  <p:transition spd="med"/>
+</p:sld>
+</file>
+
+<file path=ppt/slides/slide8.xml><?xml version="1.0" encoding="utf-8"?>
+<p:sld xmlns:a="http://schemas.openxmlformats.org/drawingml/2006/main" xmlns:r="http://schemas.openxmlformats.org/officeDocument/2006/relationships" xmlns:p="http://schemas.openxmlformats.org/presentationml/2006/main">
+  <p:cSld>
+    <p:bg>
+      <p:bgPr>
+        <a:solidFill>
+          <a:srgbClr val="D098E4"/>
+        </a:solidFill>
+        <a:effectLst/>
+      </p:bgPr>
+    </p:bg>
+    <p:spTree>
+      <p:nvGrpSpPr>
+        <p:cNvPr id="1" name=""/>
+        <p:cNvGrpSpPr/>
+        <p:nvPr/>
+      </p:nvGrpSpPr>
+      <p:grpSpPr>
+        <a:xfrm>
+          <a:off x="0" y="0"/>
+          <a:ext cx="0" cy="0"/>
+          <a:chOff x="0" y="0"/>
+          <a:chExt cx="0" cy="0"/>
+        </a:xfrm>
+      </p:grpSpPr>
+      <p:sp>
+        <p:nvSpPr>
+          <p:cNvPr id="4" name="Rectangle 3"/>
+          <p:cNvSpPr/>
+          <p:nvPr/>
+        </p:nvSpPr>
+        <p:spPr>
+          <a:xfrm>
+            <a:off x="152400" y="210938"/>
+            <a:ext cx="12687300" cy="9371211"/>
+          </a:xfrm>
+          <a:prstGeom prst="rect">
+            <a:avLst/>
+          </a:prstGeom>
+          <a:solidFill>
+            <a:srgbClr val="9A6FAB"/>
+          </a:solidFill>
+          <a:ln w="12700" cap="flat">
+            <a:noFill/>
+            <a:miter lim="400000"/>
+          </a:ln>
+          <a:effectLst/>
+          <a:sp3d/>
+        </p:spPr>
+        <p:style>
+          <a:lnRef idx="0">
+            <a:scrgbClr r="0" g="0" b="0"/>
+          </a:lnRef>
+          <a:fillRef idx="0">
+            <a:scrgbClr r="0" g="0" b="0"/>
+          </a:fillRef>
+          <a:effectRef idx="0">
+            <a:scrgbClr r="0" g="0" b="0"/>
+          </a:effectRef>
+          <a:fontRef idx="none"/>
+        </p:style>
+        <p:txBody>
+          <a:bodyPr rot="0" spcFirstLastPara="1" vertOverflow="overflow" horzOverflow="overflow" vert="horz" wrap="square" lIns="50800" tIns="50800" rIns="50800" bIns="50800" numCol="1" spcCol="38100" rtlCol="0" anchor="ctr">
+            <a:spAutoFit/>
+          </a:bodyPr>
+          <a:lstStyle/>
+          <a:p>
+            <a:pPr marL="0" marR="0" indent="0" algn="ctr" defTabSz="584200" rtl="0" fontAlgn="auto" latinLnBrk="0" hangingPunct="0">
+              <a:lnSpc>
+                <a:spcPct val="100000"/>
+              </a:lnSpc>
+              <a:spcBef>
+                <a:spcPts val="0"/>
+              </a:spcBef>
+              <a:spcAft>
+                <a:spcPts val="0"/>
+              </a:spcAft>
+              <a:buClrTx/>
+              <a:buSzTx/>
+              <a:buFontTx/>
+              <a:buNone/>
+              <a:tabLst/>
+            </a:pPr>
+            <a:endParaRPr kumimoji="0" lang="fr-FR" sz="2600" b="0" i="0" u="none" strike="noStrike" cap="none" spc="0" normalizeH="0" baseline="0">
+              <a:ln>
+                <a:noFill/>
+              </a:ln>
+              <a:solidFill>
+                <a:srgbClr val="FFFFFF"/>
+              </a:solidFill>
+              <a:effectLst/>
+              <a:uFillTx/>
+              <a:latin typeface="+mn-lt"/>
+              <a:ea typeface="+mn-ea"/>
+              <a:cs typeface="+mn-cs"/>
+              <a:sym typeface="Helvetica Light"/>
+            </a:endParaRPr>
+          </a:p>
+        </p:txBody>
+      </p:sp>
+      <p:sp>
+        <p:nvSpPr>
+          <p:cNvPr id="7" name="Rectangle 6"/>
+          <p:cNvSpPr/>
+          <p:nvPr/>
+        </p:nvSpPr>
+        <p:spPr>
+          <a:xfrm>
+            <a:off x="4290150" y="4289744"/>
+            <a:ext cx="4411800" cy="122856"/>
+          </a:xfrm>
+          <a:prstGeom prst="rect">
+            <a:avLst/>
+          </a:prstGeom>
+          <a:solidFill>
+            <a:schemeClr val="tx1"/>
+          </a:solidFill>
+          <a:ln>
+            <a:noFill/>
+          </a:ln>
+        </p:spPr>
+        <p:style>
+          <a:lnRef idx="2">
+            <a:schemeClr val="accent1">
+              <a:shade val="50000"/>
+            </a:schemeClr>
+          </a:lnRef>
+          <a:fillRef idx="1">
+            <a:schemeClr val="accent1"/>
+          </a:fillRef>
+          <a:effectRef idx="0">
+            <a:schemeClr val="accent1"/>
+          </a:effectRef>
+          <a:fontRef idx="minor">
+            <a:schemeClr val="lt1"/>
+          </a:fontRef>
+        </p:style>
+        <p:txBody>
+          <a:bodyPr rtlCol="0" anchor="ctr"/>
+          <a:lstStyle/>
+          <a:p>
+            <a:pPr algn="ctr"/>
+            <a:endParaRPr lang="fr-FR">
+              <a:solidFill>
+                <a:schemeClr val="tx1"/>
+              </a:solidFill>
+            </a:endParaRPr>
+          </a:p>
+        </p:txBody>
+      </p:sp>
+      <p:sp>
+        <p:nvSpPr>
+          <p:cNvPr id="8" name="ZoneTexte 7"/>
+          <p:cNvSpPr txBox="1"/>
+          <p:nvPr/>
+        </p:nvSpPr>
+        <p:spPr>
+          <a:xfrm>
+            <a:off x="152400" y="4511822"/>
+            <a:ext cx="12687300" cy="938719"/>
+          </a:xfrm>
+          <a:prstGeom prst="rect">
+            <a:avLst/>
+          </a:prstGeom>
+          <a:noFill/>
+        </p:spPr>
+        <p:txBody>
+          <a:bodyPr wrap="square" rtlCol="0">
+            <a:spAutoFit/>
+          </a:bodyPr>
+          <a:lstStyle/>
+          <a:p>
+            <a:pPr algn="ctr"/>
+            <a:r>
+              <a:rPr lang="fr-FR" sz="5500" b="1" dirty="0">
+                <a:solidFill>
+                  <a:schemeClr val="tx1"/>
+                </a:solidFill>
+                <a:latin typeface="Lato" charset="0"/>
+                <a:ea typeface="Lato" charset="0"/>
+                <a:cs typeface="Lato" charset="0"/>
+              </a:rPr>
+              <a:t>THANKS</a:t>
+            </a:r>
+          </a:p>
+        </p:txBody>
+      </p:sp>
+      <p:sp>
+        <p:nvSpPr>
+          <p:cNvPr id="9" name="Rectangle 8"/>
+          <p:cNvSpPr/>
+          <p:nvPr/>
+        </p:nvSpPr>
+        <p:spPr>
+          <a:xfrm>
+            <a:off x="4290150" y="5450541"/>
+            <a:ext cx="4411800" cy="122856"/>
+          </a:xfrm>
+          <a:prstGeom prst="rect">
+            <a:avLst/>
+          </a:prstGeom>
+          <a:solidFill>
+            <a:schemeClr val="tx1"/>
+          </a:solidFill>
+          <a:ln>
+            <a:noFill/>
+          </a:ln>
+        </p:spPr>
+        <p:style>
+          <a:lnRef idx="2">
+            <a:schemeClr val="accent1">
+              <a:shade val="50000"/>
+            </a:schemeClr>
+          </a:lnRef>
+          <a:fillRef idx="1">
+            <a:schemeClr val="accent1"/>
+          </a:fillRef>
+          <a:effectRef idx="0">
+            <a:schemeClr val="accent1"/>
+          </a:effectRef>
+          <a:fontRef idx="minor">
+            <a:schemeClr val="lt1"/>
+          </a:fontRef>
+        </p:style>
+        <p:txBody>
+          <a:bodyPr rtlCol="0" anchor="ctr"/>
+          <a:lstStyle/>
+          <a:p>
+            <a:pPr algn="ctr"/>
+            <a:endParaRPr lang="fr-FR"/>
+          </a:p>
+        </p:txBody>
+      </p:sp>
+      <p:sp>
+        <p:nvSpPr>
+          <p:cNvPr id="10" name="Rectangle 9"/>
+          <p:cNvSpPr/>
+          <p:nvPr/>
+        </p:nvSpPr>
+        <p:spPr>
+          <a:xfrm>
+            <a:off x="152400" y="7157795"/>
+            <a:ext cx="12687300" cy="553998"/>
+          </a:xfrm>
+          <a:prstGeom prst="rect">
+            <a:avLst/>
+          </a:prstGeom>
+        </p:spPr>
+        <p:txBody>
+          <a:bodyPr wrap="square">
+            <a:spAutoFit/>
+          </a:bodyPr>
+          <a:lstStyle/>
+          <a:p>
+            <a:r>
+              <a:rPr lang="fr-FR" sz="3000" dirty="0">
+                <a:latin typeface="Lato" charset="0"/>
+                <a:ea typeface="Lato" charset="0"/>
+                <a:cs typeface="Lato" charset="0"/>
+              </a:rPr>
+              <a:t>https://github.com/mmetesreau/FearThePonies</a:t>
+            </a:r>
+          </a:p>
+        </p:txBody>
+      </p:sp>
+      <p:pic>
+        <p:nvPicPr>
+          <p:cNvPr id="14" name="Picture 2" descr="http://www.iconsdb.com/icons/preview/white/github-9-xxl.png"/>
+          <p:cNvPicPr>
+            <a:picLocks noChangeAspect="1" noChangeArrowheads="1"/>
+          </p:cNvPicPr>
+          <p:nvPr/>
+        </p:nvPicPr>
+        <p:blipFill>
+          <a:blip r:embed="rId2" cstate="print">
+            <a:extLst>
+              <a:ext uri="{28A0092B-C50C-407E-A947-70E740481C1C}">
+                <a14:useLocalDpi xmlns:a14="http://schemas.microsoft.com/office/drawing/2010/main" val="0"/>
+              </a:ext>
+            </a:extLst>
+          </a:blip>
+          <a:srcRect/>
+          <a:stretch>
+            <a:fillRect/>
+          </a:stretch>
+        </p:blipFill>
+        <p:spPr bwMode="auto">
+          <a:xfrm>
+            <a:off x="6050988" y="6067054"/>
+            <a:ext cx="890123" cy="890123"/>
+          </a:xfrm>
+          <a:prstGeom prst="rect">
+            <a:avLst/>
+          </a:prstGeom>
+          <a:noFill/>
+          <a:extLst>
+            <a:ext uri="{909E8E84-426E-40DD-AFC4-6F175D3DCCD1}">
+              <a14:hiddenFill xmlns:a14="http://schemas.microsoft.com/office/drawing/2010/main">
+                <a:solidFill>
+                  <a:srgbClr val="FFFFFF"/>
+                </a:solidFill>
+              </a14:hiddenFill>
+            </a:ext>
+          </a:extLst>
+        </p:spPr>
+      </p:pic>
+    </p:spTree>
+    <p:extLst>
+      <p:ext uri="{BB962C8B-B14F-4D97-AF65-F5344CB8AC3E}">
+        <p14:creationId xmlns:p14="http://schemas.microsoft.com/office/powerpoint/2010/main" val="361682830"/>
+      </p:ext>
+    </p:extLst>
+  </p:cSld>
+  <p:clrMapOvr>
+    <a:masterClrMapping/>
+  </p:clrMapOvr>
+  <p:transition spd="med"/>
+</p:sld>
+</file>
+
+<file path=ppt/slides/slide9.xml><?xml version="1.0" encoding="utf-8"?>
+<p:sld xmlns:a="http://schemas.openxmlformats.org/drawingml/2006/main" xmlns:r="http://schemas.openxmlformats.org/officeDocument/2006/relationships" xmlns:p="http://schemas.openxmlformats.org/presentationml/2006/main">
+  <p:cSld>
+    <p:bg>
+      <p:bgPr>
+        <a:solidFill>
+          <a:srgbClr val="D098E4"/>
+        </a:solidFill>
+        <a:effectLst/>
+      </p:bgPr>
+    </p:bg>
+    <p:spTree>
+      <p:nvGrpSpPr>
+        <p:cNvPr id="1" name=""/>
+        <p:cNvGrpSpPr/>
+        <p:nvPr/>
+      </p:nvGrpSpPr>
+      <p:grpSpPr>
+        <a:xfrm>
+          <a:off x="0" y="0"/>
+          <a:ext cx="0" cy="0"/>
+          <a:chOff x="0" y="0"/>
+          <a:chExt cx="0" cy="0"/>
+        </a:xfrm>
+      </p:grpSpPr>
+      <p:sp>
+        <p:nvSpPr>
+          <p:cNvPr id="4" name="Rectangle 3"/>
+          <p:cNvSpPr/>
+          <p:nvPr/>
+        </p:nvSpPr>
+        <p:spPr>
+          <a:xfrm>
+            <a:off x="152400" y="210938"/>
+            <a:ext cx="12687300" cy="9371211"/>
+          </a:xfrm>
+          <a:prstGeom prst="rect">
+            <a:avLst/>
+          </a:prstGeom>
+          <a:solidFill>
+            <a:srgbClr val="9A6FAB"/>
+          </a:solidFill>
+          <a:ln w="12700" cap="flat">
+            <a:noFill/>
+            <a:miter lim="400000"/>
+          </a:ln>
+          <a:effectLst/>
+          <a:sp3d/>
+        </p:spPr>
+        <p:style>
+          <a:lnRef idx="0">
+            <a:scrgbClr r="0" g="0" b="0"/>
+          </a:lnRef>
+          <a:fillRef idx="0">
+            <a:scrgbClr r="0" g="0" b="0"/>
+          </a:fillRef>
+          <a:effectRef idx="0">
+            <a:scrgbClr r="0" g="0" b="0"/>
+          </a:effectRef>
+          <a:fontRef idx="none"/>
+        </p:style>
+        <p:txBody>
+          <a:bodyPr rot="0" spcFirstLastPara="1" vertOverflow="overflow" horzOverflow="overflow" vert="horz" wrap="square" lIns="50800" tIns="50800" rIns="50800" bIns="50800" numCol="1" spcCol="38100" rtlCol="0" anchor="ctr">
+            <a:spAutoFit/>
+          </a:bodyPr>
+          <a:lstStyle/>
+          <a:p>
+            <a:pPr marL="0" marR="0" indent="0" algn="ctr" defTabSz="584200" rtl="0" fontAlgn="auto" latinLnBrk="0" hangingPunct="0">
+              <a:lnSpc>
+                <a:spcPct val="100000"/>
+              </a:lnSpc>
+              <a:spcBef>
+                <a:spcPts val="0"/>
+              </a:spcBef>
+              <a:spcAft>
+                <a:spcPts val="0"/>
+              </a:spcAft>
+              <a:buClrTx/>
+              <a:buSzTx/>
+              <a:buFontTx/>
+              <a:buNone/>
+              <a:tabLst/>
+            </a:pPr>
+            <a:endParaRPr kumimoji="0" lang="fr-FR" sz="2600" b="0" i="0" u="none" strike="noStrike" cap="none" spc="0" normalizeH="0" baseline="0">
+              <a:ln>
+                <a:noFill/>
+              </a:ln>
+              <a:solidFill>
+                <a:srgbClr val="FFFFFF"/>
+              </a:solidFill>
+              <a:effectLst/>
+              <a:uFillTx/>
+              <a:latin typeface="+mn-lt"/>
+              <a:ea typeface="+mn-ea"/>
+              <a:cs typeface="+mn-cs"/>
+              <a:sym typeface="Helvetica Light"/>
+            </a:endParaRPr>
+          </a:p>
+        </p:txBody>
+      </p:sp>
+      <p:sp>
+        <p:nvSpPr>
+          <p:cNvPr id="13" name="ZoneTexte 12"/>
+          <p:cNvSpPr txBox="1"/>
+          <p:nvPr/>
+        </p:nvSpPr>
+        <p:spPr>
+          <a:xfrm>
+            <a:off x="4762500" y="1126038"/>
+            <a:ext cx="3619500" cy="487313"/>
+          </a:xfrm>
+          <a:prstGeom prst="rect">
+            <a:avLst/>
+          </a:prstGeom>
+          <a:noFill/>
+          <a:ln w="12700" cap="flat">
+            <a:noFill/>
+            <a:miter lim="400000"/>
+          </a:ln>
+          <a:effectLst/>
+          <a:sp3d/>
+        </p:spPr>
+        <p:style>
+          <a:lnRef idx="0">
+            <a:scrgbClr r="0" g="0" b="0"/>
+          </a:lnRef>
+          <a:fillRef idx="0">
+            <a:scrgbClr r="0" g="0" b="0"/>
+          </a:fillRef>
+          <a:effectRef idx="0">
+            <a:scrgbClr r="0" g="0" b="0"/>
+          </a:effectRef>
+          <a:fontRef idx="none"/>
+        </p:style>
+        <p:txBody>
+          <a:bodyPr rot="0" spcFirstLastPara="1" vertOverflow="overflow" horzOverflow="overflow" vert="horz" wrap="square" lIns="50800" tIns="50800" rIns="50800" bIns="50800" numCol="1" spcCol="38100" rtlCol="0" anchor="ctr">
+            <a:spAutoFit/>
+          </a:bodyPr>
+          <a:lstStyle/>
+          <a:p>
+            <a:pPr marL="0" marR="0" indent="0" algn="l" defTabSz="584200" rtl="0" fontAlgn="auto" latinLnBrk="0" hangingPunct="0">
+              <a:lnSpc>
+                <a:spcPct val="100000"/>
+              </a:lnSpc>
+              <a:spcBef>
+                <a:spcPts val="0"/>
+              </a:spcBef>
+              <a:spcAft>
+                <a:spcPts val="0"/>
+              </a:spcAft>
+              <a:buClrTx/>
+              <a:buSzTx/>
+              <a:buFontTx/>
+              <a:buNone/>
+              <a:tabLst/>
+            </a:pPr>
+            <a:r>
+              <a:rPr kumimoji="0" lang="fr-FR" sz="2500" b="0" i="0" u="none" strike="noStrike" cap="none" spc="0" normalizeH="0" baseline="0" dirty="0">
+                <a:ln>
+                  <a:noFill/>
+                </a:ln>
+                <a:solidFill>
+                  <a:srgbClr val="FFFFFF"/>
+                </a:solidFill>
+                <a:effectLst/>
+                <a:uFillTx/>
+                <a:latin typeface="Lato" charset="0"/>
+                <a:ea typeface="Lato" charset="0"/>
+                <a:cs typeface="Lato" charset="0"/>
+                <a:sym typeface="Helvetica Light"/>
+              </a:rPr>
+              <a:t>Raphael</a:t>
+            </a:r>
+          </a:p>
+        </p:txBody>
+      </p:sp>
+      <p:sp>
+        <p:nvSpPr>
+          <p:cNvPr id="15" name="ZoneTexte 14"/>
+          <p:cNvSpPr txBox="1"/>
+          <p:nvPr/>
+        </p:nvSpPr>
+        <p:spPr>
+          <a:xfrm>
+            <a:off x="4762500" y="1659316"/>
+            <a:ext cx="3048000" cy="718145"/>
+          </a:xfrm>
+          <a:prstGeom prst="rect">
+            <a:avLst/>
+          </a:prstGeom>
+          <a:noFill/>
+          <a:ln w="12700" cap="flat">
+            <a:noFill/>
+            <a:miter lim="400000"/>
+          </a:ln>
+          <a:effectLst/>
+          <a:sp3d/>
+        </p:spPr>
+        <p:style>
+          <a:lnRef idx="0">
+            <a:scrgbClr r="0" g="0" b="0"/>
+          </a:lnRef>
+          <a:fillRef idx="0">
+            <a:scrgbClr r="0" g="0" b="0"/>
+          </a:fillRef>
+          <a:effectRef idx="0">
+            <a:scrgbClr r="0" g="0" b="0"/>
+          </a:effectRef>
+          <a:fontRef idx="none"/>
+        </p:style>
+        <p:txBody>
+          <a:bodyPr rot="0" spcFirstLastPara="1" vertOverflow="overflow" horzOverflow="overflow" vert="horz" wrap="square" lIns="50800" tIns="50800" rIns="50800" bIns="50800" numCol="1" spcCol="38100" rtlCol="0" anchor="ctr">
+            <a:spAutoFit/>
+          </a:bodyPr>
+          <a:lstStyle/>
+          <a:p>
+            <a:pPr marL="0" marR="0" indent="0" algn="l" defTabSz="584200" rtl="0" fontAlgn="auto" latinLnBrk="0" hangingPunct="0">
+              <a:lnSpc>
+                <a:spcPct val="100000"/>
+              </a:lnSpc>
+              <a:spcBef>
+                <a:spcPts val="0"/>
+              </a:spcBef>
+              <a:spcAft>
+                <a:spcPts val="0"/>
+              </a:spcAft>
+              <a:buClrTx/>
+              <a:buSzTx/>
+              <a:buFontTx/>
+              <a:buNone/>
+              <a:tabLst/>
+            </a:pPr>
+            <a:r>
+              <a:rPr kumimoji="0" lang="fr-FR" sz="4000" b="1" i="0" u="none" strike="noStrike" cap="none" spc="0" normalizeH="0" baseline="0" dirty="0">
+                <a:ln>
+                  <a:noFill/>
+                </a:ln>
+                <a:solidFill>
+                  <a:srgbClr val="FFFFFF"/>
+                </a:solidFill>
+                <a:effectLst/>
+                <a:uFillTx/>
+                <a:latin typeface="Lato" charset="0"/>
+                <a:ea typeface="Lato" charset="0"/>
+                <a:cs typeface="Lato" charset="0"/>
+                <a:sym typeface="Helvetica Light"/>
+              </a:rPr>
+              <a:t>WACH</a:t>
+            </a:r>
+          </a:p>
+        </p:txBody>
+      </p:sp>
+      <p:sp>
+        <p:nvSpPr>
+          <p:cNvPr id="16" name="Rectangle 15"/>
+          <p:cNvSpPr/>
+          <p:nvPr/>
+        </p:nvSpPr>
+        <p:spPr>
+          <a:xfrm>
+            <a:off x="4733925" y="2587625"/>
+            <a:ext cx="7296150" cy="54000"/>
+          </a:xfrm>
+          <a:prstGeom prst="rect">
+            <a:avLst/>
+          </a:prstGeom>
+          <a:solidFill>
+            <a:schemeClr val="tx1"/>
+          </a:solidFill>
+          <a:ln w="12700" cap="flat">
+            <a:noFill/>
+            <a:miter lim="400000"/>
+          </a:ln>
+          <a:effectLst/>
+          <a:sp3d/>
+        </p:spPr>
+        <p:style>
+          <a:lnRef idx="0">
+            <a:scrgbClr r="0" g="0" b="0"/>
+          </a:lnRef>
+          <a:fillRef idx="0">
+            <a:scrgbClr r="0" g="0" b="0"/>
+          </a:fillRef>
+          <a:effectRef idx="0">
+            <a:scrgbClr r="0" g="0" b="0"/>
+          </a:effectRef>
+          <a:fontRef idx="none"/>
+        </p:style>
+        <p:txBody>
+          <a:bodyPr rot="0" spcFirstLastPara="1" vertOverflow="overflow" horzOverflow="overflow" vert="horz" wrap="square" lIns="50800" tIns="50800" rIns="50800" bIns="50800" numCol="1" spcCol="38100" rtlCol="0" anchor="ctr">
+            <a:spAutoFit/>
+          </a:bodyPr>
+          <a:lstStyle/>
+          <a:p>
+            <a:pPr marL="0" marR="0" indent="0" algn="ctr" defTabSz="584200" rtl="0" fontAlgn="auto" latinLnBrk="0" hangingPunct="0">
+              <a:lnSpc>
+                <a:spcPct val="100000"/>
+              </a:lnSpc>
+              <a:spcBef>
+                <a:spcPts val="0"/>
+              </a:spcBef>
+              <a:spcAft>
+                <a:spcPts val="0"/>
+              </a:spcAft>
+              <a:buClrTx/>
+              <a:buSzTx/>
+              <a:buFontTx/>
+              <a:buNone/>
+              <a:tabLst/>
+            </a:pPr>
+            <a:endParaRPr kumimoji="0" lang="fr-FR" sz="2600" b="0" i="0" u="none" strike="noStrike" cap="none" spc="0" normalizeH="0" baseline="0">
+              <a:ln>
+                <a:noFill/>
+              </a:ln>
+              <a:solidFill>
+                <a:srgbClr val="FFFFFF"/>
+              </a:solidFill>
+              <a:effectLst/>
+              <a:uFillTx/>
+              <a:latin typeface="+mn-lt"/>
+              <a:ea typeface="+mn-ea"/>
+              <a:cs typeface="+mn-cs"/>
+              <a:sym typeface="Helvetica Light"/>
+            </a:endParaRPr>
+          </a:p>
+        </p:txBody>
+      </p:sp>
+      <p:pic>
+        <p:nvPicPr>
+          <p:cNvPr id="17" name="Picture 2" descr="http://www.iconsdb.com/icons/preview/white/github-9-xxl.png"/>
+          <p:cNvPicPr>
+            <a:picLocks noChangeAspect="1" noChangeArrowheads="1"/>
+          </p:cNvPicPr>
+          <p:nvPr/>
+        </p:nvPicPr>
+        <p:blipFill>
+          <a:blip r:embed="rId2" cstate="print">
+            <a:extLst>
+              <a:ext uri="{28A0092B-C50C-407E-A947-70E740481C1C}">
+                <a14:useLocalDpi xmlns:a14="http://schemas.microsoft.com/office/drawing/2010/main" val="0"/>
+              </a:ext>
+            </a:extLst>
+          </a:blip>
+          <a:srcRect/>
+          <a:stretch>
+            <a:fillRect/>
+          </a:stretch>
+        </p:blipFill>
+        <p:spPr bwMode="auto">
+          <a:xfrm>
+            <a:off x="9738251" y="6482590"/>
+            <a:ext cx="547200" cy="547200"/>
+          </a:xfrm>
+          <a:prstGeom prst="rect">
+            <a:avLst/>
+          </a:prstGeom>
+          <a:noFill/>
+          <a:extLst>
+            <a:ext uri="{909E8E84-426E-40DD-AFC4-6F175D3DCCD1}">
+              <a14:hiddenFill xmlns:a14="http://schemas.microsoft.com/office/drawing/2010/main">
+                <a:solidFill>
+                  <a:srgbClr val="FFFFFF"/>
+                </a:solidFill>
+              </a14:hiddenFill>
+            </a:ext>
+          </a:extLst>
+        </p:spPr>
+      </p:pic>
+      <p:pic>
+        <p:nvPicPr>
+          <p:cNvPr id="18" name="Picture 4" descr="http://luckyday.co/wp-content/themes/luckydaytheme/img/twitter.png"/>
+          <p:cNvPicPr>
+            <a:picLocks noChangeAspect="1" noChangeArrowheads="1"/>
+          </p:cNvPicPr>
+          <p:nvPr/>
+        </p:nvPicPr>
+        <p:blipFill>
+          <a:blip r:embed="rId3" cstate="print">
+            <a:extLst>
+              <a:ext uri="{28A0092B-C50C-407E-A947-70E740481C1C}">
+                <a14:useLocalDpi xmlns:a14="http://schemas.microsoft.com/office/drawing/2010/main" val="0"/>
+              </a:ext>
+            </a:extLst>
+          </a:blip>
+          <a:srcRect/>
+          <a:stretch>
+            <a:fillRect/>
+          </a:stretch>
+        </p:blipFill>
+        <p:spPr bwMode="auto">
+          <a:xfrm>
+            <a:off x="9665096" y="5561708"/>
+            <a:ext cx="693511" cy="693511"/>
+          </a:xfrm>
+          <a:prstGeom prst="rect">
+            <a:avLst/>
+          </a:prstGeom>
+          <a:noFill/>
+          <a:extLst>
+            <a:ext uri="{909E8E84-426E-40DD-AFC4-6F175D3DCCD1}">
+              <a14:hiddenFill xmlns:a14="http://schemas.microsoft.com/office/drawing/2010/main">
+                <a:solidFill>
+                  <a:srgbClr val="FFFFFF"/>
+                </a:solidFill>
+              </a14:hiddenFill>
+            </a:ext>
+          </a:extLst>
+        </p:spPr>
+      </p:pic>
+      <p:sp>
+        <p:nvSpPr>
+          <p:cNvPr id="19" name="ZoneTexte 18"/>
+          <p:cNvSpPr txBox="1"/>
+          <p:nvPr/>
+        </p:nvSpPr>
+        <p:spPr>
+          <a:xfrm>
+            <a:off x="10597237" y="6571524"/>
+            <a:ext cx="1868721" cy="369332"/>
+          </a:xfrm>
+          <a:prstGeom prst="rect">
+            <a:avLst/>
+          </a:prstGeom>
+          <a:noFill/>
+        </p:spPr>
+        <p:txBody>
+          <a:bodyPr wrap="square" rtlCol="0">
+            <a:spAutoFit/>
+          </a:bodyPr>
+          <a:lstStyle/>
+          <a:p>
+            <a:pPr algn="l"/>
+            <a:r>
+              <a:rPr lang="fr-FR" sz="1800" b="0" dirty="0" err="1">
+                <a:solidFill>
+                  <a:schemeClr val="tx1"/>
+                </a:solidFill>
+                <a:latin typeface="Lato" charset="0"/>
+                <a:ea typeface="Lato" charset="0"/>
+                <a:cs typeface="Lato" charset="0"/>
+              </a:rPr>
+              <a:t>mmetesreau</a:t>
+            </a:r>
+            <a:endParaRPr lang="fr-FR" sz="1800" b="0" dirty="0">
+              <a:solidFill>
+                <a:schemeClr val="tx1"/>
+              </a:solidFill>
+              <a:latin typeface="Lato" charset="0"/>
+              <a:ea typeface="Lato" charset="0"/>
+              <a:cs typeface="Lato" charset="0"/>
+            </a:endParaRPr>
+          </a:p>
+        </p:txBody>
+      </p:sp>
+      <p:sp>
+        <p:nvSpPr>
+          <p:cNvPr id="20" name="ZoneTexte 19"/>
+          <p:cNvSpPr txBox="1"/>
+          <p:nvPr/>
+        </p:nvSpPr>
+        <p:spPr>
+          <a:xfrm>
+            <a:off x="10575596" y="5661701"/>
+            <a:ext cx="1868721" cy="369332"/>
+          </a:xfrm>
+          <a:prstGeom prst="rect">
+            <a:avLst/>
+          </a:prstGeom>
+          <a:noFill/>
+        </p:spPr>
+        <p:txBody>
+          <a:bodyPr wrap="square" rtlCol="0">
+            <a:spAutoFit/>
+          </a:bodyPr>
+          <a:lstStyle/>
+          <a:p>
+            <a:pPr algn="l"/>
+            <a:r>
+              <a:rPr lang="fr-FR" sz="1800" b="0" dirty="0" err="1">
+                <a:solidFill>
+                  <a:schemeClr val="tx1"/>
+                </a:solidFill>
+                <a:latin typeface="Lato" charset="0"/>
+                <a:ea typeface="Lato" charset="0"/>
+                <a:cs typeface="Lato" charset="0"/>
+              </a:rPr>
+              <a:t>mmetesreau</a:t>
+            </a:r>
+            <a:endParaRPr lang="fr-FR" sz="1800" b="0" dirty="0">
+              <a:solidFill>
+                <a:schemeClr val="tx1"/>
+              </a:solidFill>
+              <a:latin typeface="Lato" charset="0"/>
+              <a:ea typeface="Lato" charset="0"/>
+              <a:cs typeface="Lato" charset="0"/>
+            </a:endParaRPr>
+          </a:p>
+        </p:txBody>
+      </p:sp>
+      <p:sp>
+        <p:nvSpPr>
+          <p:cNvPr id="21" name="ZoneTexte 20"/>
+          <p:cNvSpPr txBox="1"/>
+          <p:nvPr/>
+        </p:nvSpPr>
+        <p:spPr>
+          <a:xfrm>
+            <a:off x="4762500" y="5749870"/>
+            <a:ext cx="3619500" cy="487313"/>
+          </a:xfrm>
+          <a:prstGeom prst="rect">
+            <a:avLst/>
+          </a:prstGeom>
+          <a:noFill/>
+          <a:ln w="12700" cap="flat">
+            <a:noFill/>
+            <a:miter lim="400000"/>
+          </a:ln>
+          <a:effectLst/>
+          <a:sp3d/>
+        </p:spPr>
+        <p:style>
+          <a:lnRef idx="0">
+            <a:scrgbClr r="0" g="0" b="0"/>
+          </a:lnRef>
+          <a:fillRef idx="0">
+            <a:scrgbClr r="0" g="0" b="0"/>
+          </a:fillRef>
+          <a:effectRef idx="0">
+            <a:scrgbClr r="0" g="0" b="0"/>
+          </a:effectRef>
+          <a:fontRef idx="none"/>
+        </p:style>
+        <p:txBody>
+          <a:bodyPr rot="0" spcFirstLastPara="1" vertOverflow="overflow" horzOverflow="overflow" vert="horz" wrap="square" lIns="50800" tIns="50800" rIns="50800" bIns="50800" numCol="1" spcCol="38100" rtlCol="0" anchor="ctr">
+            <a:spAutoFit/>
+          </a:bodyPr>
+          <a:lstStyle/>
+          <a:p>
+            <a:pPr marL="0" marR="0" indent="0" algn="l" defTabSz="584200" rtl="0" fontAlgn="auto" latinLnBrk="0" hangingPunct="0">
+              <a:lnSpc>
+                <a:spcPct val="100000"/>
+              </a:lnSpc>
+              <a:spcBef>
+                <a:spcPts val="0"/>
+              </a:spcBef>
+              <a:spcAft>
+                <a:spcPts val="0"/>
+              </a:spcAft>
+              <a:buClrTx/>
+              <a:buSzTx/>
+              <a:buFontTx/>
+              <a:buNone/>
+              <a:tabLst/>
+            </a:pPr>
+            <a:r>
+              <a:rPr kumimoji="0" lang="fr-FR" sz="2500" b="0" i="0" u="none" strike="noStrike" cap="none" spc="0" normalizeH="0" baseline="0" dirty="0">
+                <a:ln>
+                  <a:noFill/>
+                </a:ln>
+                <a:solidFill>
+                  <a:srgbClr val="FFFFFF"/>
+                </a:solidFill>
+                <a:effectLst/>
+                <a:uFillTx/>
+                <a:latin typeface="Lato" charset="0"/>
+                <a:ea typeface="Lato" charset="0"/>
+                <a:cs typeface="Lato" charset="0"/>
+                <a:sym typeface="Helvetica Light"/>
+              </a:rPr>
+              <a:t>Mickael</a:t>
+            </a:r>
+          </a:p>
+        </p:txBody>
+      </p:sp>
+      <p:sp>
+        <p:nvSpPr>
+          <p:cNvPr id="22" name="ZoneTexte 21"/>
+          <p:cNvSpPr txBox="1"/>
+          <p:nvPr/>
+        </p:nvSpPr>
+        <p:spPr>
+          <a:xfrm>
+            <a:off x="4762499" y="6283148"/>
+            <a:ext cx="3729605" cy="718145"/>
+          </a:xfrm>
+          <a:prstGeom prst="rect">
+            <a:avLst/>
+          </a:prstGeom>
+          <a:noFill/>
+          <a:ln w="12700" cap="flat">
+            <a:noFill/>
+            <a:miter lim="400000"/>
+          </a:ln>
+          <a:effectLst/>
+          <a:sp3d/>
+        </p:spPr>
+        <p:style>
+          <a:lnRef idx="0">
+            <a:scrgbClr r="0" g="0" b="0"/>
+          </a:lnRef>
+          <a:fillRef idx="0">
+            <a:scrgbClr r="0" g="0" b="0"/>
+          </a:fillRef>
+          <a:effectRef idx="0">
+            <a:scrgbClr r="0" g="0" b="0"/>
+          </a:effectRef>
+          <a:fontRef idx="none"/>
+        </p:style>
+        <p:txBody>
+          <a:bodyPr rot="0" spcFirstLastPara="1" vertOverflow="overflow" horzOverflow="overflow" vert="horz" wrap="square" lIns="50800" tIns="50800" rIns="50800" bIns="50800" numCol="1" spcCol="38100" rtlCol="0" anchor="ctr">
+            <a:spAutoFit/>
+          </a:bodyPr>
+          <a:lstStyle/>
+          <a:p>
+            <a:pPr marL="0" marR="0" indent="0" algn="l" defTabSz="584200" rtl="0" fontAlgn="auto" latinLnBrk="0" hangingPunct="0">
+              <a:lnSpc>
+                <a:spcPct val="100000"/>
+              </a:lnSpc>
+              <a:spcBef>
+                <a:spcPts val="0"/>
+              </a:spcBef>
+              <a:spcAft>
+                <a:spcPts val="0"/>
+              </a:spcAft>
+              <a:buClrTx/>
+              <a:buSzTx/>
+              <a:buFontTx/>
+              <a:buNone/>
+              <a:tabLst/>
+            </a:pPr>
+            <a:r>
+              <a:rPr kumimoji="0" lang="fr-FR" sz="4000" b="1" i="0" u="none" strike="noStrike" cap="none" spc="0" normalizeH="0" baseline="0" dirty="0">
+                <a:ln>
+                  <a:noFill/>
+                </a:ln>
+                <a:solidFill>
+                  <a:srgbClr val="FFFFFF"/>
+                </a:solidFill>
+                <a:effectLst/>
+                <a:uFillTx/>
+                <a:latin typeface="Lato" charset="0"/>
+                <a:ea typeface="Lato" charset="0"/>
+                <a:cs typeface="Lato" charset="0"/>
+                <a:sym typeface="Helvetica Light"/>
+              </a:rPr>
+              <a:t>METESREAU</a:t>
+            </a:r>
+          </a:p>
+        </p:txBody>
+      </p:sp>
+      <p:sp>
+        <p:nvSpPr>
+          <p:cNvPr id="2" name="Ellipse 1"/>
+          <p:cNvSpPr/>
+          <p:nvPr/>
+        </p:nvSpPr>
+        <p:spPr>
+          <a:xfrm>
+            <a:off x="598275" y="757025"/>
+            <a:ext cx="3661200" cy="3661200"/>
+          </a:xfrm>
+          <a:prstGeom prst="ellipse">
+            <a:avLst/>
+          </a:prstGeom>
+          <a:solidFill>
+            <a:schemeClr val="tx1"/>
+          </a:solidFill>
+          <a:ln w="12700" cap="flat">
+            <a:noFill/>
+            <a:miter lim="400000"/>
+          </a:ln>
+          <a:effectLst/>
+          <a:sp3d/>
+        </p:spPr>
+        <p:style>
+          <a:lnRef idx="0">
+            <a:scrgbClr r="0" g="0" b="0"/>
+          </a:lnRef>
+          <a:fillRef idx="0">
+            <a:scrgbClr r="0" g="0" b="0"/>
+          </a:fillRef>
+          <a:effectRef idx="0">
+            <a:scrgbClr r="0" g="0" b="0"/>
+          </a:effectRef>
+          <a:fontRef idx="none"/>
+        </p:style>
+        <p:txBody>
+          <a:bodyPr rot="0" spcFirstLastPara="1" vertOverflow="overflow" horzOverflow="overflow" vert="horz" wrap="square" lIns="50800" tIns="50800" rIns="50800" bIns="50800" numCol="1" spcCol="38100" rtlCol="0" anchor="ctr">
+            <a:spAutoFit/>
+          </a:bodyPr>
+          <a:lstStyle/>
+          <a:p>
+            <a:pPr marL="0" marR="0" indent="0" algn="ctr" defTabSz="584200" rtl="0" fontAlgn="auto" latinLnBrk="0" hangingPunct="0">
+              <a:lnSpc>
+                <a:spcPct val="100000"/>
+              </a:lnSpc>
+              <a:spcBef>
+                <a:spcPts val="0"/>
+              </a:spcBef>
+              <a:spcAft>
+                <a:spcPts val="0"/>
+              </a:spcAft>
+              <a:buClrTx/>
+              <a:buSzTx/>
+              <a:buFontTx/>
+              <a:buNone/>
+              <a:tabLst/>
+            </a:pPr>
+            <a:endParaRPr kumimoji="0" lang="fr-FR" sz="2600" b="0" i="0" u="none" strike="noStrike" cap="none" spc="0" normalizeH="0" baseline="0">
+              <a:ln>
+                <a:noFill/>
+              </a:ln>
+              <a:solidFill>
+                <a:srgbClr val="FFFFFF"/>
+              </a:solidFill>
+              <a:effectLst/>
+              <a:uFillTx/>
+              <a:latin typeface="+mn-lt"/>
+              <a:ea typeface="+mn-ea"/>
+              <a:cs typeface="+mn-cs"/>
+              <a:sym typeface="Helvetica Light"/>
+            </a:endParaRPr>
+          </a:p>
+        </p:txBody>
+      </p:sp>
+      <p:sp>
+        <p:nvSpPr>
+          <p:cNvPr id="23" name="Rectangle 22"/>
+          <p:cNvSpPr/>
+          <p:nvPr/>
+        </p:nvSpPr>
+        <p:spPr>
+          <a:xfrm>
+            <a:off x="4733925" y="7211457"/>
+            <a:ext cx="7296150" cy="57150"/>
+          </a:xfrm>
+          <a:prstGeom prst="rect">
+            <a:avLst/>
+          </a:prstGeom>
+          <a:solidFill>
+            <a:schemeClr val="tx1"/>
+          </a:solidFill>
+          <a:ln w="12700" cap="flat">
+            <a:noFill/>
+            <a:miter lim="400000"/>
+          </a:ln>
+          <a:effectLst/>
+          <a:sp3d/>
+        </p:spPr>
+        <p:style>
+          <a:lnRef idx="0">
+            <a:scrgbClr r="0" g="0" b="0"/>
+          </a:lnRef>
+          <a:fillRef idx="0">
+            <a:scrgbClr r="0" g="0" b="0"/>
+          </a:fillRef>
+          <a:effectRef idx="0">
+            <a:scrgbClr r="0" g="0" b="0"/>
+          </a:effectRef>
+          <a:fontRef idx="none"/>
+        </p:style>
+        <p:txBody>
+          <a:bodyPr rot="0" spcFirstLastPara="1" vertOverflow="overflow" horzOverflow="overflow" vert="horz" wrap="square" lIns="50800" tIns="50800" rIns="50800" bIns="50800" numCol="1" spcCol="38100" rtlCol="0" anchor="ctr">
+            <a:spAutoFit/>
+          </a:bodyPr>
+          <a:lstStyle/>
+          <a:p>
+            <a:pPr marL="0" marR="0" indent="0" algn="ctr" defTabSz="584200" rtl="0" fontAlgn="auto" latinLnBrk="0" hangingPunct="0">
+              <a:lnSpc>
+                <a:spcPct val="100000"/>
+              </a:lnSpc>
+              <a:spcBef>
+                <a:spcPts val="0"/>
+              </a:spcBef>
+              <a:spcAft>
+                <a:spcPts val="0"/>
+              </a:spcAft>
+              <a:buClrTx/>
+              <a:buSzTx/>
+              <a:buFontTx/>
+              <a:buNone/>
+              <a:tabLst/>
+            </a:pPr>
+            <a:endParaRPr kumimoji="0" lang="fr-FR" sz="2600" b="0" i="0" u="none" strike="noStrike" cap="none" spc="0" normalizeH="0" baseline="0">
+              <a:ln>
+                <a:noFill/>
+              </a:ln>
+              <a:solidFill>
+                <a:srgbClr val="FFFFFF"/>
+              </a:solidFill>
+              <a:effectLst/>
+              <a:uFillTx/>
+              <a:latin typeface="+mn-lt"/>
+              <a:ea typeface="+mn-ea"/>
+              <a:cs typeface="+mn-cs"/>
+              <a:sym typeface="Helvetica Light"/>
+            </a:endParaRPr>
+          </a:p>
+        </p:txBody>
+      </p:sp>
+      <p:pic>
+        <p:nvPicPr>
+          <p:cNvPr id="24" name="Picture 2" descr="http://www.iconsdb.com/icons/preview/white/github-9-xxl.png"/>
+          <p:cNvPicPr>
+            <a:picLocks noChangeAspect="1" noChangeArrowheads="1"/>
+          </p:cNvPicPr>
+          <p:nvPr/>
+        </p:nvPicPr>
+        <p:blipFill>
+          <a:blip r:embed="rId2" cstate="print">
+            <a:extLst>
+              <a:ext uri="{28A0092B-C50C-407E-A947-70E740481C1C}">
+                <a14:useLocalDpi xmlns:a14="http://schemas.microsoft.com/office/drawing/2010/main" val="0"/>
+              </a:ext>
+            </a:extLst>
+          </a:blip>
+          <a:srcRect/>
+          <a:stretch>
+            <a:fillRect/>
+          </a:stretch>
+        </p:blipFill>
+        <p:spPr bwMode="auto">
+          <a:xfrm>
+            <a:off x="9738251" y="1889736"/>
+            <a:ext cx="547200" cy="547200"/>
+          </a:xfrm>
+          <a:prstGeom prst="rect">
+            <a:avLst/>
+          </a:prstGeom>
+          <a:noFill/>
+          <a:extLst>
+            <a:ext uri="{909E8E84-426E-40DD-AFC4-6F175D3DCCD1}">
+              <a14:hiddenFill xmlns:a14="http://schemas.microsoft.com/office/drawing/2010/main">
+                <a:solidFill>
+                  <a:srgbClr val="FFFFFF"/>
+                </a:solidFill>
+              </a14:hiddenFill>
+            </a:ext>
+          </a:extLst>
+        </p:spPr>
+      </p:pic>
+      <p:pic>
+        <p:nvPicPr>
+          <p:cNvPr id="25" name="Picture 4" descr="http://luckyday.co/wp-content/themes/luckydaytheme/img/twitter.png"/>
+          <p:cNvPicPr>
+            <a:picLocks noChangeAspect="1" noChangeArrowheads="1"/>
+          </p:cNvPicPr>
+          <p:nvPr/>
+        </p:nvPicPr>
+        <p:blipFill>
+          <a:blip r:embed="rId3" cstate="print">
+            <a:extLst>
+              <a:ext uri="{28A0092B-C50C-407E-A947-70E740481C1C}">
+                <a14:useLocalDpi xmlns:a14="http://schemas.microsoft.com/office/drawing/2010/main" val="0"/>
+              </a:ext>
+            </a:extLst>
+          </a:blip>
+          <a:srcRect/>
+          <a:stretch>
+            <a:fillRect/>
+          </a:stretch>
+        </p:blipFill>
+        <p:spPr bwMode="auto">
+          <a:xfrm>
+            <a:off x="9665096" y="968854"/>
+            <a:ext cx="693511" cy="693511"/>
+          </a:xfrm>
+          <a:prstGeom prst="rect">
+            <a:avLst/>
+          </a:prstGeom>
+          <a:noFill/>
+          <a:extLst>
+            <a:ext uri="{909E8E84-426E-40DD-AFC4-6F175D3DCCD1}">
+              <a14:hiddenFill xmlns:a14="http://schemas.microsoft.com/office/drawing/2010/main">
+                <a:solidFill>
+                  <a:srgbClr val="FFFFFF"/>
+                </a:solidFill>
+              </a14:hiddenFill>
+            </a:ext>
+          </a:extLst>
+        </p:spPr>
+      </p:pic>
+      <p:sp>
+        <p:nvSpPr>
+          <p:cNvPr id="26" name="ZoneTexte 25"/>
+          <p:cNvSpPr txBox="1"/>
+          <p:nvPr/>
+        </p:nvSpPr>
+        <p:spPr>
+          <a:xfrm>
+            <a:off x="10597237" y="1978670"/>
+            <a:ext cx="1868721" cy="369332"/>
+          </a:xfrm>
+          <a:prstGeom prst="rect">
+            <a:avLst/>
+          </a:prstGeom>
+          <a:noFill/>
+        </p:spPr>
+        <p:txBody>
+          <a:bodyPr wrap="square" rtlCol="0">
+            <a:spAutoFit/>
+          </a:bodyPr>
+          <a:lstStyle/>
+          <a:p>
+            <a:pPr algn="l"/>
+            <a:r>
+              <a:rPr lang="fr-FR" sz="1800" dirty="0" err="1">
+                <a:solidFill>
+                  <a:schemeClr val="tx1"/>
+                </a:solidFill>
+                <a:latin typeface="Lato" charset="0"/>
+                <a:ea typeface="Lato" charset="0"/>
+                <a:cs typeface="Lato" charset="0"/>
+              </a:rPr>
+              <a:t>raphaelwach</a:t>
+            </a:r>
+            <a:endParaRPr lang="fr-FR" sz="1800" b="0" dirty="0">
+              <a:solidFill>
+                <a:schemeClr val="tx1"/>
+              </a:solidFill>
+              <a:latin typeface="Lato" charset="0"/>
+              <a:ea typeface="Lato" charset="0"/>
+              <a:cs typeface="Lato" charset="0"/>
+            </a:endParaRPr>
+          </a:p>
+        </p:txBody>
+      </p:sp>
+      <p:sp>
+        <p:nvSpPr>
+          <p:cNvPr id="27" name="ZoneTexte 26"/>
+          <p:cNvSpPr txBox="1"/>
+          <p:nvPr/>
+        </p:nvSpPr>
+        <p:spPr>
+          <a:xfrm>
+            <a:off x="10575596" y="1068847"/>
+            <a:ext cx="1868721" cy="369332"/>
+          </a:xfrm>
+          <a:prstGeom prst="rect">
+            <a:avLst/>
+          </a:prstGeom>
+          <a:noFill/>
+        </p:spPr>
+        <p:txBody>
+          <a:bodyPr wrap="square" rtlCol="0">
+            <a:spAutoFit/>
+          </a:bodyPr>
+          <a:lstStyle/>
+          <a:p>
+            <a:pPr algn="l"/>
+            <a:r>
+              <a:rPr lang="fr-FR" sz="1800" dirty="0" err="1">
+                <a:solidFill>
+                  <a:schemeClr val="tx1"/>
+                </a:solidFill>
+                <a:latin typeface="Lato" charset="0"/>
+                <a:ea typeface="Lato" charset="0"/>
+                <a:cs typeface="Lato" charset="0"/>
+              </a:rPr>
+              <a:t>raphaelwach</a:t>
+            </a:r>
+            <a:endParaRPr lang="fr-FR" sz="1800" b="0" dirty="0">
+              <a:solidFill>
+                <a:schemeClr val="tx1"/>
+              </a:solidFill>
+              <a:latin typeface="Lato" charset="0"/>
+              <a:ea typeface="Lato" charset="0"/>
+              <a:cs typeface="Lato" charset="0"/>
+            </a:endParaRPr>
+          </a:p>
+        </p:txBody>
+      </p:sp>
+      <p:sp>
+        <p:nvSpPr>
+          <p:cNvPr id="28" name="ZoneTexte 27"/>
+          <p:cNvSpPr txBox="1"/>
+          <p:nvPr/>
+        </p:nvSpPr>
+        <p:spPr>
+          <a:xfrm>
+            <a:off x="4762500" y="2846386"/>
+            <a:ext cx="6515100" cy="487313"/>
+          </a:xfrm>
+          <a:prstGeom prst="rect">
+            <a:avLst/>
+          </a:prstGeom>
+          <a:noFill/>
+          <a:ln w="12700" cap="flat">
+            <a:noFill/>
+            <a:miter lim="400000"/>
+          </a:ln>
+          <a:effectLst/>
+          <a:sp3d/>
+        </p:spPr>
+        <p:style>
+          <a:lnRef idx="0">
+            <a:scrgbClr r="0" g="0" b="0"/>
+          </a:lnRef>
+          <a:fillRef idx="0">
+            <a:scrgbClr r="0" g="0" b="0"/>
+          </a:fillRef>
+          <a:effectRef idx="0">
+            <a:scrgbClr r="0" g="0" b="0"/>
+          </a:effectRef>
+          <a:fontRef idx="none"/>
+        </p:style>
+        <p:txBody>
+          <a:bodyPr rot="0" spcFirstLastPara="1" vertOverflow="overflow" horzOverflow="overflow" vert="horz" wrap="square" lIns="50800" tIns="50800" rIns="50800" bIns="50800" numCol="1" spcCol="38100" rtlCol="0" anchor="ctr">
+            <a:spAutoFit/>
+          </a:bodyPr>
+          <a:lstStyle/>
+          <a:p>
+            <a:pPr marL="0" marR="0" indent="0" algn="l" defTabSz="584200" rtl="0" fontAlgn="auto" latinLnBrk="0" hangingPunct="0">
+              <a:lnSpc>
+                <a:spcPct val="100000"/>
+              </a:lnSpc>
+              <a:spcBef>
+                <a:spcPts val="0"/>
+              </a:spcBef>
+              <a:spcAft>
+                <a:spcPts val="0"/>
+              </a:spcAft>
+              <a:buClrTx/>
+              <a:buSzTx/>
+              <a:buFontTx/>
+              <a:buNone/>
+              <a:tabLst/>
+            </a:pPr>
+            <a:r>
+              <a:rPr kumimoji="0" lang="fr-FR" sz="2500" b="0" i="0" u="none" strike="noStrike" cap="none" spc="0" normalizeH="0" baseline="0" dirty="0">
+                <a:ln>
+                  <a:noFill/>
+                </a:ln>
+                <a:solidFill>
+                  <a:srgbClr val="FFFFFF"/>
+                </a:solidFill>
+                <a:effectLst/>
+                <a:uFillTx/>
+                <a:latin typeface="Lato" charset="0"/>
+                <a:ea typeface="Lato" charset="0"/>
+                <a:cs typeface="Lato" charset="0"/>
+                <a:sym typeface="Helvetica Light"/>
+              </a:rPr>
+              <a:t>Apple technologies</a:t>
+            </a:r>
+            <a:r>
+              <a:rPr kumimoji="0" lang="fr-FR" sz="2500" b="0" i="0" u="none" strike="noStrike" cap="none" spc="0" normalizeH="0" dirty="0">
+                <a:ln>
+                  <a:noFill/>
+                </a:ln>
+                <a:solidFill>
+                  <a:srgbClr val="FFFFFF"/>
+                </a:solidFill>
+                <a:effectLst/>
+                <a:uFillTx/>
+                <a:latin typeface="Lato" charset="0"/>
+                <a:ea typeface="Lato" charset="0"/>
+                <a:cs typeface="Lato" charset="0"/>
+                <a:sym typeface="Helvetica Light"/>
+              </a:rPr>
+              <a:t> expert at SOAT </a:t>
+            </a:r>
+            <a:endParaRPr kumimoji="0" lang="fr-FR" sz="2500" b="0" i="0" u="none" strike="noStrike" cap="none" spc="0" normalizeH="0" baseline="0" dirty="0">
+              <a:ln>
+                <a:noFill/>
+              </a:ln>
+              <a:solidFill>
+                <a:srgbClr val="FFFFFF"/>
+              </a:solidFill>
+              <a:effectLst/>
+              <a:uFillTx/>
+              <a:latin typeface="Lato" charset="0"/>
+              <a:ea typeface="Lato" charset="0"/>
+              <a:cs typeface="Lato" charset="0"/>
+              <a:sym typeface="Helvetica Light"/>
+            </a:endParaRPr>
+          </a:p>
+        </p:txBody>
+      </p:sp>
+      <p:sp>
+        <p:nvSpPr>
+          <p:cNvPr id="29" name="ZoneTexte 28"/>
+          <p:cNvSpPr txBox="1"/>
+          <p:nvPr/>
+        </p:nvSpPr>
+        <p:spPr>
+          <a:xfrm>
+            <a:off x="4733925" y="7409781"/>
+            <a:ext cx="7296150" cy="487313"/>
+          </a:xfrm>
+          <a:prstGeom prst="rect">
+            <a:avLst/>
+          </a:prstGeom>
+          <a:noFill/>
+          <a:ln w="12700" cap="flat">
+            <a:noFill/>
+            <a:miter lim="400000"/>
+          </a:ln>
+          <a:effectLst/>
+          <a:sp3d/>
+        </p:spPr>
+        <p:style>
+          <a:lnRef idx="0">
+            <a:scrgbClr r="0" g="0" b="0"/>
+          </a:lnRef>
+          <a:fillRef idx="0">
+            <a:scrgbClr r="0" g="0" b="0"/>
+          </a:fillRef>
+          <a:effectRef idx="0">
+            <a:scrgbClr r="0" g="0" b="0"/>
+          </a:effectRef>
+          <a:fontRef idx="none"/>
+        </p:style>
+        <p:txBody>
+          <a:bodyPr rot="0" spcFirstLastPara="1" vertOverflow="overflow" horzOverflow="overflow" vert="horz" wrap="square" lIns="50800" tIns="50800" rIns="50800" bIns="50800" numCol="1" spcCol="38100" rtlCol="0" anchor="ctr">
+            <a:spAutoFit/>
+          </a:bodyPr>
+          <a:lstStyle/>
+          <a:p>
+            <a:pPr marL="0" marR="0" indent="0" algn="l" defTabSz="584200" rtl="0" fontAlgn="auto" latinLnBrk="0" hangingPunct="0">
+              <a:lnSpc>
+                <a:spcPct val="100000"/>
+              </a:lnSpc>
+              <a:spcBef>
+                <a:spcPts val="0"/>
+              </a:spcBef>
+              <a:spcAft>
+                <a:spcPts val="0"/>
+              </a:spcAft>
+              <a:buClrTx/>
+              <a:buSzTx/>
+              <a:buFontTx/>
+              <a:buNone/>
+              <a:tabLst/>
+            </a:pPr>
+            <a:r>
+              <a:rPr kumimoji="0" lang="fr-FR" sz="2500" b="0" i="0" u="none" strike="noStrike" cap="none" spc="0" normalizeH="0" baseline="0" dirty="0" err="1">
+                <a:ln>
+                  <a:noFill/>
+                </a:ln>
+                <a:solidFill>
+                  <a:srgbClr val="FFFFFF"/>
+                </a:solidFill>
+                <a:effectLst/>
+                <a:uFillTx/>
+                <a:latin typeface="Lato" charset="0"/>
+                <a:ea typeface="Lato" charset="0"/>
+                <a:cs typeface="Lato" charset="0"/>
+                <a:sym typeface="Helvetica Light"/>
+              </a:rPr>
+              <a:t>Founder</a:t>
+            </a:r>
+            <a:r>
+              <a:rPr kumimoji="0" lang="fr-FR" sz="2500" b="0" i="0" u="none" strike="noStrike" cap="none" spc="0" normalizeH="0" baseline="0" dirty="0">
+                <a:ln>
+                  <a:noFill/>
+                </a:ln>
+                <a:solidFill>
+                  <a:srgbClr val="FFFFFF"/>
+                </a:solidFill>
+                <a:effectLst/>
+                <a:uFillTx/>
+                <a:latin typeface="Lato" charset="0"/>
+                <a:ea typeface="Lato" charset="0"/>
+                <a:cs typeface="Lato" charset="0"/>
+                <a:sym typeface="Helvetica Light"/>
+              </a:rPr>
+              <a:t> and </a:t>
+            </a:r>
+            <a:r>
+              <a:rPr kumimoji="0" lang="fr-FR" sz="2500" b="0" i="0" u="none" strike="noStrike" cap="none" spc="0" normalizeH="0" baseline="0" dirty="0" err="1">
+                <a:ln>
+                  <a:noFill/>
+                </a:ln>
+                <a:solidFill>
+                  <a:srgbClr val="FFFFFF"/>
+                </a:solidFill>
+                <a:effectLst/>
+                <a:uFillTx/>
+                <a:latin typeface="Lato" charset="0"/>
+                <a:ea typeface="Lato" charset="0"/>
+                <a:cs typeface="Lato" charset="0"/>
+                <a:sym typeface="Helvetica Light"/>
+              </a:rPr>
+              <a:t>fullstack</a:t>
+            </a:r>
+            <a:r>
+              <a:rPr kumimoji="0" lang="fr-FR" sz="2500" b="0" i="0" u="none" strike="noStrike" cap="none" spc="0" normalizeH="0" baseline="0" dirty="0">
+                <a:ln>
+                  <a:noFill/>
+                </a:ln>
+                <a:solidFill>
+                  <a:srgbClr val="FFFFFF"/>
+                </a:solidFill>
+                <a:effectLst/>
+                <a:uFillTx/>
+                <a:latin typeface="Lato" charset="0"/>
+                <a:ea typeface="Lato" charset="0"/>
+                <a:cs typeface="Lato" charset="0"/>
+                <a:sym typeface="Helvetica Light"/>
+              </a:rPr>
+              <a:t> </a:t>
+            </a:r>
+            <a:r>
+              <a:rPr kumimoji="0" lang="fr-FR" sz="2500" b="0" i="0" u="none" strike="noStrike" cap="none" spc="0" normalizeH="0" baseline="0" dirty="0" err="1">
+                <a:ln>
+                  <a:noFill/>
+                </a:ln>
+                <a:solidFill>
+                  <a:srgbClr val="FFFFFF"/>
+                </a:solidFill>
+                <a:effectLst/>
+                <a:uFillTx/>
+                <a:latin typeface="Lato" charset="0"/>
+                <a:ea typeface="Lato" charset="0"/>
+                <a:cs typeface="Lato" charset="0"/>
+                <a:sym typeface="Helvetica Light"/>
+              </a:rPr>
+              <a:t>developer</a:t>
+            </a:r>
+            <a:r>
+              <a:rPr kumimoji="0" lang="fr-FR" sz="2500" b="0" i="0" u="none" strike="noStrike" cap="none" spc="0" normalizeH="0" baseline="0" dirty="0">
+                <a:ln>
+                  <a:noFill/>
+                </a:ln>
+                <a:solidFill>
+                  <a:srgbClr val="FFFFFF"/>
+                </a:solidFill>
+                <a:effectLst/>
+                <a:uFillTx/>
+                <a:latin typeface="Lato" charset="0"/>
+                <a:ea typeface="Lato" charset="0"/>
+                <a:cs typeface="Lato" charset="0"/>
+                <a:sym typeface="Helvetica Light"/>
+              </a:rPr>
+              <a:t> at SOFTCRAFT</a:t>
+            </a:r>
+          </a:p>
+        </p:txBody>
+      </p:sp>
+      <p:pic>
+        <p:nvPicPr>
+          <p:cNvPr id="11" name="Image 10"/>
+          <p:cNvPicPr>
+            <a:picLocks noChangeAspect="1"/>
+          </p:cNvPicPr>
+          <p:nvPr/>
+        </p:nvPicPr>
+        <p:blipFill>
+          <a:blip r:embed="rId4">
+            <a:extLst>
+              <a:ext uri="{28A0092B-C50C-407E-A947-70E740481C1C}">
+                <a14:useLocalDpi xmlns:a14="http://schemas.microsoft.com/office/drawing/2010/main" val="0"/>
+              </a:ext>
+            </a:extLst>
+          </a:blip>
+          <a:stretch>
+            <a:fillRect/>
+          </a:stretch>
+        </p:blipFill>
+        <p:spPr>
+          <a:xfrm>
+            <a:off x="778275" y="937025"/>
+            <a:ext cx="3301200" cy="3301200"/>
+          </a:xfrm>
+          <a:prstGeom prst="ellipse">
+            <a:avLst/>
+          </a:prstGeom>
+        </p:spPr>
+      </p:pic>
+      <p:sp>
+        <p:nvSpPr>
+          <p:cNvPr id="31" name="Ellipse 30"/>
+          <p:cNvSpPr/>
+          <p:nvPr/>
+        </p:nvSpPr>
+        <p:spPr>
+          <a:xfrm>
+            <a:off x="594488" y="5380857"/>
+            <a:ext cx="3661200" cy="3661200"/>
+          </a:xfrm>
+          <a:prstGeom prst="ellipse">
+            <a:avLst/>
+          </a:prstGeom>
+          <a:solidFill>
+            <a:schemeClr val="tx1"/>
+          </a:solidFill>
+          <a:ln w="12700" cap="flat">
+            <a:noFill/>
+            <a:miter lim="400000"/>
+          </a:ln>
+          <a:effectLst/>
+          <a:sp3d/>
+        </p:spPr>
+        <p:style>
+          <a:lnRef idx="0">
+            <a:scrgbClr r="0" g="0" b="0"/>
+          </a:lnRef>
+          <a:fillRef idx="0">
+            <a:scrgbClr r="0" g="0" b="0"/>
+          </a:fillRef>
+          <a:effectRef idx="0">
+            <a:scrgbClr r="0" g="0" b="0"/>
+          </a:effectRef>
+          <a:fontRef idx="none"/>
+        </p:style>
+        <p:txBody>
+          <a:bodyPr rot="0" spcFirstLastPara="1" vertOverflow="overflow" horzOverflow="overflow" vert="horz" wrap="square" lIns="50800" tIns="50800" rIns="50800" bIns="50800" numCol="1" spcCol="38100" rtlCol="0" anchor="ctr">
+            <a:spAutoFit/>
+          </a:bodyPr>
+          <a:lstStyle/>
+          <a:p>
+            <a:pPr marL="0" marR="0" indent="0" algn="ctr" defTabSz="584200" rtl="0" fontAlgn="auto" latinLnBrk="0" hangingPunct="0">
+              <a:lnSpc>
+                <a:spcPct val="100000"/>
+              </a:lnSpc>
+              <a:spcBef>
+                <a:spcPts val="0"/>
+              </a:spcBef>
+              <a:spcAft>
+                <a:spcPts val="0"/>
+              </a:spcAft>
+              <a:buClrTx/>
+              <a:buSzTx/>
+              <a:buFontTx/>
+              <a:buNone/>
+              <a:tabLst/>
+            </a:pPr>
+            <a:endParaRPr kumimoji="0" lang="fr-FR" sz="2600" b="0" i="0" u="none" strike="noStrike" cap="none" spc="0" normalizeH="0" baseline="0">
+              <a:ln>
+                <a:noFill/>
+              </a:ln>
+              <a:solidFill>
+                <a:srgbClr val="FFFFFF"/>
+              </a:solidFill>
+              <a:effectLst/>
+              <a:uFillTx/>
+              <a:latin typeface="+mn-lt"/>
+              <a:ea typeface="+mn-ea"/>
+              <a:cs typeface="+mn-cs"/>
+              <a:sym typeface="Helvetica Light"/>
+            </a:endParaRPr>
+          </a:p>
+        </p:txBody>
+      </p:sp>
+      <p:pic>
+        <p:nvPicPr>
+          <p:cNvPr id="12" name="Image 11"/>
+          <p:cNvPicPr>
+            <a:picLocks noChangeAspect="1"/>
+          </p:cNvPicPr>
+          <p:nvPr/>
+        </p:nvPicPr>
+        <p:blipFill>
+          <a:blip r:embed="rId5">
+            <a:extLst>
+              <a:ext uri="{28A0092B-C50C-407E-A947-70E740481C1C}">
+                <a14:useLocalDpi xmlns:a14="http://schemas.microsoft.com/office/drawing/2010/main" val="0"/>
+              </a:ext>
+            </a:extLst>
+          </a:blip>
+          <a:stretch>
+            <a:fillRect/>
+          </a:stretch>
+        </p:blipFill>
+        <p:spPr>
+          <a:xfrm>
+            <a:off x="778275" y="5560857"/>
+            <a:ext cx="3301200" cy="3301200"/>
+          </a:xfrm>
+          <a:prstGeom prst="ellipse">
+            <a:avLst/>
+          </a:prstGeom>
+        </p:spPr>
+      </p:pic>
+    </p:spTree>
+    <p:extLst>
+      <p:ext uri="{BB962C8B-B14F-4D97-AF65-F5344CB8AC3E}">
+        <p14:creationId xmlns:p14="http://schemas.microsoft.com/office/powerpoint/2010/main" val="726743938"/>
+      </p:ext>
+    </p:extLst>
+  </p:cSld>
+  <p:clrMapOvr>
+    <a:masterClrMapping/>
+  </p:clrMapOvr>
+  <p:transition spd="med"/>
 </p:sld>
 </file>
 
